--- a/BusinessLogic/Docs/EdaWorkshop_Sprint2.pptx
+++ b/BusinessLogic/Docs/EdaWorkshop_Sprint2.pptx
@@ -6,12 +6,22 @@
   </p:sldMasterIdLst>
   <p:sldIdLst>
     <p:sldId id="278" r:id="rId2"/>
-    <p:sldId id="307" r:id="rId3"/>
-    <p:sldId id="309" r:id="rId4"/>
-    <p:sldId id="312" r:id="rId5"/>
-    <p:sldId id="279" r:id="rId6"/>
-    <p:sldId id="310" r:id="rId7"/>
-    <p:sldId id="280" r:id="rId8"/>
+    <p:sldId id="313" r:id="rId3"/>
+    <p:sldId id="314" r:id="rId4"/>
+    <p:sldId id="315" r:id="rId5"/>
+    <p:sldId id="316" r:id="rId6"/>
+    <p:sldId id="317" r:id="rId7"/>
+    <p:sldId id="318" r:id="rId8"/>
+    <p:sldId id="327" r:id="rId9"/>
+    <p:sldId id="321" r:id="rId10"/>
+    <p:sldId id="322" r:id="rId11"/>
+    <p:sldId id="319" r:id="rId12"/>
+    <p:sldId id="320" r:id="rId13"/>
+    <p:sldId id="324" r:id="rId14"/>
+    <p:sldId id="325" r:id="rId15"/>
+    <p:sldId id="323" r:id="rId16"/>
+    <p:sldId id="326" r:id="rId17"/>
+    <p:sldId id="280" r:id="rId18"/>
   </p:sldIdLst>
   <p:sldSz cx="12192000" cy="6858000"/>
   <p:notesSz cx="6858000" cy="9144000"/>
@@ -249,7 +259,7 @@
           <a:p>
             <a:fld id="{0B5D536D-AE8C-4EAC-8CEB-B18A64A144B4}" type="datetimeFigureOut">
               <a:rPr lang="en-US" smtClean="0"/>
-              <a:t>9/19/2021</a:t>
+              <a:t>10/5/2021</a:t>
             </a:fld>
             <a:endParaRPr lang="en-US"/>
           </a:p>
@@ -419,7 +429,7 @@
           <a:p>
             <a:fld id="{0B5D536D-AE8C-4EAC-8CEB-B18A64A144B4}" type="datetimeFigureOut">
               <a:rPr lang="en-US" smtClean="0"/>
-              <a:t>9/19/2021</a:t>
+              <a:t>10/5/2021</a:t>
             </a:fld>
             <a:endParaRPr lang="en-US"/>
           </a:p>
@@ -599,7 +609,7 @@
           <a:p>
             <a:fld id="{0B5D536D-AE8C-4EAC-8CEB-B18A64A144B4}" type="datetimeFigureOut">
               <a:rPr lang="en-US" smtClean="0"/>
-              <a:t>9/19/2021</a:t>
+              <a:t>10/5/2021</a:t>
             </a:fld>
             <a:endParaRPr lang="en-US"/>
           </a:p>
@@ -769,7 +779,7 @@
           <a:p>
             <a:fld id="{0B5D536D-AE8C-4EAC-8CEB-B18A64A144B4}" type="datetimeFigureOut">
               <a:rPr lang="en-US" smtClean="0"/>
-              <a:t>9/19/2021</a:t>
+              <a:t>10/5/2021</a:t>
             </a:fld>
             <a:endParaRPr lang="en-US"/>
           </a:p>
@@ -1015,7 +1025,7 @@
           <a:p>
             <a:fld id="{0B5D536D-AE8C-4EAC-8CEB-B18A64A144B4}" type="datetimeFigureOut">
               <a:rPr lang="en-US" smtClean="0"/>
-              <a:t>9/19/2021</a:t>
+              <a:t>10/5/2021</a:t>
             </a:fld>
             <a:endParaRPr lang="en-US"/>
           </a:p>
@@ -1247,7 +1257,7 @@
           <a:p>
             <a:fld id="{0B5D536D-AE8C-4EAC-8CEB-B18A64A144B4}" type="datetimeFigureOut">
               <a:rPr lang="en-US" smtClean="0"/>
-              <a:t>9/19/2021</a:t>
+              <a:t>10/5/2021</a:t>
             </a:fld>
             <a:endParaRPr lang="en-US"/>
           </a:p>
@@ -1614,7 +1624,7 @@
           <a:p>
             <a:fld id="{0B5D536D-AE8C-4EAC-8CEB-B18A64A144B4}" type="datetimeFigureOut">
               <a:rPr lang="en-US" smtClean="0"/>
-              <a:t>9/19/2021</a:t>
+              <a:t>10/5/2021</a:t>
             </a:fld>
             <a:endParaRPr lang="en-US"/>
           </a:p>
@@ -1732,7 +1742,7 @@
           <a:p>
             <a:fld id="{0B5D536D-AE8C-4EAC-8CEB-B18A64A144B4}" type="datetimeFigureOut">
               <a:rPr lang="en-US" smtClean="0"/>
-              <a:t>9/19/2021</a:t>
+              <a:t>10/5/2021</a:t>
             </a:fld>
             <a:endParaRPr lang="en-US"/>
           </a:p>
@@ -1827,7 +1837,7 @@
           <a:p>
             <a:fld id="{0B5D536D-AE8C-4EAC-8CEB-B18A64A144B4}" type="datetimeFigureOut">
               <a:rPr lang="en-US" smtClean="0"/>
-              <a:t>9/19/2021</a:t>
+              <a:t>10/5/2021</a:t>
             </a:fld>
             <a:endParaRPr lang="en-US"/>
           </a:p>
@@ -2104,7 +2114,7 @@
           <a:p>
             <a:fld id="{0B5D536D-AE8C-4EAC-8CEB-B18A64A144B4}" type="datetimeFigureOut">
               <a:rPr lang="en-US" smtClean="0"/>
-              <a:t>9/19/2021</a:t>
+              <a:t>10/5/2021</a:t>
             </a:fld>
             <a:endParaRPr lang="en-US"/>
           </a:p>
@@ -2357,7 +2367,7 @@
           <a:p>
             <a:fld id="{0B5D536D-AE8C-4EAC-8CEB-B18A64A144B4}" type="datetimeFigureOut">
               <a:rPr lang="en-US" smtClean="0"/>
-              <a:t>9/19/2021</a:t>
+              <a:t>10/5/2021</a:t>
             </a:fld>
             <a:endParaRPr lang="en-US"/>
           </a:p>
@@ -2570,7 +2580,7 @@
           <a:p>
             <a:fld id="{0B5D536D-AE8C-4EAC-8CEB-B18A64A144B4}" type="datetimeFigureOut">
               <a:rPr lang="en-US" smtClean="0"/>
-              <a:t>9/19/2021</a:t>
+              <a:t>10/5/2021</a:t>
             </a:fld>
             <a:endParaRPr lang="en-US"/>
           </a:p>
@@ -3015,7 +3025,7 @@
           <a:p>
             <a:r>
               <a:rPr lang="en-US" dirty="0" smtClean="0"/>
-              <a:t>Auto Approval Service</a:t>
+              <a:t>GOAL: Automatically evaluate all incoming requests and determine which ones can be approved without the need for a manual review</a:t>
             </a:r>
             <a:endParaRPr lang="en-US" dirty="0"/>
           </a:p>
@@ -3025,6 +3035,1864 @@
     <p:extLst>
       <p:ext uri="{BB962C8B-B14F-4D97-AF65-F5344CB8AC3E}">
         <p14:creationId xmlns:p14="http://schemas.microsoft.com/office/powerpoint/2010/main" val="1185999949"/>
+      </p:ext>
+    </p:extLst>
+  </p:cSld>
+  <p:clrMapOvr>
+    <a:masterClrMapping/>
+  </p:clrMapOvr>
+  <p:timing>
+    <p:tnLst>
+      <p:par>
+        <p:cTn id="1" dur="indefinite" restart="never" nodeType="tmRoot"/>
+      </p:par>
+    </p:tnLst>
+  </p:timing>
+</p:sld>
+</file>
+
+<file path=ppt/slides/slide10.xml><?xml version="1.0" encoding="utf-8"?>
+<p:sld xmlns:a="http://schemas.openxmlformats.org/drawingml/2006/main" xmlns:r="http://schemas.openxmlformats.org/officeDocument/2006/relationships" xmlns:p="http://schemas.openxmlformats.org/presentationml/2006/main">
+  <p:cSld>
+    <p:spTree>
+      <p:nvGrpSpPr>
+        <p:cNvPr id="1" name=""/>
+        <p:cNvGrpSpPr/>
+        <p:nvPr/>
+      </p:nvGrpSpPr>
+      <p:grpSpPr>
+        <a:xfrm>
+          <a:off x="0" y="0"/>
+          <a:ext cx="0" cy="0"/>
+          <a:chOff x="0" y="0"/>
+          <a:chExt cx="0" cy="0"/>
+        </a:xfrm>
+      </p:grpSpPr>
+      <p:sp>
+        <p:nvSpPr>
+          <p:cNvPr id="3" name="Rectangle 2"/>
+          <p:cNvSpPr/>
+          <p:nvPr/>
+        </p:nvSpPr>
+        <p:spPr>
+          <a:xfrm>
+            <a:off x="4880610" y="1432560"/>
+            <a:ext cx="1973580" cy="4926330"/>
+          </a:xfrm>
+          <a:prstGeom prst="rect">
+            <a:avLst/>
+          </a:prstGeom>
+          <a:solidFill>
+            <a:schemeClr val="accent1">
+              <a:lumMod val="20000"/>
+              <a:lumOff val="80000"/>
+            </a:schemeClr>
+          </a:solidFill>
+        </p:spPr>
+        <p:style>
+          <a:lnRef idx="2">
+            <a:schemeClr val="accent1">
+              <a:shade val="50000"/>
+            </a:schemeClr>
+          </a:lnRef>
+          <a:fillRef idx="1">
+            <a:schemeClr val="accent1"/>
+          </a:fillRef>
+          <a:effectRef idx="0">
+            <a:schemeClr val="accent1"/>
+          </a:effectRef>
+          <a:fontRef idx="minor">
+            <a:schemeClr val="lt1"/>
+          </a:fontRef>
+        </p:style>
+        <p:txBody>
+          <a:bodyPr rtlCol="0" anchor="ctr"/>
+          <a:lstStyle/>
+          <a:p>
+            <a:pPr algn="ctr"/>
+            <a:endParaRPr lang="en-US"/>
+          </a:p>
+        </p:txBody>
+      </p:sp>
+      <p:sp>
+        <p:nvSpPr>
+          <p:cNvPr id="2" name="Title 1"/>
+          <p:cNvSpPr>
+            <a:spLocks noGrp="1"/>
+          </p:cNvSpPr>
+          <p:nvPr>
+            <p:ph type="title"/>
+          </p:nvPr>
+        </p:nvSpPr>
+        <p:spPr/>
+        <p:txBody>
+          <a:bodyPr>
+            <a:normAutofit/>
+          </a:bodyPr>
+          <a:lstStyle/>
+          <a:p>
+            <a:r>
+              <a:rPr lang="en-US" dirty="0"/>
+              <a:t>User Story </a:t>
+            </a:r>
+            <a:r>
+              <a:rPr lang="en-US" dirty="0" smtClean="0"/>
+              <a:t>2-1</a:t>
+            </a:r>
+            <a:r>
+              <a:rPr lang="en-US" dirty="0"/>
+              <a:t>: </a:t>
+            </a:r>
+            <a:r>
+              <a:rPr lang="en-US" dirty="0" smtClean="0"/>
+              <a:t>Consumer Groups</a:t>
+            </a:r>
+            <a:endParaRPr lang="en-US" dirty="0"/>
+          </a:p>
+        </p:txBody>
+      </p:sp>
+      <p:pic>
+        <p:nvPicPr>
+          <p:cNvPr id="5" name="Picture 4"/>
+          <p:cNvPicPr>
+            <a:picLocks noChangeAspect="1"/>
+          </p:cNvPicPr>
+          <p:nvPr/>
+        </p:nvPicPr>
+        <p:blipFill>
+          <a:blip r:embed="rId2" cstate="print">
+            <a:extLst>
+              <a:ext uri="{28A0092B-C50C-407E-A947-70E740481C1C}">
+                <a14:useLocalDpi xmlns:a14="http://schemas.microsoft.com/office/drawing/2010/main" val="0"/>
+              </a:ext>
+            </a:extLst>
+          </a:blip>
+          <a:stretch>
+            <a:fillRect/>
+          </a:stretch>
+        </p:blipFill>
+        <p:spPr>
+          <a:xfrm>
+            <a:off x="9135291" y="202837"/>
+            <a:ext cx="2455817" cy="1381224"/>
+          </a:xfrm>
+          <a:prstGeom prst="rect">
+            <a:avLst/>
+          </a:prstGeom>
+        </p:spPr>
+      </p:pic>
+      <p:sp>
+        <p:nvSpPr>
+          <p:cNvPr id="7" name="Can 6"/>
+          <p:cNvSpPr/>
+          <p:nvPr/>
+        </p:nvSpPr>
+        <p:spPr>
+          <a:xfrm rot="5400000">
+            <a:off x="1643786" y="2824971"/>
+            <a:ext cx="687392" cy="2517277"/>
+          </a:xfrm>
+          <a:prstGeom prst="can">
+            <a:avLst/>
+          </a:prstGeom>
+        </p:spPr>
+        <p:style>
+          <a:lnRef idx="2">
+            <a:schemeClr val="accent1">
+              <a:shade val="50000"/>
+            </a:schemeClr>
+          </a:lnRef>
+          <a:fillRef idx="1">
+            <a:schemeClr val="accent1"/>
+          </a:fillRef>
+          <a:effectRef idx="0">
+            <a:schemeClr val="accent1"/>
+          </a:effectRef>
+          <a:fontRef idx="minor">
+            <a:schemeClr val="lt1"/>
+          </a:fontRef>
+        </p:style>
+        <p:txBody>
+          <a:bodyPr vert="vert270" rtlCol="0" anchor="ctr"/>
+          <a:lstStyle/>
+          <a:p>
+            <a:pPr algn="ctr"/>
+            <a:r>
+              <a:rPr lang="en-US" dirty="0" smtClean="0"/>
+              <a:t>Message Bus</a:t>
+            </a:r>
+            <a:endParaRPr lang="en-US" dirty="0"/>
+          </a:p>
+        </p:txBody>
+      </p:sp>
+      <p:sp>
+        <p:nvSpPr>
+          <p:cNvPr id="8" name="Rectangle 7"/>
+          <p:cNvSpPr/>
+          <p:nvPr/>
+        </p:nvSpPr>
+        <p:spPr>
+          <a:xfrm>
+            <a:off x="5252978" y="2117598"/>
+            <a:ext cx="1212783" cy="933650"/>
+          </a:xfrm>
+          <a:prstGeom prst="rect">
+            <a:avLst/>
+          </a:prstGeom>
+        </p:spPr>
+        <p:style>
+          <a:lnRef idx="2">
+            <a:schemeClr val="accent1">
+              <a:shade val="50000"/>
+            </a:schemeClr>
+          </a:lnRef>
+          <a:fillRef idx="1">
+            <a:schemeClr val="accent1"/>
+          </a:fillRef>
+          <a:effectRef idx="0">
+            <a:schemeClr val="accent1"/>
+          </a:effectRef>
+          <a:fontRef idx="minor">
+            <a:schemeClr val="lt1"/>
+          </a:fontRef>
+        </p:style>
+        <p:txBody>
+          <a:bodyPr rtlCol="0" anchor="ctr"/>
+          <a:lstStyle/>
+          <a:p>
+            <a:pPr algn="ctr"/>
+            <a:r>
+              <a:rPr lang="en-US" dirty="0" smtClean="0"/>
+              <a:t>Consumer</a:t>
+            </a:r>
+            <a:endParaRPr lang="en-US" dirty="0"/>
+          </a:p>
+        </p:txBody>
+      </p:sp>
+      <p:sp>
+        <p:nvSpPr>
+          <p:cNvPr id="9" name="Rectangle 8"/>
+          <p:cNvSpPr/>
+          <p:nvPr/>
+        </p:nvSpPr>
+        <p:spPr>
+          <a:xfrm>
+            <a:off x="5252978" y="5036058"/>
+            <a:ext cx="1212783" cy="933650"/>
+          </a:xfrm>
+          <a:prstGeom prst="rect">
+            <a:avLst/>
+          </a:prstGeom>
+        </p:spPr>
+        <p:style>
+          <a:lnRef idx="2">
+            <a:schemeClr val="accent1">
+              <a:shade val="50000"/>
+            </a:schemeClr>
+          </a:lnRef>
+          <a:fillRef idx="1">
+            <a:schemeClr val="accent1"/>
+          </a:fillRef>
+          <a:effectRef idx="0">
+            <a:schemeClr val="accent1"/>
+          </a:effectRef>
+          <a:fontRef idx="minor">
+            <a:schemeClr val="lt1"/>
+          </a:fontRef>
+        </p:style>
+        <p:txBody>
+          <a:bodyPr rtlCol="0" anchor="ctr"/>
+          <a:lstStyle/>
+          <a:p>
+            <a:pPr algn="ctr"/>
+            <a:r>
+              <a:rPr lang="en-US" dirty="0" smtClean="0"/>
+              <a:t>Consumer</a:t>
+            </a:r>
+            <a:endParaRPr lang="en-US" dirty="0"/>
+          </a:p>
+        </p:txBody>
+      </p:sp>
+      <p:sp>
+        <p:nvSpPr>
+          <p:cNvPr id="10" name="Rectangle 9"/>
+          <p:cNvSpPr/>
+          <p:nvPr/>
+        </p:nvSpPr>
+        <p:spPr>
+          <a:xfrm>
+            <a:off x="5252978" y="3616784"/>
+            <a:ext cx="1212783" cy="933650"/>
+          </a:xfrm>
+          <a:prstGeom prst="rect">
+            <a:avLst/>
+          </a:prstGeom>
+        </p:spPr>
+        <p:style>
+          <a:lnRef idx="2">
+            <a:schemeClr val="accent1">
+              <a:shade val="50000"/>
+            </a:schemeClr>
+          </a:lnRef>
+          <a:fillRef idx="1">
+            <a:schemeClr val="accent1"/>
+          </a:fillRef>
+          <a:effectRef idx="0">
+            <a:schemeClr val="accent1"/>
+          </a:effectRef>
+          <a:fontRef idx="minor">
+            <a:schemeClr val="lt1"/>
+          </a:fontRef>
+        </p:style>
+        <p:txBody>
+          <a:bodyPr rtlCol="0" anchor="ctr"/>
+          <a:lstStyle/>
+          <a:p>
+            <a:pPr algn="ctr"/>
+            <a:r>
+              <a:rPr lang="en-US" dirty="0" smtClean="0"/>
+              <a:t>Consumer</a:t>
+            </a:r>
+            <a:endParaRPr lang="en-US" dirty="0"/>
+          </a:p>
+        </p:txBody>
+      </p:sp>
+      <p:cxnSp>
+        <p:nvCxnSpPr>
+          <p:cNvPr id="13" name="Elbow Connector 12"/>
+          <p:cNvCxnSpPr>
+            <a:stCxn id="7" idx="1"/>
+            <a:endCxn id="8" idx="1"/>
+          </p:cNvCxnSpPr>
+          <p:nvPr/>
+        </p:nvCxnSpPr>
+        <p:spPr>
+          <a:xfrm flipV="1">
+            <a:off x="3246121" y="2584423"/>
+            <a:ext cx="2006857" cy="1499187"/>
+          </a:xfrm>
+          <a:prstGeom prst="bentConnector3">
+            <a:avLst>
+              <a:gd name="adj1" fmla="val 24370"/>
+            </a:avLst>
+          </a:prstGeom>
+          <a:ln>
+            <a:tailEnd type="triangle"/>
+          </a:ln>
+        </p:spPr>
+        <p:style>
+          <a:lnRef idx="1">
+            <a:schemeClr val="accent1"/>
+          </a:lnRef>
+          <a:fillRef idx="0">
+            <a:schemeClr val="accent1"/>
+          </a:fillRef>
+          <a:effectRef idx="0">
+            <a:schemeClr val="accent1"/>
+          </a:effectRef>
+          <a:fontRef idx="minor">
+            <a:schemeClr val="tx1"/>
+          </a:fontRef>
+        </p:style>
+      </p:cxnSp>
+      <p:cxnSp>
+        <p:nvCxnSpPr>
+          <p:cNvPr id="15" name="Elbow Connector 14"/>
+          <p:cNvCxnSpPr>
+            <a:stCxn id="7" idx="1"/>
+            <a:endCxn id="10" idx="1"/>
+          </p:cNvCxnSpPr>
+          <p:nvPr/>
+        </p:nvCxnSpPr>
+        <p:spPr>
+          <a:xfrm flipV="1">
+            <a:off x="3246121" y="4083609"/>
+            <a:ext cx="2006857" cy="1"/>
+          </a:xfrm>
+          <a:prstGeom prst="bentConnector3">
+            <a:avLst/>
+          </a:prstGeom>
+          <a:ln>
+            <a:tailEnd type="triangle"/>
+          </a:ln>
+        </p:spPr>
+        <p:style>
+          <a:lnRef idx="1">
+            <a:schemeClr val="accent1"/>
+          </a:lnRef>
+          <a:fillRef idx="0">
+            <a:schemeClr val="accent1"/>
+          </a:fillRef>
+          <a:effectRef idx="0">
+            <a:schemeClr val="accent1"/>
+          </a:effectRef>
+          <a:fontRef idx="minor">
+            <a:schemeClr val="tx1"/>
+          </a:fontRef>
+        </p:style>
+      </p:cxnSp>
+      <p:cxnSp>
+        <p:nvCxnSpPr>
+          <p:cNvPr id="17" name="Elbow Connector 16"/>
+          <p:cNvCxnSpPr>
+            <a:stCxn id="7" idx="1"/>
+            <a:endCxn id="9" idx="1"/>
+          </p:cNvCxnSpPr>
+          <p:nvPr/>
+        </p:nvCxnSpPr>
+        <p:spPr>
+          <a:xfrm>
+            <a:off x="3246121" y="4083610"/>
+            <a:ext cx="2006857" cy="1419273"/>
+          </a:xfrm>
+          <a:prstGeom prst="bentConnector3">
+            <a:avLst>
+              <a:gd name="adj1" fmla="val 24370"/>
+            </a:avLst>
+          </a:prstGeom>
+          <a:ln>
+            <a:tailEnd type="triangle"/>
+          </a:ln>
+        </p:spPr>
+        <p:style>
+          <a:lnRef idx="1">
+            <a:schemeClr val="accent1"/>
+          </a:lnRef>
+          <a:fillRef idx="0">
+            <a:schemeClr val="accent1"/>
+          </a:fillRef>
+          <a:effectRef idx="0">
+            <a:schemeClr val="accent1"/>
+          </a:effectRef>
+          <a:fontRef idx="minor">
+            <a:schemeClr val="tx1"/>
+          </a:fontRef>
+        </p:style>
+      </p:cxnSp>
+      <p:sp>
+        <p:nvSpPr>
+          <p:cNvPr id="27" name="TextBox 26"/>
+          <p:cNvSpPr txBox="1"/>
+          <p:nvPr/>
+        </p:nvSpPr>
+        <p:spPr>
+          <a:xfrm>
+            <a:off x="3928110" y="2240727"/>
+            <a:ext cx="1143000" cy="276999"/>
+          </a:xfrm>
+          <a:prstGeom prst="rect">
+            <a:avLst/>
+          </a:prstGeom>
+          <a:noFill/>
+        </p:spPr>
+        <p:txBody>
+          <a:bodyPr wrap="square" rtlCol="0">
+            <a:spAutoFit/>
+          </a:bodyPr>
+          <a:lstStyle/>
+          <a:p>
+            <a:r>
+              <a:rPr lang="en-US" sz="1200" dirty="0" smtClean="0"/>
+              <a:t>1, 4</a:t>
+            </a:r>
+            <a:endParaRPr lang="en-US" sz="1200" dirty="0"/>
+          </a:p>
+        </p:txBody>
+      </p:sp>
+      <p:sp>
+        <p:nvSpPr>
+          <p:cNvPr id="28" name="TextBox 27"/>
+          <p:cNvSpPr txBox="1"/>
+          <p:nvPr/>
+        </p:nvSpPr>
+        <p:spPr>
+          <a:xfrm>
+            <a:off x="3928110" y="3711697"/>
+            <a:ext cx="1143000" cy="276999"/>
+          </a:xfrm>
+          <a:prstGeom prst="rect">
+            <a:avLst/>
+          </a:prstGeom>
+          <a:noFill/>
+        </p:spPr>
+        <p:txBody>
+          <a:bodyPr wrap="square" rtlCol="0">
+            <a:spAutoFit/>
+          </a:bodyPr>
+          <a:lstStyle/>
+          <a:p>
+            <a:r>
+              <a:rPr lang="en-US" sz="1200" dirty="0" smtClean="0"/>
+              <a:t>2, 5</a:t>
+            </a:r>
+            <a:endParaRPr lang="en-US" sz="1200" dirty="0"/>
+          </a:p>
+        </p:txBody>
+      </p:sp>
+      <p:sp>
+        <p:nvSpPr>
+          <p:cNvPr id="29" name="TextBox 28"/>
+          <p:cNvSpPr txBox="1"/>
+          <p:nvPr/>
+        </p:nvSpPr>
+        <p:spPr>
+          <a:xfrm>
+            <a:off x="3928110" y="5204480"/>
+            <a:ext cx="1143000" cy="276999"/>
+          </a:xfrm>
+          <a:prstGeom prst="rect">
+            <a:avLst/>
+          </a:prstGeom>
+          <a:noFill/>
+        </p:spPr>
+        <p:txBody>
+          <a:bodyPr wrap="square" rtlCol="0">
+            <a:spAutoFit/>
+          </a:bodyPr>
+          <a:lstStyle/>
+          <a:p>
+            <a:r>
+              <a:rPr lang="en-US" sz="1200" dirty="0" smtClean="0"/>
+              <a:t>3, 6</a:t>
+            </a:r>
+            <a:endParaRPr lang="en-US" sz="1200" dirty="0"/>
+          </a:p>
+        </p:txBody>
+      </p:sp>
+      <p:sp>
+        <p:nvSpPr>
+          <p:cNvPr id="30" name="TextBox 29"/>
+          <p:cNvSpPr txBox="1"/>
+          <p:nvPr/>
+        </p:nvSpPr>
+        <p:spPr>
+          <a:xfrm>
+            <a:off x="1415982" y="4150307"/>
+            <a:ext cx="1143000" cy="276999"/>
+          </a:xfrm>
+          <a:prstGeom prst="rect">
+            <a:avLst/>
+          </a:prstGeom>
+          <a:noFill/>
+        </p:spPr>
+        <p:txBody>
+          <a:bodyPr wrap="square" rtlCol="0">
+            <a:spAutoFit/>
+          </a:bodyPr>
+          <a:lstStyle/>
+          <a:p>
+            <a:r>
+              <a:rPr lang="en-US" sz="1200" dirty="0" smtClean="0">
+                <a:solidFill>
+                  <a:schemeClr val="bg1"/>
+                </a:solidFill>
+              </a:rPr>
+              <a:t>1, 2, 3, 4, 5, 6</a:t>
+            </a:r>
+            <a:endParaRPr lang="en-US" sz="1200" dirty="0">
+              <a:solidFill>
+                <a:schemeClr val="bg1"/>
+              </a:solidFill>
+            </a:endParaRPr>
+          </a:p>
+        </p:txBody>
+      </p:sp>
+      <p:sp>
+        <p:nvSpPr>
+          <p:cNvPr id="4" name="TextBox 3"/>
+          <p:cNvSpPr txBox="1"/>
+          <p:nvPr/>
+        </p:nvSpPr>
+        <p:spPr>
+          <a:xfrm>
+            <a:off x="5158740" y="1546860"/>
+            <a:ext cx="1489710" cy="307777"/>
+          </a:xfrm>
+          <a:prstGeom prst="rect">
+            <a:avLst/>
+          </a:prstGeom>
+          <a:noFill/>
+        </p:spPr>
+        <p:txBody>
+          <a:bodyPr wrap="square" rtlCol="0">
+            <a:spAutoFit/>
+          </a:bodyPr>
+          <a:lstStyle/>
+          <a:p>
+            <a:pPr algn="ctr"/>
+            <a:r>
+              <a:rPr lang="en-US" sz="1400" dirty="0" smtClean="0">
+                <a:solidFill>
+                  <a:schemeClr val="bg1"/>
+                </a:solidFill>
+              </a:rPr>
+              <a:t>Consumer Group</a:t>
+            </a:r>
+            <a:endParaRPr lang="en-US" sz="1400" dirty="0">
+              <a:solidFill>
+                <a:schemeClr val="bg1"/>
+              </a:solidFill>
+            </a:endParaRPr>
+          </a:p>
+        </p:txBody>
+      </p:sp>
+    </p:spTree>
+    <p:extLst>
+      <p:ext uri="{BB962C8B-B14F-4D97-AF65-F5344CB8AC3E}">
+        <p14:creationId xmlns:p14="http://schemas.microsoft.com/office/powerpoint/2010/main" val="2594283472"/>
+      </p:ext>
+    </p:extLst>
+  </p:cSld>
+  <p:clrMapOvr>
+    <a:masterClrMapping/>
+  </p:clrMapOvr>
+</p:sld>
+</file>
+
+<file path=ppt/slides/slide11.xml><?xml version="1.0" encoding="utf-8"?>
+<p:sld xmlns:a="http://schemas.openxmlformats.org/drawingml/2006/main" xmlns:r="http://schemas.openxmlformats.org/officeDocument/2006/relationships" xmlns:p="http://schemas.openxmlformats.org/presentationml/2006/main">
+  <p:cSld>
+    <p:spTree>
+      <p:nvGrpSpPr>
+        <p:cNvPr id="1" name=""/>
+        <p:cNvGrpSpPr/>
+        <p:nvPr/>
+      </p:nvGrpSpPr>
+      <p:grpSpPr>
+        <a:xfrm>
+          <a:off x="0" y="0"/>
+          <a:ext cx="0" cy="0"/>
+          <a:chOff x="0" y="0"/>
+          <a:chExt cx="0" cy="0"/>
+        </a:xfrm>
+      </p:grpSpPr>
+      <p:sp>
+        <p:nvSpPr>
+          <p:cNvPr id="2" name="Title 1"/>
+          <p:cNvSpPr>
+            <a:spLocks noGrp="1"/>
+          </p:cNvSpPr>
+          <p:nvPr>
+            <p:ph type="title"/>
+          </p:nvPr>
+        </p:nvSpPr>
+        <p:spPr/>
+        <p:txBody>
+          <a:bodyPr/>
+          <a:lstStyle/>
+          <a:p>
+            <a:r>
+              <a:rPr lang="en-US" dirty="0"/>
+              <a:t>User Story </a:t>
+            </a:r>
+            <a:r>
+              <a:rPr lang="en-US" dirty="0" smtClean="0"/>
+              <a:t>2-1</a:t>
+            </a:r>
+            <a:r>
+              <a:rPr lang="en-US" dirty="0"/>
+              <a:t>: </a:t>
+            </a:r>
+            <a:r>
+              <a:rPr lang="en-US" dirty="0" smtClean="0"/>
+              <a:t>Auto Approval</a:t>
+            </a:r>
+            <a:br>
+              <a:rPr lang="en-US" dirty="0" smtClean="0"/>
+            </a:br>
+            <a:r>
+              <a:rPr lang="en-US" dirty="0" smtClean="0"/>
+              <a:t>Service Design</a:t>
+            </a:r>
+            <a:endParaRPr lang="en-US" dirty="0"/>
+          </a:p>
+        </p:txBody>
+      </p:sp>
+      <p:sp>
+        <p:nvSpPr>
+          <p:cNvPr id="3" name="Content Placeholder 2"/>
+          <p:cNvSpPr>
+            <a:spLocks noGrp="1"/>
+          </p:cNvSpPr>
+          <p:nvPr>
+            <p:ph idx="1"/>
+          </p:nvPr>
+        </p:nvSpPr>
+        <p:spPr/>
+        <p:txBody>
+          <a:bodyPr>
+            <a:normAutofit fontScale="70000" lnSpcReduction="20000"/>
+          </a:bodyPr>
+          <a:lstStyle/>
+          <a:p>
+            <a:r>
+              <a:rPr lang="en-US" dirty="0" smtClean="0"/>
+              <a:t>Choosing Azure Function</a:t>
+            </a:r>
+          </a:p>
+          <a:p>
+            <a:pPr lvl="1"/>
+            <a:r>
+              <a:rPr lang="en-US" dirty="0" smtClean="0"/>
+              <a:t>Azure’s event-driven, </a:t>
+            </a:r>
+            <a:r>
+              <a:rPr lang="en-US" dirty="0" err="1" smtClean="0"/>
+              <a:t>serverless</a:t>
+            </a:r>
+            <a:r>
+              <a:rPr lang="en-US" dirty="0" smtClean="0"/>
+              <a:t> compute option</a:t>
+            </a:r>
+          </a:p>
+          <a:p>
+            <a:pPr lvl="1"/>
+            <a:r>
+              <a:rPr lang="en-US" dirty="0" smtClean="0"/>
+              <a:t>Automatically scales – up to 200 parallel instances</a:t>
+            </a:r>
+          </a:p>
+          <a:p>
+            <a:pPr lvl="1"/>
+            <a:r>
+              <a:rPr lang="en-US" dirty="0" smtClean="0"/>
+              <a:t>We’ll discuss other hosting options in later sprint</a:t>
+            </a:r>
+          </a:p>
+          <a:p>
+            <a:endParaRPr lang="en-US" dirty="0" smtClean="0"/>
+          </a:p>
+          <a:p>
+            <a:r>
+              <a:rPr lang="en-US" dirty="0" smtClean="0"/>
+              <a:t>Possible triggers</a:t>
+            </a:r>
+          </a:p>
+          <a:p>
+            <a:pPr lvl="1"/>
+            <a:r>
+              <a:rPr lang="en-US" dirty="0" smtClean="0"/>
+              <a:t>HTTP call</a:t>
+            </a:r>
+          </a:p>
+          <a:p>
+            <a:pPr lvl="1"/>
+            <a:r>
+              <a:rPr lang="en-US" dirty="0" smtClean="0"/>
+              <a:t>Timer</a:t>
+            </a:r>
+          </a:p>
+          <a:p>
+            <a:pPr lvl="1"/>
+            <a:r>
+              <a:rPr lang="en-US" sz="3400" b="1" dirty="0" smtClean="0">
+                <a:solidFill>
+                  <a:srgbClr val="00B050"/>
+                </a:solidFill>
+              </a:rPr>
+              <a:t>Message arrived / event occurred</a:t>
+            </a:r>
+          </a:p>
+          <a:p>
+            <a:pPr lvl="1"/>
+            <a:r>
+              <a:rPr lang="en-US" dirty="0" smtClean="0"/>
+              <a:t>Database record created, updated, or deleted</a:t>
+            </a:r>
+          </a:p>
+          <a:p>
+            <a:pPr lvl="1"/>
+            <a:r>
+              <a:rPr lang="en-US" dirty="0" smtClean="0"/>
+              <a:t>BLOB created, updated, or deleted</a:t>
+            </a:r>
+          </a:p>
+          <a:p>
+            <a:endParaRPr lang="en-US" dirty="0" smtClean="0"/>
+          </a:p>
+          <a:p>
+            <a:r>
+              <a:rPr lang="en-US" dirty="0" smtClean="0"/>
+              <a:t>Most often used in consumption mode – only charged for use</a:t>
+            </a:r>
+          </a:p>
+          <a:p>
+            <a:pPr lvl="1"/>
+            <a:r>
+              <a:rPr lang="en-US" dirty="0" smtClean="0"/>
+              <a:t>Based on number of executions, execution time, and memory used</a:t>
+            </a:r>
+          </a:p>
+          <a:p>
+            <a:pPr lvl="1"/>
+            <a:r>
+              <a:rPr lang="en-US" dirty="0" smtClean="0"/>
+              <a:t>Generally inexpensive for lightweight, infrequently used functionality</a:t>
+            </a:r>
+          </a:p>
+        </p:txBody>
+      </p:sp>
+      <p:pic>
+        <p:nvPicPr>
+          <p:cNvPr id="4" name="Picture 3"/>
+          <p:cNvPicPr>
+            <a:picLocks noChangeAspect="1"/>
+          </p:cNvPicPr>
+          <p:nvPr/>
+        </p:nvPicPr>
+        <p:blipFill>
+          <a:blip r:embed="rId2" cstate="print">
+            <a:extLst>
+              <a:ext uri="{28A0092B-C50C-407E-A947-70E740481C1C}">
+                <a14:useLocalDpi xmlns:a14="http://schemas.microsoft.com/office/drawing/2010/main" val="0"/>
+              </a:ext>
+            </a:extLst>
+          </a:blip>
+          <a:stretch>
+            <a:fillRect/>
+          </a:stretch>
+        </p:blipFill>
+        <p:spPr>
+          <a:xfrm>
+            <a:off x="9135291" y="202837"/>
+            <a:ext cx="2455817" cy="1381224"/>
+          </a:xfrm>
+          <a:prstGeom prst="rect">
+            <a:avLst/>
+          </a:prstGeom>
+        </p:spPr>
+      </p:pic>
+    </p:spTree>
+    <p:extLst>
+      <p:ext uri="{BB962C8B-B14F-4D97-AF65-F5344CB8AC3E}">
+        <p14:creationId xmlns:p14="http://schemas.microsoft.com/office/powerpoint/2010/main" val="3596494254"/>
+      </p:ext>
+    </p:extLst>
+  </p:cSld>
+  <p:clrMapOvr>
+    <a:masterClrMapping/>
+  </p:clrMapOvr>
+</p:sld>
+</file>
+
+<file path=ppt/slides/slide12.xml><?xml version="1.0" encoding="utf-8"?>
+<p:sld xmlns:a="http://schemas.openxmlformats.org/drawingml/2006/main" xmlns:r="http://schemas.openxmlformats.org/officeDocument/2006/relationships" xmlns:p="http://schemas.openxmlformats.org/presentationml/2006/main">
+  <p:cSld>
+    <p:spTree>
+      <p:nvGrpSpPr>
+        <p:cNvPr id="1" name=""/>
+        <p:cNvGrpSpPr/>
+        <p:nvPr/>
+      </p:nvGrpSpPr>
+      <p:grpSpPr>
+        <a:xfrm>
+          <a:off x="0" y="0"/>
+          <a:ext cx="0" cy="0"/>
+          <a:chOff x="0" y="0"/>
+          <a:chExt cx="0" cy="0"/>
+        </a:xfrm>
+      </p:grpSpPr>
+      <p:sp>
+        <p:nvSpPr>
+          <p:cNvPr id="2" name="Title 1"/>
+          <p:cNvSpPr>
+            <a:spLocks noGrp="1"/>
+          </p:cNvSpPr>
+          <p:nvPr>
+            <p:ph type="title"/>
+          </p:nvPr>
+        </p:nvSpPr>
+        <p:spPr/>
+        <p:txBody>
+          <a:bodyPr/>
+          <a:lstStyle/>
+          <a:p>
+            <a:r>
+              <a:rPr lang="en-US" dirty="0"/>
+              <a:t>T</a:t>
+            </a:r>
+            <a:r>
+              <a:rPr lang="en-US" dirty="0" smtClean="0"/>
+              <a:t>ask 2-1: Update </a:t>
+            </a:r>
+            <a:r>
+              <a:rPr lang="en-US" dirty="0" err="1" smtClean="0"/>
+              <a:t>ReceivedRequests</a:t>
+            </a:r>
+            <a:r>
+              <a:rPr lang="en-US" dirty="0" smtClean="0"/>
+              <a:t/>
+            </a:r>
+            <a:br>
+              <a:rPr lang="en-US" dirty="0" smtClean="0"/>
+            </a:br>
+            <a:r>
+              <a:rPr lang="en-US" dirty="0" smtClean="0"/>
+              <a:t>Event Hub</a:t>
+            </a:r>
+            <a:endParaRPr lang="en-US" dirty="0"/>
+          </a:p>
+        </p:txBody>
+      </p:sp>
+      <p:sp>
+        <p:nvSpPr>
+          <p:cNvPr id="3" name="Content Placeholder 2"/>
+          <p:cNvSpPr>
+            <a:spLocks noGrp="1"/>
+          </p:cNvSpPr>
+          <p:nvPr>
+            <p:ph idx="1"/>
+          </p:nvPr>
+        </p:nvSpPr>
+        <p:spPr>
+          <a:xfrm>
+            <a:off x="838200" y="1825625"/>
+            <a:ext cx="10515600" cy="3618865"/>
+          </a:xfrm>
+        </p:spPr>
+        <p:txBody>
+          <a:bodyPr/>
+          <a:lstStyle/>
+          <a:p>
+            <a:endParaRPr lang="en-US" dirty="0" smtClean="0"/>
+          </a:p>
+          <a:p>
+            <a:r>
+              <a:rPr lang="en-US" dirty="0" smtClean="0"/>
+              <a:t>Develop in Azure Portal</a:t>
+            </a:r>
+          </a:p>
+          <a:p>
+            <a:endParaRPr lang="en-US" dirty="0" smtClean="0"/>
+          </a:p>
+          <a:p>
+            <a:r>
+              <a:rPr lang="en-US" dirty="0" smtClean="0"/>
+              <a:t>Create Listener Shared Access Policy for Consumers</a:t>
+            </a:r>
+          </a:p>
+          <a:p>
+            <a:endParaRPr lang="en-US" dirty="0" smtClean="0"/>
+          </a:p>
+          <a:p>
+            <a:r>
+              <a:rPr lang="en-US" dirty="0" smtClean="0"/>
+              <a:t>Create Consumer Group for Auto Approval Service</a:t>
+            </a:r>
+          </a:p>
+        </p:txBody>
+      </p:sp>
+      <p:pic>
+        <p:nvPicPr>
+          <p:cNvPr id="4" name="Picture 3"/>
+          <p:cNvPicPr>
+            <a:picLocks noChangeAspect="1"/>
+          </p:cNvPicPr>
+          <p:nvPr/>
+        </p:nvPicPr>
+        <p:blipFill>
+          <a:blip r:embed="rId2" cstate="print">
+            <a:extLst>
+              <a:ext uri="{28A0092B-C50C-407E-A947-70E740481C1C}">
+                <a14:useLocalDpi xmlns:a14="http://schemas.microsoft.com/office/drawing/2010/main" val="0"/>
+              </a:ext>
+            </a:extLst>
+          </a:blip>
+          <a:stretch>
+            <a:fillRect/>
+          </a:stretch>
+        </p:blipFill>
+        <p:spPr>
+          <a:xfrm>
+            <a:off x="9135291" y="292047"/>
+            <a:ext cx="2455817" cy="1381224"/>
+          </a:xfrm>
+          <a:prstGeom prst="rect">
+            <a:avLst/>
+          </a:prstGeom>
+        </p:spPr>
+      </p:pic>
+    </p:spTree>
+    <p:extLst>
+      <p:ext uri="{BB962C8B-B14F-4D97-AF65-F5344CB8AC3E}">
+        <p14:creationId xmlns:p14="http://schemas.microsoft.com/office/powerpoint/2010/main" val="2839459837"/>
+      </p:ext>
+    </p:extLst>
+  </p:cSld>
+  <p:clrMapOvr>
+    <a:masterClrMapping/>
+  </p:clrMapOvr>
+</p:sld>
+</file>
+
+<file path=ppt/slides/slide13.xml><?xml version="1.0" encoding="utf-8"?>
+<p:sld xmlns:a="http://schemas.openxmlformats.org/drawingml/2006/main" xmlns:r="http://schemas.openxmlformats.org/officeDocument/2006/relationships" xmlns:p="http://schemas.openxmlformats.org/presentationml/2006/main">
+  <p:cSld>
+    <p:spTree>
+      <p:nvGrpSpPr>
+        <p:cNvPr id="1" name=""/>
+        <p:cNvGrpSpPr/>
+        <p:nvPr/>
+      </p:nvGrpSpPr>
+      <p:grpSpPr>
+        <a:xfrm>
+          <a:off x="0" y="0"/>
+          <a:ext cx="0" cy="0"/>
+          <a:chOff x="0" y="0"/>
+          <a:chExt cx="0" cy="0"/>
+        </a:xfrm>
+      </p:grpSpPr>
+      <p:sp>
+        <p:nvSpPr>
+          <p:cNvPr id="2" name="Title 1"/>
+          <p:cNvSpPr>
+            <a:spLocks noGrp="1"/>
+          </p:cNvSpPr>
+          <p:nvPr>
+            <p:ph type="title"/>
+          </p:nvPr>
+        </p:nvSpPr>
+        <p:spPr/>
+        <p:txBody>
+          <a:bodyPr>
+            <a:normAutofit/>
+          </a:bodyPr>
+          <a:lstStyle/>
+          <a:p>
+            <a:r>
+              <a:rPr lang="en-US" dirty="0"/>
+              <a:t>T</a:t>
+            </a:r>
+            <a:r>
+              <a:rPr lang="en-US" dirty="0" smtClean="0"/>
+              <a:t>ask 2-2: Create Hubs With SAPs</a:t>
+            </a:r>
+            <a:br>
+              <a:rPr lang="en-US" dirty="0" smtClean="0"/>
+            </a:br>
+            <a:r>
+              <a:rPr lang="en-US" dirty="0" smtClean="0"/>
+              <a:t>For Two New Events</a:t>
+            </a:r>
+            <a:endParaRPr lang="en-US" dirty="0"/>
+          </a:p>
+        </p:txBody>
+      </p:sp>
+      <p:sp>
+        <p:nvSpPr>
+          <p:cNvPr id="3" name="Content Placeholder 2"/>
+          <p:cNvSpPr>
+            <a:spLocks noGrp="1"/>
+          </p:cNvSpPr>
+          <p:nvPr>
+            <p:ph idx="1"/>
+          </p:nvPr>
+        </p:nvSpPr>
+        <p:spPr>
+          <a:xfrm>
+            <a:off x="838200" y="1825625"/>
+            <a:ext cx="10515600" cy="3618865"/>
+          </a:xfrm>
+        </p:spPr>
+        <p:txBody>
+          <a:bodyPr>
+            <a:normAutofit/>
+          </a:bodyPr>
+          <a:lstStyle/>
+          <a:p>
+            <a:endParaRPr lang="en-US" dirty="0" smtClean="0"/>
+          </a:p>
+          <a:p>
+            <a:r>
+              <a:rPr lang="en-US" dirty="0" smtClean="0"/>
+              <a:t>Develop in Azure Portal</a:t>
+            </a:r>
+          </a:p>
+          <a:p>
+            <a:endParaRPr lang="en-US" dirty="0" smtClean="0"/>
+          </a:p>
+          <a:p>
+            <a:r>
+              <a:rPr lang="en-US" dirty="0" smtClean="0"/>
+              <a:t>Create </a:t>
+            </a:r>
+            <a:r>
+              <a:rPr lang="en-US" i="1" dirty="0" err="1" smtClean="0"/>
+              <a:t>DecidedRequests</a:t>
+            </a:r>
+            <a:r>
+              <a:rPr lang="en-US" dirty="0" smtClean="0"/>
+              <a:t> and </a:t>
+            </a:r>
+            <a:r>
+              <a:rPr lang="en-US" i="1" dirty="0" err="1" smtClean="0"/>
+              <a:t>NotAutoApprovedRequests</a:t>
+            </a:r>
+            <a:r>
+              <a:rPr lang="en-US" dirty="0" smtClean="0"/>
+              <a:t> hubs</a:t>
+            </a:r>
+          </a:p>
+          <a:p>
+            <a:endParaRPr lang="en-US" dirty="0" smtClean="0"/>
+          </a:p>
+          <a:p>
+            <a:r>
+              <a:rPr lang="en-US" dirty="0" smtClean="0"/>
+              <a:t>Create Sender Shared Access Policies for Publishers</a:t>
+            </a:r>
+          </a:p>
+        </p:txBody>
+      </p:sp>
+      <p:pic>
+        <p:nvPicPr>
+          <p:cNvPr id="4" name="Picture 3"/>
+          <p:cNvPicPr>
+            <a:picLocks noChangeAspect="1"/>
+          </p:cNvPicPr>
+          <p:nvPr/>
+        </p:nvPicPr>
+        <p:blipFill>
+          <a:blip r:embed="rId2" cstate="print">
+            <a:extLst>
+              <a:ext uri="{28A0092B-C50C-407E-A947-70E740481C1C}">
+                <a14:useLocalDpi xmlns:a14="http://schemas.microsoft.com/office/drawing/2010/main" val="0"/>
+              </a:ext>
+            </a:extLst>
+          </a:blip>
+          <a:stretch>
+            <a:fillRect/>
+          </a:stretch>
+        </p:blipFill>
+        <p:spPr>
+          <a:xfrm>
+            <a:off x="9135291" y="292047"/>
+            <a:ext cx="2455817" cy="1381224"/>
+          </a:xfrm>
+          <a:prstGeom prst="rect">
+            <a:avLst/>
+          </a:prstGeom>
+        </p:spPr>
+      </p:pic>
+    </p:spTree>
+    <p:extLst>
+      <p:ext uri="{BB962C8B-B14F-4D97-AF65-F5344CB8AC3E}">
+        <p14:creationId xmlns:p14="http://schemas.microsoft.com/office/powerpoint/2010/main" val="459612249"/>
+      </p:ext>
+    </p:extLst>
+  </p:cSld>
+  <p:clrMapOvr>
+    <a:masterClrMapping/>
+  </p:clrMapOvr>
+</p:sld>
+</file>
+
+<file path=ppt/slides/slide14.xml><?xml version="1.0" encoding="utf-8"?>
+<p:sld xmlns:a="http://schemas.openxmlformats.org/drawingml/2006/main" xmlns:r="http://schemas.openxmlformats.org/officeDocument/2006/relationships" xmlns:p="http://schemas.openxmlformats.org/presentationml/2006/main">
+  <p:cSld>
+    <p:spTree>
+      <p:nvGrpSpPr>
+        <p:cNvPr id="1" name=""/>
+        <p:cNvGrpSpPr/>
+        <p:nvPr/>
+      </p:nvGrpSpPr>
+      <p:grpSpPr>
+        <a:xfrm>
+          <a:off x="0" y="0"/>
+          <a:ext cx="0" cy="0"/>
+          <a:chOff x="0" y="0"/>
+          <a:chExt cx="0" cy="0"/>
+        </a:xfrm>
+      </p:grpSpPr>
+      <p:sp>
+        <p:nvSpPr>
+          <p:cNvPr id="2" name="Title 1"/>
+          <p:cNvSpPr>
+            <a:spLocks noGrp="1"/>
+          </p:cNvSpPr>
+          <p:nvPr>
+            <p:ph type="title"/>
+          </p:nvPr>
+        </p:nvSpPr>
+        <p:spPr/>
+        <p:txBody>
+          <a:bodyPr>
+            <a:normAutofit/>
+          </a:bodyPr>
+          <a:lstStyle/>
+          <a:p>
+            <a:r>
+              <a:rPr lang="en-US" dirty="0"/>
+              <a:t>T</a:t>
+            </a:r>
+            <a:r>
+              <a:rPr lang="en-US" dirty="0" smtClean="0"/>
+              <a:t>ask 2-3: Create Auto Approval </a:t>
+            </a:r>
+            <a:br>
+              <a:rPr lang="en-US" dirty="0" smtClean="0"/>
+            </a:br>
+            <a:r>
+              <a:rPr lang="en-US" dirty="0" smtClean="0"/>
+              <a:t>Service</a:t>
+            </a:r>
+            <a:endParaRPr lang="en-US" dirty="0"/>
+          </a:p>
+        </p:txBody>
+      </p:sp>
+      <p:sp>
+        <p:nvSpPr>
+          <p:cNvPr id="3" name="Content Placeholder 2"/>
+          <p:cNvSpPr>
+            <a:spLocks noGrp="1"/>
+          </p:cNvSpPr>
+          <p:nvPr>
+            <p:ph idx="1"/>
+          </p:nvPr>
+        </p:nvSpPr>
+        <p:spPr>
+          <a:xfrm>
+            <a:off x="838200" y="1825625"/>
+            <a:ext cx="10515600" cy="3618865"/>
+          </a:xfrm>
+        </p:spPr>
+        <p:txBody>
+          <a:bodyPr>
+            <a:normAutofit fontScale="92500" lnSpcReduction="20000"/>
+          </a:bodyPr>
+          <a:lstStyle/>
+          <a:p>
+            <a:endParaRPr lang="en-US" dirty="0" smtClean="0"/>
+          </a:p>
+          <a:p>
+            <a:r>
+              <a:rPr lang="en-US" dirty="0"/>
+              <a:t>Visual Studio</a:t>
+            </a:r>
+          </a:p>
+          <a:p>
+            <a:r>
+              <a:rPr lang="en-US" dirty="0"/>
+              <a:t>C# </a:t>
+            </a:r>
+            <a:r>
+              <a:rPr lang="en-US" dirty="0" smtClean="0"/>
+              <a:t>Azure function with event hub trigger</a:t>
+            </a:r>
+          </a:p>
+          <a:p>
+            <a:r>
+              <a:rPr lang="en-US" dirty="0" smtClean="0"/>
+              <a:t>Configure connection to </a:t>
+            </a:r>
+            <a:r>
+              <a:rPr lang="en-US" i="1" dirty="0" err="1" smtClean="0"/>
+              <a:t>ReceivedRequests</a:t>
+            </a:r>
+            <a:r>
+              <a:rPr lang="en-US" dirty="0" smtClean="0"/>
+              <a:t> hub</a:t>
+            </a:r>
+          </a:p>
+          <a:p>
+            <a:pPr lvl="1"/>
+            <a:r>
+              <a:rPr lang="en-US" dirty="0" smtClean="0"/>
+              <a:t>SAP listener connection string</a:t>
+            </a:r>
+          </a:p>
+          <a:p>
+            <a:pPr lvl="1"/>
+            <a:r>
+              <a:rPr lang="en-US" dirty="0" smtClean="0"/>
+              <a:t>Consumer group</a:t>
+            </a:r>
+          </a:p>
+          <a:p>
+            <a:r>
+              <a:rPr lang="en-US" dirty="0" smtClean="0"/>
+              <a:t>Call </a:t>
+            </a:r>
+            <a:r>
+              <a:rPr lang="en-US" i="1" dirty="0" err="1" smtClean="0"/>
+              <a:t>AutoEvaluator</a:t>
+            </a:r>
+            <a:r>
+              <a:rPr lang="en-US" dirty="0" smtClean="0"/>
+              <a:t> (in Business Logic project) to determine approval</a:t>
+            </a:r>
+          </a:p>
+          <a:p>
+            <a:r>
+              <a:rPr lang="en-US" dirty="0" smtClean="0"/>
+              <a:t>Update status &amp; call publisher for approvals</a:t>
+            </a:r>
+          </a:p>
+          <a:p>
+            <a:r>
+              <a:rPr lang="en-US" dirty="0" smtClean="0"/>
+              <a:t>Call publisher for non-approvals</a:t>
+            </a:r>
+          </a:p>
+        </p:txBody>
+      </p:sp>
+      <p:pic>
+        <p:nvPicPr>
+          <p:cNvPr id="4" name="Picture 3"/>
+          <p:cNvPicPr>
+            <a:picLocks noChangeAspect="1"/>
+          </p:cNvPicPr>
+          <p:nvPr/>
+        </p:nvPicPr>
+        <p:blipFill>
+          <a:blip r:embed="rId2" cstate="print">
+            <a:extLst>
+              <a:ext uri="{28A0092B-C50C-407E-A947-70E740481C1C}">
+                <a14:useLocalDpi xmlns:a14="http://schemas.microsoft.com/office/drawing/2010/main" val="0"/>
+              </a:ext>
+            </a:extLst>
+          </a:blip>
+          <a:stretch>
+            <a:fillRect/>
+          </a:stretch>
+        </p:blipFill>
+        <p:spPr>
+          <a:xfrm>
+            <a:off x="9135291" y="292047"/>
+            <a:ext cx="2455817" cy="1381224"/>
+          </a:xfrm>
+          <a:prstGeom prst="rect">
+            <a:avLst/>
+          </a:prstGeom>
+        </p:spPr>
+      </p:pic>
+    </p:spTree>
+    <p:extLst>
+      <p:ext uri="{BB962C8B-B14F-4D97-AF65-F5344CB8AC3E}">
+        <p14:creationId xmlns:p14="http://schemas.microsoft.com/office/powerpoint/2010/main" val="3684784891"/>
+      </p:ext>
+    </p:extLst>
+  </p:cSld>
+  <p:clrMapOvr>
+    <a:masterClrMapping/>
+  </p:clrMapOvr>
+</p:sld>
+</file>
+
+<file path=ppt/slides/slide15.xml><?xml version="1.0" encoding="utf-8"?>
+<p:sld xmlns:a="http://schemas.openxmlformats.org/drawingml/2006/main" xmlns:r="http://schemas.openxmlformats.org/officeDocument/2006/relationships" xmlns:p="http://schemas.openxmlformats.org/presentationml/2006/main">
+  <p:cSld>
+    <p:spTree>
+      <p:nvGrpSpPr>
+        <p:cNvPr id="1" name=""/>
+        <p:cNvGrpSpPr/>
+        <p:nvPr/>
+      </p:nvGrpSpPr>
+      <p:grpSpPr>
+        <a:xfrm>
+          <a:off x="0" y="0"/>
+          <a:ext cx="0" cy="0"/>
+          <a:chOff x="0" y="0"/>
+          <a:chExt cx="0" cy="0"/>
+        </a:xfrm>
+      </p:grpSpPr>
+      <p:sp>
+        <p:nvSpPr>
+          <p:cNvPr id="2" name="Title 1"/>
+          <p:cNvSpPr>
+            <a:spLocks noGrp="1"/>
+          </p:cNvSpPr>
+          <p:nvPr>
+            <p:ph type="title"/>
+          </p:nvPr>
+        </p:nvSpPr>
+        <p:spPr/>
+        <p:txBody>
+          <a:bodyPr/>
+          <a:lstStyle/>
+          <a:p>
+            <a:r>
+              <a:rPr lang="en-US" dirty="0"/>
+              <a:t>T</a:t>
+            </a:r>
+            <a:r>
+              <a:rPr lang="en-US" dirty="0" smtClean="0"/>
+              <a:t>ask 2-4: Create Event Publisher</a:t>
+            </a:r>
+            <a:endParaRPr lang="en-US" dirty="0"/>
+          </a:p>
+        </p:txBody>
+      </p:sp>
+      <p:sp>
+        <p:nvSpPr>
+          <p:cNvPr id="3" name="Content Placeholder 2"/>
+          <p:cNvSpPr>
+            <a:spLocks noGrp="1"/>
+          </p:cNvSpPr>
+          <p:nvPr>
+            <p:ph idx="1"/>
+          </p:nvPr>
+        </p:nvSpPr>
+        <p:spPr>
+          <a:xfrm>
+            <a:off x="838200" y="1825625"/>
+            <a:ext cx="10515600" cy="3618865"/>
+          </a:xfrm>
+        </p:spPr>
+        <p:txBody>
+          <a:bodyPr>
+            <a:normAutofit lnSpcReduction="10000"/>
+          </a:bodyPr>
+          <a:lstStyle/>
+          <a:p>
+            <a:endParaRPr lang="en-US" dirty="0" smtClean="0"/>
+          </a:p>
+          <a:p>
+            <a:r>
+              <a:rPr lang="en-US" dirty="0" smtClean="0"/>
+              <a:t>Visual Studio</a:t>
+            </a:r>
+          </a:p>
+          <a:p>
+            <a:r>
+              <a:rPr lang="en-US" dirty="0" smtClean="0"/>
+              <a:t>C# class</a:t>
+            </a:r>
+          </a:p>
+          <a:p>
+            <a:r>
+              <a:rPr lang="en-US" dirty="0" smtClean="0"/>
+              <a:t>Called from our Auto Approval Service function</a:t>
+            </a:r>
+          </a:p>
+          <a:p>
+            <a:r>
+              <a:rPr lang="en-US" dirty="0" smtClean="0"/>
+              <a:t>Configure connection to </a:t>
+            </a:r>
+            <a:r>
+              <a:rPr lang="en-US" i="1" dirty="0" err="1" smtClean="0"/>
+              <a:t>DecidedRequests</a:t>
+            </a:r>
+            <a:r>
+              <a:rPr lang="en-US" dirty="0" smtClean="0"/>
+              <a:t> and </a:t>
+            </a:r>
+            <a:r>
+              <a:rPr lang="en-US" i="1" dirty="0" err="1" smtClean="0"/>
+              <a:t>NotAutoApprovedRequests</a:t>
+            </a:r>
+            <a:r>
+              <a:rPr lang="en-US" dirty="0" smtClean="0"/>
+              <a:t> hubs</a:t>
+            </a:r>
+          </a:p>
+          <a:p>
+            <a:pPr lvl="1"/>
+            <a:r>
+              <a:rPr lang="en-US" dirty="0" smtClean="0"/>
+              <a:t>SAP sender connection strings</a:t>
+            </a:r>
+          </a:p>
+          <a:p>
+            <a:r>
+              <a:rPr lang="en-US" dirty="0" smtClean="0"/>
+              <a:t>Create methods for publishing to hubs</a:t>
+            </a:r>
+          </a:p>
+        </p:txBody>
+      </p:sp>
+      <p:pic>
+        <p:nvPicPr>
+          <p:cNvPr id="4" name="Picture 3"/>
+          <p:cNvPicPr>
+            <a:picLocks noChangeAspect="1"/>
+          </p:cNvPicPr>
+          <p:nvPr/>
+        </p:nvPicPr>
+        <p:blipFill>
+          <a:blip r:embed="rId2" cstate="print">
+            <a:extLst>
+              <a:ext uri="{28A0092B-C50C-407E-A947-70E740481C1C}">
+                <a14:useLocalDpi xmlns:a14="http://schemas.microsoft.com/office/drawing/2010/main" val="0"/>
+              </a:ext>
+            </a:extLst>
+          </a:blip>
+          <a:stretch>
+            <a:fillRect/>
+          </a:stretch>
+        </p:blipFill>
+        <p:spPr>
+          <a:xfrm>
+            <a:off x="9135291" y="292047"/>
+            <a:ext cx="2455817" cy="1381224"/>
+          </a:xfrm>
+          <a:prstGeom prst="rect">
+            <a:avLst/>
+          </a:prstGeom>
+        </p:spPr>
+      </p:pic>
+    </p:spTree>
+    <p:extLst>
+      <p:ext uri="{BB962C8B-B14F-4D97-AF65-F5344CB8AC3E}">
+        <p14:creationId xmlns:p14="http://schemas.microsoft.com/office/powerpoint/2010/main" val="1733338338"/>
+      </p:ext>
+    </p:extLst>
+  </p:cSld>
+  <p:clrMapOvr>
+    <a:masterClrMapping/>
+  </p:clrMapOvr>
+</p:sld>
+</file>
+
+<file path=ppt/slides/slide16.xml><?xml version="1.0" encoding="utf-8"?>
+<p:sld xmlns:a="http://schemas.openxmlformats.org/drawingml/2006/main" xmlns:r="http://schemas.openxmlformats.org/officeDocument/2006/relationships" xmlns:p="http://schemas.openxmlformats.org/presentationml/2006/main">
+  <p:cSld>
+    <p:spTree>
+      <p:nvGrpSpPr>
+        <p:cNvPr id="1" name=""/>
+        <p:cNvGrpSpPr/>
+        <p:nvPr/>
+      </p:nvGrpSpPr>
+      <p:grpSpPr>
+        <a:xfrm>
+          <a:off x="0" y="0"/>
+          <a:ext cx="0" cy="0"/>
+          <a:chOff x="0" y="0"/>
+          <a:chExt cx="0" cy="0"/>
+        </a:xfrm>
+      </p:grpSpPr>
+      <p:sp>
+        <p:nvSpPr>
+          <p:cNvPr id="2" name="Title 1"/>
+          <p:cNvSpPr>
+            <a:spLocks noGrp="1"/>
+          </p:cNvSpPr>
+          <p:nvPr>
+            <p:ph type="title"/>
+          </p:nvPr>
+        </p:nvSpPr>
+        <p:spPr/>
+        <p:txBody>
+          <a:bodyPr/>
+          <a:lstStyle/>
+          <a:p>
+            <a:r>
+              <a:rPr lang="en-US" dirty="0"/>
+              <a:t>T</a:t>
+            </a:r>
+            <a:r>
+              <a:rPr lang="en-US" dirty="0" smtClean="0"/>
+              <a:t>ask 2-5: Deploy Auto Approval </a:t>
+            </a:r>
+            <a:br>
+              <a:rPr lang="en-US" dirty="0" smtClean="0"/>
+            </a:br>
+            <a:r>
+              <a:rPr lang="en-US" dirty="0" smtClean="0"/>
+              <a:t>Service</a:t>
+            </a:r>
+            <a:endParaRPr lang="en-US" dirty="0"/>
+          </a:p>
+        </p:txBody>
+      </p:sp>
+      <p:sp>
+        <p:nvSpPr>
+          <p:cNvPr id="3" name="Content Placeholder 2"/>
+          <p:cNvSpPr>
+            <a:spLocks noGrp="1"/>
+          </p:cNvSpPr>
+          <p:nvPr>
+            <p:ph idx="1"/>
+          </p:nvPr>
+        </p:nvSpPr>
+        <p:spPr>
+          <a:xfrm>
+            <a:off x="838200" y="1825625"/>
+            <a:ext cx="10515600" cy="3618865"/>
+          </a:xfrm>
+        </p:spPr>
+        <p:txBody>
+          <a:bodyPr>
+            <a:normAutofit lnSpcReduction="10000"/>
+          </a:bodyPr>
+          <a:lstStyle/>
+          <a:p>
+            <a:endParaRPr lang="en-US" dirty="0" smtClean="0"/>
+          </a:p>
+          <a:p>
+            <a:r>
+              <a:rPr lang="en-US" dirty="0" smtClean="0"/>
+              <a:t>Publish from Visual Studio to Azure</a:t>
+            </a:r>
+          </a:p>
+          <a:p>
+            <a:r>
+              <a:rPr lang="en-US" dirty="0" smtClean="0"/>
+              <a:t>Use the same Publish Profile we created in Sprint 1</a:t>
+            </a:r>
+          </a:p>
+          <a:p>
+            <a:pPr lvl="1"/>
+            <a:r>
+              <a:rPr lang="en-US" dirty="0" smtClean="0"/>
+              <a:t>New Function App</a:t>
+            </a:r>
+          </a:p>
+          <a:p>
+            <a:r>
+              <a:rPr lang="en-US" dirty="0" smtClean="0"/>
+              <a:t>Publish</a:t>
+            </a:r>
+          </a:p>
+          <a:p>
+            <a:r>
+              <a:rPr lang="en-US" dirty="0" smtClean="0"/>
+              <a:t>**MAKE SURE TO GET THE APPSETTINGS**</a:t>
+            </a:r>
+          </a:p>
+          <a:p>
+            <a:r>
+              <a:rPr lang="en-US" dirty="0" smtClean="0"/>
+              <a:t>Ensure messages are publishing to </a:t>
+            </a:r>
+            <a:r>
+              <a:rPr lang="en-US" i="1" dirty="0" err="1" smtClean="0"/>
+              <a:t>DecidedRequests</a:t>
+            </a:r>
+            <a:r>
+              <a:rPr lang="en-US" dirty="0" smtClean="0"/>
+              <a:t> and </a:t>
+            </a:r>
+            <a:r>
+              <a:rPr lang="en-US" i="1" dirty="0" err="1" smtClean="0"/>
+              <a:t>NotAutoApprovedRequests</a:t>
+            </a:r>
+            <a:r>
+              <a:rPr lang="en-US" dirty="0" smtClean="0"/>
+              <a:t> hubs</a:t>
+            </a:r>
+            <a:endParaRPr lang="en-US" dirty="0"/>
+          </a:p>
+        </p:txBody>
+      </p:sp>
+      <p:pic>
+        <p:nvPicPr>
+          <p:cNvPr id="4" name="Picture 3"/>
+          <p:cNvPicPr>
+            <a:picLocks noChangeAspect="1"/>
+          </p:cNvPicPr>
+          <p:nvPr/>
+        </p:nvPicPr>
+        <p:blipFill>
+          <a:blip r:embed="rId2" cstate="print">
+            <a:extLst>
+              <a:ext uri="{28A0092B-C50C-407E-A947-70E740481C1C}">
+                <a14:useLocalDpi xmlns:a14="http://schemas.microsoft.com/office/drawing/2010/main" val="0"/>
+              </a:ext>
+            </a:extLst>
+          </a:blip>
+          <a:stretch>
+            <a:fillRect/>
+          </a:stretch>
+        </p:blipFill>
+        <p:spPr>
+          <a:xfrm>
+            <a:off x="9135291" y="292047"/>
+            <a:ext cx="2455817" cy="1381224"/>
+          </a:xfrm>
+          <a:prstGeom prst="rect">
+            <a:avLst/>
+          </a:prstGeom>
+        </p:spPr>
+      </p:pic>
+    </p:spTree>
+    <p:extLst>
+      <p:ext uri="{BB962C8B-B14F-4D97-AF65-F5344CB8AC3E}">
+        <p14:creationId xmlns:p14="http://schemas.microsoft.com/office/powerpoint/2010/main" val="1929481970"/>
+      </p:ext>
+    </p:extLst>
+  </p:cSld>
+  <p:clrMapOvr>
+    <a:masterClrMapping/>
+  </p:clrMapOvr>
+</p:sld>
+</file>
+
+<file path=ppt/slides/slide17.xml><?xml version="1.0" encoding="utf-8"?>
+<p:sld xmlns:a="http://schemas.openxmlformats.org/drawingml/2006/main" xmlns:r="http://schemas.openxmlformats.org/officeDocument/2006/relationships" xmlns:p="http://schemas.openxmlformats.org/presentationml/2006/main">
+  <p:cSld>
+    <p:spTree>
+      <p:nvGrpSpPr>
+        <p:cNvPr id="1" name=""/>
+        <p:cNvGrpSpPr/>
+        <p:nvPr/>
+      </p:nvGrpSpPr>
+      <p:grpSpPr>
+        <a:xfrm>
+          <a:off x="0" y="0"/>
+          <a:ext cx="0" cy="0"/>
+          <a:chOff x="0" y="0"/>
+          <a:chExt cx="0" cy="0"/>
+        </a:xfrm>
+      </p:grpSpPr>
+      <p:sp>
+        <p:nvSpPr>
+          <p:cNvPr id="2" name="Title 1"/>
+          <p:cNvSpPr>
+            <a:spLocks noGrp="1"/>
+          </p:cNvSpPr>
+          <p:nvPr>
+            <p:ph type="title"/>
+          </p:nvPr>
+        </p:nvSpPr>
+        <p:spPr/>
+        <p:txBody>
+          <a:bodyPr/>
+          <a:lstStyle/>
+          <a:p>
+            <a:r>
+              <a:rPr lang="en-US" dirty="0" smtClean="0"/>
+              <a:t>Sprint 2: Retrospective</a:t>
+            </a:r>
+            <a:endParaRPr lang="en-US" dirty="0"/>
+          </a:p>
+        </p:txBody>
+      </p:sp>
+      <p:sp>
+        <p:nvSpPr>
+          <p:cNvPr id="3" name="Content Placeholder 2"/>
+          <p:cNvSpPr>
+            <a:spLocks noGrp="1"/>
+          </p:cNvSpPr>
+          <p:nvPr>
+            <p:ph idx="1"/>
+          </p:nvPr>
+        </p:nvSpPr>
+        <p:spPr/>
+        <p:txBody>
+          <a:bodyPr/>
+          <a:lstStyle/>
+          <a:p>
+            <a:r>
+              <a:rPr lang="en-US" dirty="0" smtClean="0"/>
+              <a:t>We now have an automated process to reduce our clinical staff’s workload and enable TAH to process more requests</a:t>
+            </a:r>
+          </a:p>
+          <a:p>
+            <a:r>
+              <a:rPr lang="en-US" dirty="0" smtClean="0"/>
+              <a:t>Taking </a:t>
+            </a:r>
+            <a:r>
+              <a:rPr lang="en-US" dirty="0" smtClean="0"/>
+              <a:t>advantage </a:t>
+            </a:r>
+            <a:r>
+              <a:rPr lang="en-US" dirty="0"/>
+              <a:t>of </a:t>
+            </a:r>
+            <a:r>
+              <a:rPr lang="en-US" dirty="0" smtClean="0"/>
+              <a:t>scaling and </a:t>
+            </a:r>
+            <a:r>
+              <a:rPr lang="en-US" dirty="0" err="1" smtClean="0"/>
+              <a:t>asynchronicity</a:t>
+            </a:r>
+            <a:endParaRPr lang="en-US" dirty="0" smtClean="0"/>
+          </a:p>
+          <a:p>
+            <a:pPr lvl="1"/>
+            <a:r>
+              <a:rPr lang="en-US" dirty="0" smtClean="0"/>
+              <a:t>Function can scale up without risk of missing or re-processing events even if it goes down for a period of time</a:t>
+            </a:r>
+          </a:p>
+          <a:p>
+            <a:pPr lvl="1"/>
+            <a:r>
+              <a:rPr lang="en-US" dirty="0"/>
+              <a:t>Publishing </a:t>
+            </a:r>
+            <a:r>
+              <a:rPr lang="en-US" dirty="0" smtClean="0"/>
+              <a:t>messages </a:t>
+            </a:r>
+            <a:r>
+              <a:rPr lang="en-US" dirty="0"/>
+              <a:t>with little concern for who will consume them or how many consumers there will </a:t>
+            </a:r>
+            <a:r>
+              <a:rPr lang="en-US" dirty="0" smtClean="0"/>
+              <a:t>be</a:t>
+            </a:r>
+          </a:p>
+          <a:p>
+            <a:r>
+              <a:rPr lang="en-US" dirty="0" smtClean="0"/>
+              <a:t>Enabling real-time processing without adding strain to the system</a:t>
+            </a:r>
+          </a:p>
+          <a:p>
+            <a:pPr lvl="1"/>
+            <a:r>
+              <a:rPr lang="en-US" smtClean="0"/>
+              <a:t>Live view </a:t>
+            </a:r>
+            <a:r>
+              <a:rPr lang="en-US" dirty="0" smtClean="0"/>
+              <a:t>of all active requests</a:t>
+            </a:r>
+          </a:p>
+          <a:p>
+            <a:pPr lvl="1"/>
+            <a:r>
+              <a:rPr lang="en-US" dirty="0" smtClean="0"/>
+              <a:t>Returning decisions to providers as soon as they are made</a:t>
+            </a:r>
+            <a:endParaRPr lang="en-US" dirty="0"/>
+          </a:p>
+          <a:p>
+            <a:pPr lvl="1"/>
+            <a:endParaRPr lang="en-US" dirty="0"/>
+          </a:p>
+        </p:txBody>
+      </p:sp>
+      <p:pic>
+        <p:nvPicPr>
+          <p:cNvPr id="4" name="Picture 3"/>
+          <p:cNvPicPr>
+            <a:picLocks noChangeAspect="1"/>
+          </p:cNvPicPr>
+          <p:nvPr/>
+        </p:nvPicPr>
+        <p:blipFill>
+          <a:blip r:embed="rId2" cstate="print">
+            <a:extLst>
+              <a:ext uri="{28A0092B-C50C-407E-A947-70E740481C1C}">
+                <a14:useLocalDpi xmlns:a14="http://schemas.microsoft.com/office/drawing/2010/main" val="0"/>
+              </a:ext>
+            </a:extLst>
+          </a:blip>
+          <a:stretch>
+            <a:fillRect/>
+          </a:stretch>
+        </p:blipFill>
+        <p:spPr>
+          <a:xfrm>
+            <a:off x="9135291" y="292047"/>
+            <a:ext cx="2455817" cy="1381224"/>
+          </a:xfrm>
+          <a:prstGeom prst="rect">
+            <a:avLst/>
+          </a:prstGeom>
+        </p:spPr>
+      </p:pic>
+    </p:spTree>
+    <p:extLst>
+      <p:ext uri="{BB962C8B-B14F-4D97-AF65-F5344CB8AC3E}">
+        <p14:creationId xmlns:p14="http://schemas.microsoft.com/office/powerpoint/2010/main" val="1475141782"/>
       </p:ext>
     </p:extLst>
   </p:cSld>
@@ -3053,7 +4921,7 @@
       </p:grpSpPr>
       <p:sp>
         <p:nvSpPr>
-          <p:cNvPr id="4" name="Title 3"/>
+          <p:cNvPr id="2" name="Title 1"/>
           <p:cNvSpPr>
             <a:spLocks noGrp="1"/>
           </p:cNvSpPr>
@@ -3068,11 +4936,7 @@
           <a:p>
             <a:r>
               <a:rPr lang="en-US" dirty="0" smtClean="0"/>
-              <a:t>***</a:t>
-            </a:r>
-            <a:r>
-              <a:rPr lang="en-US" dirty="0" err="1" smtClean="0"/>
-              <a:t>ToDo</a:t>
+              <a:t>User Story 2-1</a:t>
             </a:r>
             <a:endParaRPr lang="en-US" dirty="0"/>
           </a:p>
@@ -3080,7 +4944,7 @@
       </p:sp>
       <p:sp>
         <p:nvSpPr>
-          <p:cNvPr id="5" name="Content Placeholder 4"/>
+          <p:cNvPr id="3" name="Content Placeholder 2"/>
           <p:cNvSpPr>
             <a:spLocks noGrp="1"/>
           </p:cNvSpPr>
@@ -3090,38 +4954,120 @@
         </p:nvSpPr>
         <p:spPr/>
         <p:txBody>
-          <a:bodyPr/>
-          <a:lstStyle/>
-          <a:p>
-            <a:r>
-              <a:rPr lang="en-US" dirty="0" smtClean="0"/>
-              <a:t>ARM scripts </a:t>
-            </a:r>
-            <a:r>
-              <a:rPr lang="en-US" dirty="0" smtClean="0"/>
-              <a:t>for sprint 3</a:t>
-            </a:r>
+          <a:bodyPr>
+            <a:normAutofit/>
+          </a:bodyPr>
+          <a:lstStyle/>
+          <a:p>
+            <a:pPr marL="0" indent="0">
+              <a:buNone/>
+            </a:pPr>
+            <a:r>
+              <a:rPr lang="en-US" dirty="0" smtClean="0"/>
+              <a:t>As a TAH physician, I need all incoming requests for service to be evaluated for automatic approval so that I can dedicate my time to more complex requests which require my expertise to make a decision.</a:t>
+            </a:r>
+          </a:p>
+          <a:p>
+            <a:pPr marL="0" indent="0">
+              <a:buNone/>
+            </a:pPr>
             <a:endParaRPr lang="en-US" dirty="0" smtClean="0"/>
           </a:p>
           <a:p>
-            <a:r>
-              <a:rPr lang="en-US" dirty="0" smtClean="0"/>
-              <a:t>May want to discuss fact that trigger takes multiple events per call</a:t>
-            </a:r>
-            <a:endParaRPr lang="en-US" dirty="0"/>
-          </a:p>
-        </p:txBody>
-      </p:sp>
+            <a:pPr marL="0" indent="0">
+              <a:buNone/>
+            </a:pPr>
+            <a:r>
+              <a:rPr lang="en-US" dirty="0" smtClean="0"/>
+              <a:t>Acceptance Criteria</a:t>
+            </a:r>
+          </a:p>
+          <a:p>
+            <a:pPr marL="457200" indent="-457200">
+              <a:buFont typeface="+mj-lt"/>
+              <a:buAutoNum type="arabicPeriod"/>
+            </a:pPr>
+            <a:r>
+              <a:rPr lang="en-US" dirty="0" smtClean="0"/>
+              <a:t>All incoming requests must be evaluated by Auto Approval Service</a:t>
+            </a:r>
+          </a:p>
+          <a:p>
+            <a:pPr marL="457200" indent="-457200">
+              <a:buFont typeface="+mj-lt"/>
+              <a:buAutoNum type="arabicPeriod"/>
+            </a:pPr>
+            <a:r>
+              <a:rPr lang="en-US" dirty="0" smtClean="0"/>
+              <a:t>For each request, the Auto Approval Service must publish a result indicating whether or not the request was automatically approved</a:t>
+            </a:r>
+          </a:p>
+          <a:p>
+            <a:pPr marL="457200" indent="-457200">
+              <a:buFont typeface="+mj-lt"/>
+              <a:buAutoNum type="arabicPeriod"/>
+            </a:pPr>
+            <a:r>
+              <a:rPr lang="en-US" dirty="0" smtClean="0"/>
+              <a:t>Service must be able to handle up to 10,000 requests per minute</a:t>
+            </a:r>
+          </a:p>
+          <a:p>
+            <a:pPr marL="457200" indent="-457200">
+              <a:buFont typeface="+mj-lt"/>
+              <a:buAutoNum type="arabicPeriod"/>
+            </a:pPr>
+            <a:endParaRPr lang="en-US" dirty="0" smtClean="0"/>
+          </a:p>
+        </p:txBody>
+      </p:sp>
+      <p:pic>
+        <p:nvPicPr>
+          <p:cNvPr id="5" name="Picture 4"/>
+          <p:cNvPicPr>
+            <a:picLocks noChangeAspect="1"/>
+          </p:cNvPicPr>
+          <p:nvPr/>
+        </p:nvPicPr>
+        <p:blipFill>
+          <a:blip r:embed="rId2" cstate="print">
+            <a:extLst>
+              <a:ext uri="{28A0092B-C50C-407E-A947-70E740481C1C}">
+                <a14:useLocalDpi xmlns:a14="http://schemas.microsoft.com/office/drawing/2010/main" val="0"/>
+              </a:ext>
+            </a:extLst>
+          </a:blip>
+          <a:stretch>
+            <a:fillRect/>
+          </a:stretch>
+        </p:blipFill>
+        <p:spPr>
+          <a:xfrm>
+            <a:off x="9135291" y="247442"/>
+            <a:ext cx="2455817" cy="1381224"/>
+          </a:xfrm>
+          <a:prstGeom prst="rect">
+            <a:avLst/>
+          </a:prstGeom>
+        </p:spPr>
+      </p:pic>
     </p:spTree>
     <p:extLst>
       <p:ext uri="{BB962C8B-B14F-4D97-AF65-F5344CB8AC3E}">
-        <p14:creationId xmlns:p14="http://schemas.microsoft.com/office/powerpoint/2010/main" val="831522135"/>
+        <p14:creationId xmlns:p14="http://schemas.microsoft.com/office/powerpoint/2010/main" val="1394202584"/>
       </p:ext>
     </p:extLst>
   </p:cSld>
   <p:clrMapOvr>
     <a:masterClrMapping/>
   </p:clrMapOvr>
+  <p:timing>
+    <p:tnLst>
+      <p:par>
+        <p:cTn id="1" dur="indefinite" restart="never" nodeType="tmRoot"/>
+      </p:par>
+    </p:tnLst>
+  </p:timing>
 </p:sld>
 </file>
 
@@ -3144,29 +5090,6 @@
       </p:grpSpPr>
       <p:sp>
         <p:nvSpPr>
-          <p:cNvPr id="2" name="Title 1"/>
-          <p:cNvSpPr>
-            <a:spLocks noGrp="1"/>
-          </p:cNvSpPr>
-          <p:nvPr>
-            <p:ph type="title"/>
-          </p:nvPr>
-        </p:nvSpPr>
-        <p:spPr/>
-        <p:txBody>
-          <a:bodyPr/>
-          <a:lstStyle/>
-          <a:p>
-            <a:r>
-              <a:rPr lang="en-US" dirty="0" smtClean="0"/>
-              <a:t>User Story 2-1</a:t>
-            </a:r>
-            <a:endParaRPr lang="en-US" dirty="0"/>
-          </a:p>
-        </p:txBody>
-      </p:sp>
-      <p:sp>
-        <p:nvSpPr>
           <p:cNvPr id="3" name="Content Placeholder 2"/>
           <p:cNvSpPr>
             <a:spLocks noGrp="1"/>
@@ -3175,11 +5098,14 @@
             <p:ph idx="1"/>
           </p:nvPr>
         </p:nvSpPr>
-        <p:spPr/>
-        <p:txBody>
-          <a:bodyPr>
-            <a:normAutofit/>
-          </a:bodyPr>
+        <p:spPr>
+          <a:xfrm>
+            <a:off x="209006" y="191588"/>
+            <a:ext cx="11773988" cy="6453051"/>
+          </a:xfrm>
+        </p:spPr>
+        <p:txBody>
+          <a:bodyPr/>
           <a:lstStyle/>
           <a:p>
             <a:pPr marL="0" indent="0">
@@ -3187,14 +5113,1400 @@
             </a:pPr>
             <a:r>
               <a:rPr lang="en-US" dirty="0" smtClean="0"/>
-              <a:t>TODO</a:t>
-            </a:r>
+              <a:t> </a:t>
+            </a:r>
+            <a:endParaRPr lang="en-US" dirty="0"/>
+          </a:p>
+        </p:txBody>
+      </p:sp>
+      <p:sp>
+        <p:nvSpPr>
+          <p:cNvPr id="38" name="Content Placeholder 2"/>
+          <p:cNvSpPr txBox="1">
+            <a:spLocks/>
+          </p:cNvSpPr>
+          <p:nvPr/>
+        </p:nvSpPr>
+        <p:spPr>
+          <a:xfrm>
+            <a:off x="1069848" y="2121408"/>
+            <a:ext cx="10058400" cy="4050792"/>
+          </a:xfrm>
+          <a:prstGeom prst="rect">
+            <a:avLst/>
+          </a:prstGeom>
+        </p:spPr>
+        <p:txBody>
+          <a:bodyPr vert="horz" lIns="91440" tIns="45720" rIns="91440" bIns="45720" rtlCol="0">
+            <a:normAutofit/>
+          </a:bodyPr>
+          <a:lstStyle>
+            <a:lvl1pPr marL="228600" indent="-228600" algn="l" defTabSz="914400" rtl="0" eaLnBrk="1" latinLnBrk="0" hangingPunct="1">
+              <a:lnSpc>
+                <a:spcPct val="100000"/>
+              </a:lnSpc>
+              <a:spcBef>
+                <a:spcPts val="1000"/>
+              </a:spcBef>
+              <a:buClr>
+                <a:schemeClr val="accent2"/>
+              </a:buClr>
+              <a:buFont typeface="Arial" panose="020B0604020202020204" pitchFamily="34" charset="0"/>
+              <a:buChar char="•"/>
+              <a:defRPr sz="1800" kern="1200">
+                <a:solidFill>
+                  <a:schemeClr val="tx1">
+                    <a:lumMod val="85000"/>
+                    <a:lumOff val="15000"/>
+                  </a:schemeClr>
+                </a:solidFill>
+                <a:latin typeface="+mn-lt"/>
+                <a:ea typeface="+mn-ea"/>
+                <a:cs typeface="+mn-cs"/>
+              </a:defRPr>
+            </a:lvl1pPr>
+            <a:lvl2pPr marL="457200" indent="-228600" algn="l" defTabSz="914400" rtl="0" eaLnBrk="1" latinLnBrk="0" hangingPunct="1">
+              <a:lnSpc>
+                <a:spcPct val="100000"/>
+              </a:lnSpc>
+              <a:spcBef>
+                <a:spcPts val="1000"/>
+              </a:spcBef>
+              <a:buClr>
+                <a:schemeClr val="accent2"/>
+              </a:buClr>
+              <a:buFont typeface="Arial" panose="020B0604020202020204" pitchFamily="34" charset="0"/>
+              <a:buChar char="•"/>
+              <a:defRPr sz="1600" kern="1200">
+                <a:solidFill>
+                  <a:schemeClr val="tx1">
+                    <a:lumMod val="85000"/>
+                    <a:lumOff val="15000"/>
+                  </a:schemeClr>
+                </a:solidFill>
+                <a:latin typeface="+mn-lt"/>
+                <a:ea typeface="+mn-ea"/>
+                <a:cs typeface="+mn-cs"/>
+              </a:defRPr>
+            </a:lvl2pPr>
+            <a:lvl3pPr marL="685800" indent="-228600" algn="l" defTabSz="914400" rtl="0" eaLnBrk="1" latinLnBrk="0" hangingPunct="1">
+              <a:lnSpc>
+                <a:spcPct val="100000"/>
+              </a:lnSpc>
+              <a:spcBef>
+                <a:spcPts val="1000"/>
+              </a:spcBef>
+              <a:buClr>
+                <a:schemeClr val="accent2"/>
+              </a:buClr>
+              <a:buFont typeface="Arial" panose="020B0604020202020204" pitchFamily="34" charset="0"/>
+              <a:buChar char="•"/>
+              <a:defRPr sz="1600" kern="1200">
+                <a:solidFill>
+                  <a:schemeClr val="tx1">
+                    <a:lumMod val="85000"/>
+                    <a:lumOff val="15000"/>
+                  </a:schemeClr>
+                </a:solidFill>
+                <a:latin typeface="+mn-lt"/>
+                <a:ea typeface="+mn-ea"/>
+                <a:cs typeface="+mn-cs"/>
+              </a:defRPr>
+            </a:lvl3pPr>
+            <a:lvl4pPr marL="914400" indent="-228600" algn="l" defTabSz="914400" rtl="0" eaLnBrk="1" latinLnBrk="0" hangingPunct="1">
+              <a:lnSpc>
+                <a:spcPct val="100000"/>
+              </a:lnSpc>
+              <a:spcBef>
+                <a:spcPts val="1000"/>
+              </a:spcBef>
+              <a:buClr>
+                <a:schemeClr val="accent2"/>
+              </a:buClr>
+              <a:buFont typeface="Arial" panose="020B0604020202020204" pitchFamily="34" charset="0"/>
+              <a:buChar char="•"/>
+              <a:defRPr sz="1600" kern="1200">
+                <a:solidFill>
+                  <a:schemeClr val="tx1">
+                    <a:lumMod val="85000"/>
+                    <a:lumOff val="15000"/>
+                  </a:schemeClr>
+                </a:solidFill>
+                <a:latin typeface="+mn-lt"/>
+                <a:ea typeface="+mn-ea"/>
+                <a:cs typeface="+mn-cs"/>
+              </a:defRPr>
+            </a:lvl4pPr>
+            <a:lvl5pPr marL="1143000" indent="-228600" algn="l" defTabSz="914400" rtl="0" eaLnBrk="1" latinLnBrk="0" hangingPunct="1">
+              <a:lnSpc>
+                <a:spcPct val="100000"/>
+              </a:lnSpc>
+              <a:spcBef>
+                <a:spcPts val="1000"/>
+              </a:spcBef>
+              <a:buClr>
+                <a:schemeClr val="accent2"/>
+              </a:buClr>
+              <a:buFont typeface="Arial" panose="020B0604020202020204" pitchFamily="34" charset="0"/>
+              <a:buChar char="•"/>
+              <a:defRPr sz="1600" kern="1200">
+                <a:solidFill>
+                  <a:schemeClr val="tx1">
+                    <a:lumMod val="85000"/>
+                    <a:lumOff val="15000"/>
+                  </a:schemeClr>
+                </a:solidFill>
+                <a:latin typeface="+mn-lt"/>
+                <a:ea typeface="+mn-ea"/>
+                <a:cs typeface="+mn-cs"/>
+              </a:defRPr>
+            </a:lvl5pPr>
+            <a:lvl6pPr marL="1312863" indent="-228600" algn="l" defTabSz="914400" rtl="0" eaLnBrk="1" latinLnBrk="0" hangingPunct="1">
+              <a:lnSpc>
+                <a:spcPct val="100000"/>
+              </a:lnSpc>
+              <a:spcBef>
+                <a:spcPts val="1000"/>
+              </a:spcBef>
+              <a:buClr>
+                <a:schemeClr val="accent2"/>
+              </a:buClr>
+              <a:buFont typeface="Arial" panose="020B0604020202020204" pitchFamily="34" charset="0"/>
+              <a:buChar char="•"/>
+              <a:defRPr sz="1600" kern="1200">
+                <a:solidFill>
+                  <a:schemeClr val="tx1"/>
+                </a:solidFill>
+                <a:latin typeface="+mn-lt"/>
+                <a:ea typeface="+mn-ea"/>
+                <a:cs typeface="+mn-cs"/>
+              </a:defRPr>
+            </a:lvl6pPr>
+            <a:lvl7pPr marL="1484313" indent="-228600" algn="l" defTabSz="914400" rtl="0" eaLnBrk="1" latinLnBrk="0" hangingPunct="1">
+              <a:lnSpc>
+                <a:spcPct val="100000"/>
+              </a:lnSpc>
+              <a:spcBef>
+                <a:spcPts val="1000"/>
+              </a:spcBef>
+              <a:buClr>
+                <a:schemeClr val="accent2"/>
+              </a:buClr>
+              <a:buFont typeface="Arial" panose="020B0604020202020204" pitchFamily="34" charset="0"/>
+              <a:buChar char="•"/>
+              <a:defRPr sz="1600" kern="1200">
+                <a:solidFill>
+                  <a:schemeClr val="tx1"/>
+                </a:solidFill>
+                <a:latin typeface="+mn-lt"/>
+                <a:ea typeface="+mn-ea"/>
+                <a:cs typeface="+mn-cs"/>
+              </a:defRPr>
+            </a:lvl7pPr>
+            <a:lvl8pPr marL="1657350" indent="-228600" algn="l" defTabSz="914400" rtl="0" eaLnBrk="1" latinLnBrk="0" hangingPunct="1">
+              <a:lnSpc>
+                <a:spcPct val="100000"/>
+              </a:lnSpc>
+              <a:spcBef>
+                <a:spcPts val="1000"/>
+              </a:spcBef>
+              <a:buClr>
+                <a:schemeClr val="accent2"/>
+              </a:buClr>
+              <a:buFont typeface="Arial" panose="020B0604020202020204" pitchFamily="34" charset="0"/>
+              <a:buChar char="•"/>
+              <a:defRPr sz="1600" kern="1200" baseline="0">
+                <a:solidFill>
+                  <a:schemeClr val="tx1"/>
+                </a:solidFill>
+                <a:latin typeface="+mn-lt"/>
+                <a:ea typeface="+mn-ea"/>
+                <a:cs typeface="+mn-cs"/>
+              </a:defRPr>
+            </a:lvl8pPr>
+            <a:lvl9pPr marL="1882775" indent="-228600" algn="l" defTabSz="914400" rtl="0" eaLnBrk="1" latinLnBrk="0" hangingPunct="1">
+              <a:lnSpc>
+                <a:spcPct val="100000"/>
+              </a:lnSpc>
+              <a:spcBef>
+                <a:spcPts val="1000"/>
+              </a:spcBef>
+              <a:buClr>
+                <a:schemeClr val="accent2"/>
+              </a:buClr>
+              <a:buFont typeface="Arial" panose="020B0604020202020204" pitchFamily="34" charset="0"/>
+              <a:buChar char="•"/>
+              <a:defRPr sz="1600" kern="1200" baseline="0">
+                <a:solidFill>
+                  <a:schemeClr val="tx1"/>
+                </a:solidFill>
+                <a:latin typeface="+mn-lt"/>
+                <a:ea typeface="+mn-ea"/>
+                <a:cs typeface="+mn-cs"/>
+              </a:defRPr>
+            </a:lvl9pPr>
+          </a:lstStyle>
+          <a:p>
+            <a:pPr marL="0" indent="0">
+              <a:buFont typeface="Arial" panose="020B0604020202020204" pitchFamily="34" charset="0"/>
+              <a:buNone/>
+            </a:pPr>
+            <a:r>
+              <a:rPr lang="en-US" smtClean="0"/>
+              <a:t> </a:t>
+            </a:r>
+            <a:endParaRPr lang="en-US" dirty="0"/>
+          </a:p>
+        </p:txBody>
+      </p:sp>
+      <p:sp>
+        <p:nvSpPr>
+          <p:cNvPr id="39" name="Rectangle 38"/>
+          <p:cNvSpPr/>
+          <p:nvPr/>
+        </p:nvSpPr>
+        <p:spPr>
+          <a:xfrm>
+            <a:off x="673189" y="3929672"/>
+            <a:ext cx="1212783" cy="933650"/>
+          </a:xfrm>
+          <a:prstGeom prst="rect">
+            <a:avLst/>
+          </a:prstGeom>
+        </p:spPr>
+        <p:style>
+          <a:lnRef idx="2">
+            <a:schemeClr val="accent1">
+              <a:shade val="50000"/>
+            </a:schemeClr>
+          </a:lnRef>
+          <a:fillRef idx="1">
+            <a:schemeClr val="accent1"/>
+          </a:fillRef>
+          <a:effectRef idx="0">
+            <a:schemeClr val="accent1"/>
+          </a:effectRef>
+          <a:fontRef idx="minor">
+            <a:schemeClr val="lt1"/>
+          </a:fontRef>
+        </p:style>
+        <p:txBody>
+          <a:bodyPr rtlCol="0" anchor="ctr"/>
+          <a:lstStyle/>
+          <a:p>
+            <a:pPr algn="ctr"/>
+            <a:r>
+              <a:rPr lang="en-US" dirty="0" smtClean="0"/>
+              <a:t>Provider </a:t>
+            </a:r>
+            <a:r>
+              <a:rPr lang="en-US" dirty="0"/>
+              <a:t>Transfer Service</a:t>
+            </a:r>
+          </a:p>
+        </p:txBody>
+      </p:sp>
+      <p:sp>
+        <p:nvSpPr>
+          <p:cNvPr id="40" name="Rectangle 39"/>
+          <p:cNvSpPr/>
+          <p:nvPr/>
+        </p:nvSpPr>
+        <p:spPr>
+          <a:xfrm>
+            <a:off x="4597658" y="2121408"/>
+            <a:ext cx="1212783" cy="933650"/>
+          </a:xfrm>
+          <a:prstGeom prst="rect">
+            <a:avLst/>
+          </a:prstGeom>
+        </p:spPr>
+        <p:style>
+          <a:lnRef idx="2">
+            <a:schemeClr val="accent1">
+              <a:shade val="50000"/>
+            </a:schemeClr>
+          </a:lnRef>
+          <a:fillRef idx="1">
+            <a:schemeClr val="accent1"/>
+          </a:fillRef>
+          <a:effectRef idx="0">
+            <a:schemeClr val="accent1"/>
+          </a:effectRef>
+          <a:fontRef idx="minor">
+            <a:schemeClr val="lt1"/>
+          </a:fontRef>
+        </p:style>
+        <p:txBody>
+          <a:bodyPr rtlCol="0" anchor="ctr"/>
+          <a:lstStyle/>
+          <a:p>
+            <a:pPr algn="ctr"/>
+            <a:r>
+              <a:rPr lang="en-US" dirty="0" smtClean="0"/>
+              <a:t>Auto Approval</a:t>
+            </a:r>
+          </a:p>
+          <a:p>
+            <a:pPr algn="ctr"/>
+            <a:r>
+              <a:rPr lang="en-US" dirty="0" smtClean="0"/>
+              <a:t>Service</a:t>
+            </a:r>
+            <a:endParaRPr lang="en-US" dirty="0"/>
+          </a:p>
+        </p:txBody>
+      </p:sp>
+      <p:sp>
+        <p:nvSpPr>
+          <p:cNvPr id="41" name="Can 40"/>
+          <p:cNvSpPr/>
+          <p:nvPr/>
+        </p:nvSpPr>
+        <p:spPr>
+          <a:xfrm rot="5400000">
+            <a:off x="7202935" y="1077330"/>
+            <a:ext cx="741145" cy="6676660"/>
+          </a:xfrm>
+          <a:prstGeom prst="can">
+            <a:avLst/>
+          </a:prstGeom>
+        </p:spPr>
+        <p:style>
+          <a:lnRef idx="2">
+            <a:schemeClr val="accent1">
+              <a:shade val="50000"/>
+            </a:schemeClr>
+          </a:lnRef>
+          <a:fillRef idx="1">
+            <a:schemeClr val="accent1"/>
+          </a:fillRef>
+          <a:effectRef idx="0">
+            <a:schemeClr val="accent1"/>
+          </a:effectRef>
+          <a:fontRef idx="minor">
+            <a:schemeClr val="lt1"/>
+          </a:fontRef>
+        </p:style>
+        <p:txBody>
+          <a:bodyPr vert="vert270" rtlCol="0" anchor="ctr"/>
+          <a:lstStyle/>
+          <a:p>
+            <a:pPr algn="ctr"/>
+            <a:r>
+              <a:rPr lang="en-US" dirty="0" smtClean="0"/>
+              <a:t>Message Bus</a:t>
+            </a:r>
+            <a:endParaRPr lang="en-US" dirty="0"/>
+          </a:p>
+        </p:txBody>
+      </p:sp>
+      <p:sp>
+        <p:nvSpPr>
+          <p:cNvPr id="42" name="Rectangle 41"/>
+          <p:cNvSpPr/>
+          <p:nvPr/>
+        </p:nvSpPr>
+        <p:spPr>
+          <a:xfrm>
+            <a:off x="8372402" y="2121408"/>
+            <a:ext cx="1212783" cy="933650"/>
+          </a:xfrm>
+          <a:prstGeom prst="rect">
+            <a:avLst/>
+          </a:prstGeom>
+        </p:spPr>
+        <p:style>
+          <a:lnRef idx="2">
+            <a:schemeClr val="accent1">
+              <a:shade val="50000"/>
+            </a:schemeClr>
+          </a:lnRef>
+          <a:fillRef idx="1">
+            <a:schemeClr val="accent1"/>
+          </a:fillRef>
+          <a:effectRef idx="0">
+            <a:schemeClr val="accent1"/>
+          </a:effectRef>
+          <a:fontRef idx="minor">
+            <a:schemeClr val="lt1"/>
+          </a:fontRef>
+        </p:style>
+        <p:txBody>
+          <a:bodyPr rtlCol="0" anchor="ctr"/>
+          <a:lstStyle/>
+          <a:p>
+            <a:pPr algn="ctr"/>
+            <a:r>
+              <a:rPr lang="en-US" dirty="0" smtClean="0"/>
+              <a:t>Routing Service</a:t>
+            </a:r>
+            <a:endParaRPr lang="en-US" dirty="0"/>
+          </a:p>
+        </p:txBody>
+      </p:sp>
+      <p:sp>
+        <p:nvSpPr>
+          <p:cNvPr id="43" name="Rectangle 42"/>
+          <p:cNvSpPr/>
+          <p:nvPr/>
+        </p:nvSpPr>
+        <p:spPr>
+          <a:xfrm>
+            <a:off x="6967115" y="5320618"/>
+            <a:ext cx="1212783" cy="933650"/>
+          </a:xfrm>
+          <a:prstGeom prst="rect">
+            <a:avLst/>
+          </a:prstGeom>
+        </p:spPr>
+        <p:style>
+          <a:lnRef idx="2">
+            <a:schemeClr val="accent1">
+              <a:shade val="50000"/>
+            </a:schemeClr>
+          </a:lnRef>
+          <a:fillRef idx="1">
+            <a:schemeClr val="accent1"/>
+          </a:fillRef>
+          <a:effectRef idx="0">
+            <a:schemeClr val="accent1"/>
+          </a:effectRef>
+          <a:fontRef idx="minor">
+            <a:schemeClr val="lt1"/>
+          </a:fontRef>
+        </p:style>
+        <p:txBody>
+          <a:bodyPr rtlCol="0" anchor="ctr"/>
+          <a:lstStyle/>
+          <a:p>
+            <a:pPr algn="ctr"/>
+            <a:r>
+              <a:rPr lang="en-US" dirty="0" smtClean="0"/>
+              <a:t>User Interface</a:t>
+            </a:r>
+            <a:endParaRPr lang="en-US" dirty="0"/>
+          </a:p>
+        </p:txBody>
+      </p:sp>
+      <p:sp>
+        <p:nvSpPr>
+          <p:cNvPr id="44" name="TextBox 43"/>
+          <p:cNvSpPr txBox="1"/>
+          <p:nvPr/>
+        </p:nvSpPr>
+        <p:spPr>
+          <a:xfrm>
+            <a:off x="2418928" y="4074758"/>
+            <a:ext cx="1239311" cy="230832"/>
+          </a:xfrm>
+          <a:prstGeom prst="rect">
+            <a:avLst/>
+          </a:prstGeom>
+          <a:noFill/>
+        </p:spPr>
+        <p:txBody>
+          <a:bodyPr wrap="square" rtlCol="0">
+            <a:spAutoFit/>
+          </a:bodyPr>
+          <a:lstStyle/>
+          <a:p>
+            <a:pPr algn="ctr"/>
+            <a:r>
+              <a:rPr lang="en-US" sz="900" dirty="0"/>
+              <a:t>Received </a:t>
+            </a:r>
+            <a:r>
+              <a:rPr lang="en-US" sz="900" dirty="0" smtClean="0"/>
+              <a:t>Requests</a:t>
+            </a:r>
+            <a:endParaRPr lang="en-US" sz="900" dirty="0"/>
+          </a:p>
+        </p:txBody>
+      </p:sp>
+      <p:cxnSp>
+        <p:nvCxnSpPr>
+          <p:cNvPr id="45" name="Straight Arrow Connector 44"/>
+          <p:cNvCxnSpPr/>
+          <p:nvPr/>
+        </p:nvCxnSpPr>
+        <p:spPr>
+          <a:xfrm>
+            <a:off x="1885972" y="4249284"/>
+            <a:ext cx="2359818" cy="27221"/>
+          </a:xfrm>
+          <a:prstGeom prst="straightConnector1">
+            <a:avLst/>
+          </a:prstGeom>
+          <a:ln>
+            <a:tailEnd type="triangle"/>
+          </a:ln>
+        </p:spPr>
+        <p:style>
+          <a:lnRef idx="1">
+            <a:schemeClr val="accent1"/>
+          </a:lnRef>
+          <a:fillRef idx="0">
+            <a:schemeClr val="accent1"/>
+          </a:fillRef>
+          <a:effectRef idx="0">
+            <a:schemeClr val="accent1"/>
+          </a:effectRef>
+          <a:fontRef idx="minor">
+            <a:schemeClr val="tx1"/>
+          </a:fontRef>
+        </p:style>
+      </p:cxnSp>
+      <p:cxnSp>
+        <p:nvCxnSpPr>
+          <p:cNvPr id="46" name="Straight Arrow Connector 45"/>
+          <p:cNvCxnSpPr/>
+          <p:nvPr/>
+        </p:nvCxnSpPr>
+        <p:spPr>
+          <a:xfrm flipV="1">
+            <a:off x="4597658" y="3055058"/>
+            <a:ext cx="0" cy="990029"/>
+          </a:xfrm>
+          <a:prstGeom prst="straightConnector1">
+            <a:avLst/>
+          </a:prstGeom>
+          <a:ln>
+            <a:tailEnd type="triangle"/>
+          </a:ln>
+        </p:spPr>
+        <p:style>
+          <a:lnRef idx="1">
+            <a:schemeClr val="accent1"/>
+          </a:lnRef>
+          <a:fillRef idx="0">
+            <a:schemeClr val="accent1"/>
+          </a:fillRef>
+          <a:effectRef idx="0">
+            <a:schemeClr val="accent1"/>
+          </a:effectRef>
+          <a:fontRef idx="minor">
+            <a:schemeClr val="tx1"/>
+          </a:fontRef>
+        </p:style>
+      </p:cxnSp>
+      <p:sp>
+        <p:nvSpPr>
+          <p:cNvPr id="47" name="TextBox 46"/>
+          <p:cNvSpPr txBox="1"/>
+          <p:nvPr/>
+        </p:nvSpPr>
+        <p:spPr>
+          <a:xfrm>
+            <a:off x="4256667" y="3166991"/>
+            <a:ext cx="699008" cy="369332"/>
+          </a:xfrm>
+          <a:prstGeom prst="rect">
+            <a:avLst/>
+          </a:prstGeom>
+          <a:noFill/>
+        </p:spPr>
+        <p:txBody>
+          <a:bodyPr wrap="square" rtlCol="0">
+            <a:spAutoFit/>
+          </a:bodyPr>
+          <a:lstStyle/>
+          <a:p>
+            <a:pPr algn="ctr"/>
+            <a:r>
+              <a:rPr lang="en-US" sz="900" dirty="0"/>
+              <a:t>Received Requests</a:t>
+            </a:r>
+          </a:p>
+        </p:txBody>
+      </p:sp>
+      <p:cxnSp>
+        <p:nvCxnSpPr>
+          <p:cNvPr id="48" name="Straight Arrow Connector 47"/>
+          <p:cNvCxnSpPr/>
+          <p:nvPr/>
+        </p:nvCxnSpPr>
+        <p:spPr>
+          <a:xfrm>
+            <a:off x="5171962" y="3055058"/>
+            <a:ext cx="0" cy="990029"/>
+          </a:xfrm>
+          <a:prstGeom prst="straightConnector1">
+            <a:avLst/>
+          </a:prstGeom>
+          <a:ln>
+            <a:tailEnd type="triangle"/>
+          </a:ln>
+        </p:spPr>
+        <p:style>
+          <a:lnRef idx="1">
+            <a:schemeClr val="accent1"/>
+          </a:lnRef>
+          <a:fillRef idx="0">
+            <a:schemeClr val="accent1"/>
+          </a:fillRef>
+          <a:effectRef idx="0">
+            <a:schemeClr val="accent1"/>
+          </a:effectRef>
+          <a:fontRef idx="minor">
+            <a:schemeClr val="tx1"/>
+          </a:fontRef>
+        </p:style>
+      </p:cxnSp>
+      <p:sp>
+        <p:nvSpPr>
+          <p:cNvPr id="49" name="TextBox 48"/>
+          <p:cNvSpPr txBox="1"/>
+          <p:nvPr/>
+        </p:nvSpPr>
+        <p:spPr>
+          <a:xfrm>
+            <a:off x="4800420" y="3521846"/>
+            <a:ext cx="757877" cy="369332"/>
+          </a:xfrm>
+          <a:prstGeom prst="rect">
+            <a:avLst/>
+          </a:prstGeom>
+          <a:noFill/>
+        </p:spPr>
+        <p:txBody>
+          <a:bodyPr wrap="square" rtlCol="0">
+            <a:spAutoFit/>
+          </a:bodyPr>
+          <a:lstStyle/>
+          <a:p>
+            <a:pPr algn="ctr"/>
+            <a:r>
+              <a:rPr lang="en-US" sz="900" dirty="0"/>
+              <a:t>Decided Requests</a:t>
+            </a:r>
+          </a:p>
+        </p:txBody>
+      </p:sp>
+      <p:cxnSp>
+        <p:nvCxnSpPr>
+          <p:cNvPr id="50" name="Straight Arrow Connector 49"/>
+          <p:cNvCxnSpPr/>
+          <p:nvPr/>
+        </p:nvCxnSpPr>
+        <p:spPr>
+          <a:xfrm>
+            <a:off x="5741819" y="3055058"/>
+            <a:ext cx="0" cy="990029"/>
+          </a:xfrm>
+          <a:prstGeom prst="straightConnector1">
+            <a:avLst/>
+          </a:prstGeom>
+          <a:ln>
+            <a:tailEnd type="triangle"/>
+          </a:ln>
+        </p:spPr>
+        <p:style>
+          <a:lnRef idx="1">
+            <a:schemeClr val="accent1"/>
+          </a:lnRef>
+          <a:fillRef idx="0">
+            <a:schemeClr val="accent1"/>
+          </a:fillRef>
+          <a:effectRef idx="0">
+            <a:schemeClr val="accent1"/>
+          </a:effectRef>
+          <a:fontRef idx="minor">
+            <a:schemeClr val="tx1"/>
+          </a:fontRef>
+        </p:style>
+      </p:cxnSp>
+      <p:sp>
+        <p:nvSpPr>
+          <p:cNvPr id="51" name="TextBox 50"/>
+          <p:cNvSpPr txBox="1"/>
+          <p:nvPr/>
+        </p:nvSpPr>
+        <p:spPr>
+          <a:xfrm>
+            <a:off x="5398322" y="3097741"/>
+            <a:ext cx="757877" cy="507831"/>
+          </a:xfrm>
+          <a:prstGeom prst="rect">
+            <a:avLst/>
+          </a:prstGeom>
+          <a:noFill/>
+        </p:spPr>
+        <p:txBody>
+          <a:bodyPr wrap="square" rtlCol="0">
+            <a:spAutoFit/>
+          </a:bodyPr>
+          <a:lstStyle/>
+          <a:p>
+            <a:pPr algn="ctr"/>
+            <a:r>
+              <a:rPr lang="en-US" sz="900" dirty="0" smtClean="0"/>
+              <a:t>Not Auto </a:t>
+            </a:r>
+            <a:r>
+              <a:rPr lang="en-US" sz="900" dirty="0"/>
+              <a:t>Approved </a:t>
+            </a:r>
+            <a:r>
+              <a:rPr lang="en-US" sz="900" dirty="0" smtClean="0"/>
+              <a:t>Requests</a:t>
+            </a:r>
+            <a:endParaRPr lang="en-US" sz="900" dirty="0"/>
+          </a:p>
+        </p:txBody>
+      </p:sp>
+      <p:sp>
+        <p:nvSpPr>
+          <p:cNvPr id="52" name="TextBox 51"/>
+          <p:cNvSpPr txBox="1"/>
+          <p:nvPr/>
+        </p:nvSpPr>
+        <p:spPr>
+          <a:xfrm>
+            <a:off x="7624603" y="2096250"/>
+            <a:ext cx="757877" cy="507831"/>
+          </a:xfrm>
+          <a:prstGeom prst="rect">
+            <a:avLst/>
+          </a:prstGeom>
+          <a:noFill/>
+        </p:spPr>
+        <p:txBody>
+          <a:bodyPr wrap="square" rtlCol="0">
+            <a:spAutoFit/>
+          </a:bodyPr>
+          <a:lstStyle/>
+          <a:p>
+            <a:pPr algn="ctr"/>
+            <a:r>
+              <a:rPr lang="en-US" sz="900" dirty="0"/>
+              <a:t>Not Auto Approved Requests</a:t>
+            </a:r>
+          </a:p>
+        </p:txBody>
+      </p:sp>
+      <p:sp>
+        <p:nvSpPr>
+          <p:cNvPr id="53" name="TextBox 52"/>
+          <p:cNvSpPr txBox="1"/>
+          <p:nvPr/>
+        </p:nvSpPr>
+        <p:spPr>
+          <a:xfrm>
+            <a:off x="8000217" y="5200024"/>
+            <a:ext cx="1118606" cy="369332"/>
+          </a:xfrm>
+          <a:prstGeom prst="rect">
+            <a:avLst/>
+          </a:prstGeom>
+          <a:noFill/>
+        </p:spPr>
+        <p:txBody>
+          <a:bodyPr wrap="square" rtlCol="0">
+            <a:spAutoFit/>
+          </a:bodyPr>
+          <a:lstStyle/>
+          <a:p>
+            <a:pPr algn="ctr"/>
+            <a:r>
+              <a:rPr lang="en-US" sz="900" dirty="0" smtClean="0"/>
+              <a:t>Get</a:t>
+            </a:r>
+          </a:p>
+          <a:p>
+            <a:pPr algn="ctr"/>
+            <a:r>
+              <a:rPr lang="en-US" sz="900" dirty="0" smtClean="0"/>
+              <a:t>Request</a:t>
+            </a:r>
+            <a:endParaRPr lang="en-US" sz="900" dirty="0"/>
+          </a:p>
+        </p:txBody>
+      </p:sp>
+      <p:sp>
+        <p:nvSpPr>
+          <p:cNvPr id="54" name="TextBox 53"/>
+          <p:cNvSpPr txBox="1"/>
+          <p:nvPr/>
+        </p:nvSpPr>
+        <p:spPr>
+          <a:xfrm>
+            <a:off x="8005393" y="3372722"/>
+            <a:ext cx="642983" cy="369332"/>
+          </a:xfrm>
+          <a:prstGeom prst="rect">
+            <a:avLst/>
+          </a:prstGeom>
+          <a:noFill/>
+        </p:spPr>
+        <p:txBody>
+          <a:bodyPr wrap="square" rtlCol="0">
+            <a:spAutoFit/>
+          </a:bodyPr>
+          <a:lstStyle/>
+          <a:p>
+            <a:pPr algn="ctr"/>
+            <a:r>
+              <a:rPr lang="en-US" sz="900" dirty="0" smtClean="0"/>
+              <a:t>Get Request</a:t>
+            </a:r>
+            <a:endParaRPr lang="en-US" sz="900" dirty="0"/>
+          </a:p>
+        </p:txBody>
+      </p:sp>
+      <p:cxnSp>
+        <p:nvCxnSpPr>
+          <p:cNvPr id="55" name="Straight Arrow Connector 54"/>
+          <p:cNvCxnSpPr/>
+          <p:nvPr/>
+        </p:nvCxnSpPr>
+        <p:spPr>
+          <a:xfrm flipV="1">
+            <a:off x="9253282" y="3097742"/>
+            <a:ext cx="10410" cy="939228"/>
+          </a:xfrm>
+          <a:prstGeom prst="straightConnector1">
+            <a:avLst/>
+          </a:prstGeom>
+          <a:ln>
+            <a:tailEnd type="triangle"/>
+          </a:ln>
+        </p:spPr>
+        <p:style>
+          <a:lnRef idx="1">
+            <a:schemeClr val="accent1"/>
+          </a:lnRef>
+          <a:fillRef idx="0">
+            <a:schemeClr val="accent1"/>
+          </a:fillRef>
+          <a:effectRef idx="0">
+            <a:schemeClr val="accent1"/>
+          </a:effectRef>
+          <a:fontRef idx="minor">
+            <a:schemeClr val="tx1"/>
+          </a:fontRef>
+        </p:style>
+      </p:cxnSp>
+      <p:sp>
+        <p:nvSpPr>
+          <p:cNvPr id="56" name="TextBox 55"/>
+          <p:cNvSpPr txBox="1"/>
+          <p:nvPr/>
+        </p:nvSpPr>
+        <p:spPr>
+          <a:xfrm>
+            <a:off x="9187328" y="3384713"/>
+            <a:ext cx="642983" cy="369332"/>
+          </a:xfrm>
+          <a:prstGeom prst="rect">
+            <a:avLst/>
+          </a:prstGeom>
+          <a:noFill/>
+        </p:spPr>
+        <p:txBody>
+          <a:bodyPr wrap="square" rtlCol="0">
+            <a:spAutoFit/>
+          </a:bodyPr>
+          <a:lstStyle/>
+          <a:p>
+            <a:pPr algn="ctr"/>
+            <a:r>
+              <a:rPr lang="en-US" sz="900" dirty="0"/>
+              <a:t>Decided Requests</a:t>
+            </a:r>
+          </a:p>
+        </p:txBody>
+      </p:sp>
+      <p:sp>
+        <p:nvSpPr>
+          <p:cNvPr id="57" name="TextBox 56"/>
+          <p:cNvSpPr txBox="1"/>
+          <p:nvPr/>
+        </p:nvSpPr>
+        <p:spPr>
+          <a:xfrm>
+            <a:off x="8535467" y="5729817"/>
+            <a:ext cx="1118606" cy="230832"/>
+          </a:xfrm>
+          <a:prstGeom prst="rect">
+            <a:avLst/>
+          </a:prstGeom>
+          <a:noFill/>
+        </p:spPr>
+        <p:txBody>
+          <a:bodyPr wrap="square" rtlCol="0">
+            <a:spAutoFit/>
+          </a:bodyPr>
+          <a:lstStyle/>
+          <a:p>
+            <a:pPr algn="ctr"/>
+            <a:r>
+              <a:rPr lang="en-US" sz="900" dirty="0"/>
+              <a:t>Decided Requests</a:t>
+            </a:r>
+          </a:p>
+        </p:txBody>
+      </p:sp>
+      <p:sp>
+        <p:nvSpPr>
+          <p:cNvPr id="58" name="TextBox 57"/>
+          <p:cNvSpPr txBox="1"/>
+          <p:nvPr/>
+        </p:nvSpPr>
+        <p:spPr>
+          <a:xfrm>
+            <a:off x="9376325" y="2251201"/>
+            <a:ext cx="1229098" cy="369332"/>
+          </a:xfrm>
+          <a:prstGeom prst="rect">
+            <a:avLst/>
+          </a:prstGeom>
+          <a:noFill/>
+        </p:spPr>
+        <p:txBody>
+          <a:bodyPr wrap="square" rtlCol="0">
+            <a:spAutoFit/>
+          </a:bodyPr>
+          <a:lstStyle/>
+          <a:p>
+            <a:pPr algn="ctr"/>
+            <a:r>
+              <a:rPr lang="en-US" sz="900" dirty="0" smtClean="0"/>
+              <a:t>Request</a:t>
+            </a:r>
+          </a:p>
+          <a:p>
+            <a:pPr algn="ctr"/>
+            <a:r>
+              <a:rPr lang="en-US" sz="900" dirty="0" smtClean="0"/>
+              <a:t>Assigned</a:t>
+            </a:r>
+            <a:endParaRPr lang="en-US" sz="900" dirty="0"/>
+          </a:p>
+        </p:txBody>
+      </p:sp>
+      <p:cxnSp>
+        <p:nvCxnSpPr>
+          <p:cNvPr id="59" name="Straight Arrow Connector 58"/>
+          <p:cNvCxnSpPr/>
+          <p:nvPr/>
+        </p:nvCxnSpPr>
+        <p:spPr>
+          <a:xfrm flipV="1">
+            <a:off x="8555850" y="3070468"/>
+            <a:ext cx="0" cy="966502"/>
+          </a:xfrm>
+          <a:prstGeom prst="straightConnector1">
+            <a:avLst/>
+          </a:prstGeom>
+          <a:ln>
+            <a:tailEnd type="triangle"/>
+          </a:ln>
+        </p:spPr>
+        <p:style>
+          <a:lnRef idx="1">
+            <a:schemeClr val="accent1"/>
+          </a:lnRef>
+          <a:fillRef idx="0">
+            <a:schemeClr val="accent1"/>
+          </a:fillRef>
+          <a:effectRef idx="0">
+            <a:schemeClr val="accent1"/>
+          </a:effectRef>
+          <a:fontRef idx="minor">
+            <a:schemeClr val="tx1"/>
+          </a:fontRef>
+        </p:style>
+      </p:cxnSp>
+      <p:cxnSp>
+        <p:nvCxnSpPr>
+          <p:cNvPr id="60" name="Elbow Connector 59"/>
+          <p:cNvCxnSpPr>
+            <a:endCxn id="43" idx="1"/>
+          </p:cNvCxnSpPr>
+          <p:nvPr/>
+        </p:nvCxnSpPr>
+        <p:spPr>
+          <a:xfrm rot="16200000" flipH="1">
+            <a:off x="6164931" y="4985259"/>
+            <a:ext cx="985800" cy="618568"/>
+          </a:xfrm>
+          <a:prstGeom prst="bentConnector2">
+            <a:avLst/>
+          </a:prstGeom>
+          <a:ln>
+            <a:tailEnd type="triangle"/>
+          </a:ln>
+        </p:spPr>
+        <p:style>
+          <a:lnRef idx="1">
+            <a:schemeClr val="accent1"/>
+          </a:lnRef>
+          <a:fillRef idx="0">
+            <a:schemeClr val="accent1"/>
+          </a:fillRef>
+          <a:effectRef idx="0">
+            <a:schemeClr val="accent1"/>
+          </a:effectRef>
+          <a:fontRef idx="minor">
+            <a:schemeClr val="tx1"/>
+          </a:fontRef>
+        </p:style>
+      </p:cxnSp>
+      <p:sp>
+        <p:nvSpPr>
+          <p:cNvPr id="61" name="TextBox 60"/>
+          <p:cNvSpPr txBox="1"/>
+          <p:nvPr/>
+        </p:nvSpPr>
+        <p:spPr>
+          <a:xfrm>
+            <a:off x="6011875" y="5440986"/>
+            <a:ext cx="1229098" cy="369332"/>
+          </a:xfrm>
+          <a:prstGeom prst="rect">
+            <a:avLst/>
+          </a:prstGeom>
+          <a:noFill/>
+        </p:spPr>
+        <p:txBody>
+          <a:bodyPr wrap="square" rtlCol="0">
+            <a:spAutoFit/>
+          </a:bodyPr>
+          <a:lstStyle/>
+          <a:p>
+            <a:pPr algn="ctr"/>
+            <a:r>
+              <a:rPr lang="en-US" sz="900" dirty="0" smtClean="0"/>
+              <a:t>Request</a:t>
+            </a:r>
+          </a:p>
+          <a:p>
+            <a:pPr algn="ctr"/>
+            <a:r>
+              <a:rPr lang="en-US" sz="900" dirty="0" smtClean="0"/>
+              <a:t>Assigned</a:t>
+            </a:r>
+            <a:endParaRPr lang="en-US" sz="900" dirty="0"/>
+          </a:p>
+        </p:txBody>
+      </p:sp>
+      <p:cxnSp>
+        <p:nvCxnSpPr>
+          <p:cNvPr id="62" name="Elbow Connector 61"/>
+          <p:cNvCxnSpPr/>
+          <p:nvPr/>
+        </p:nvCxnSpPr>
+        <p:spPr>
+          <a:xfrm rot="5400000" flipH="1" flipV="1">
+            <a:off x="8178466" y="4831413"/>
+            <a:ext cx="754768" cy="719274"/>
+          </a:xfrm>
+          <a:prstGeom prst="bentConnector3">
+            <a:avLst>
+              <a:gd name="adj1" fmla="val 599"/>
+            </a:avLst>
+          </a:prstGeom>
+          <a:ln>
+            <a:tailEnd type="triangle"/>
+          </a:ln>
+        </p:spPr>
+        <p:style>
+          <a:lnRef idx="1">
+            <a:schemeClr val="accent1"/>
+          </a:lnRef>
+          <a:fillRef idx="0">
+            <a:schemeClr val="accent1"/>
+          </a:fillRef>
+          <a:effectRef idx="0">
+            <a:schemeClr val="accent1"/>
+          </a:effectRef>
+          <a:fontRef idx="minor">
+            <a:schemeClr val="tx1"/>
+          </a:fontRef>
+        </p:style>
+      </p:cxnSp>
+      <p:cxnSp>
+        <p:nvCxnSpPr>
+          <p:cNvPr id="63" name="Elbow Connector 62"/>
+          <p:cNvCxnSpPr/>
+          <p:nvPr/>
+        </p:nvCxnSpPr>
+        <p:spPr>
+          <a:xfrm flipV="1">
+            <a:off x="8179898" y="4813665"/>
+            <a:ext cx="1394876" cy="1198052"/>
+          </a:xfrm>
+          <a:prstGeom prst="bentConnector3">
+            <a:avLst>
+              <a:gd name="adj1" fmla="val 99946"/>
+            </a:avLst>
+          </a:prstGeom>
+          <a:ln>
+            <a:tailEnd type="triangle"/>
+          </a:ln>
+        </p:spPr>
+        <p:style>
+          <a:lnRef idx="1">
+            <a:schemeClr val="accent1"/>
+          </a:lnRef>
+          <a:fillRef idx="0">
+            <a:schemeClr val="accent1"/>
+          </a:fillRef>
+          <a:effectRef idx="0">
+            <a:schemeClr val="accent1"/>
+          </a:effectRef>
+          <a:fontRef idx="minor">
+            <a:schemeClr val="tx1"/>
+          </a:fontRef>
+        </p:style>
+      </p:cxnSp>
+      <p:sp>
+        <p:nvSpPr>
+          <p:cNvPr id="64" name="Cloud 63"/>
+          <p:cNvSpPr/>
+          <p:nvPr/>
+        </p:nvSpPr>
+        <p:spPr>
+          <a:xfrm>
+            <a:off x="332126" y="2090732"/>
+            <a:ext cx="1901904" cy="1216539"/>
+          </a:xfrm>
+          <a:prstGeom prst="cloud">
+            <a:avLst/>
+          </a:prstGeom>
+        </p:spPr>
+        <p:style>
+          <a:lnRef idx="2">
+            <a:schemeClr val="accent1">
+              <a:shade val="50000"/>
+            </a:schemeClr>
+          </a:lnRef>
+          <a:fillRef idx="1">
+            <a:schemeClr val="accent1"/>
+          </a:fillRef>
+          <a:effectRef idx="0">
+            <a:schemeClr val="accent1"/>
+          </a:effectRef>
+          <a:fontRef idx="minor">
+            <a:schemeClr val="lt1"/>
+          </a:fontRef>
+        </p:style>
+        <p:txBody>
+          <a:bodyPr rtlCol="0" anchor="ctr"/>
+          <a:lstStyle/>
+          <a:p>
+            <a:pPr algn="ctr"/>
+            <a:r>
+              <a:rPr lang="en-US" dirty="0" smtClean="0"/>
+              <a:t>Providers</a:t>
+            </a:r>
+            <a:endParaRPr lang="en-US" dirty="0"/>
+          </a:p>
+        </p:txBody>
+      </p:sp>
+      <p:cxnSp>
+        <p:nvCxnSpPr>
+          <p:cNvPr id="65" name="Straight Arrow Connector 64"/>
+          <p:cNvCxnSpPr>
+            <a:stCxn id="64" idx="1"/>
+            <a:endCxn id="39" idx="0"/>
+          </p:cNvCxnSpPr>
+          <p:nvPr/>
+        </p:nvCxnSpPr>
+        <p:spPr>
+          <a:xfrm flipH="1">
+            <a:off x="1279581" y="3305976"/>
+            <a:ext cx="3497" cy="623696"/>
+          </a:xfrm>
+          <a:prstGeom prst="straightConnector1">
+            <a:avLst/>
+          </a:prstGeom>
+          <a:ln>
+            <a:headEnd type="triangle"/>
+            <a:tailEnd type="triangle"/>
+          </a:ln>
+        </p:spPr>
+        <p:style>
+          <a:lnRef idx="1">
+            <a:schemeClr val="accent1"/>
+          </a:lnRef>
+          <a:fillRef idx="0">
+            <a:schemeClr val="accent1"/>
+          </a:fillRef>
+          <a:effectRef idx="0">
+            <a:schemeClr val="accent1"/>
+          </a:effectRef>
+          <a:fontRef idx="minor">
+            <a:schemeClr val="tx1"/>
+          </a:fontRef>
+        </p:style>
+      </p:cxnSp>
+      <p:cxnSp>
+        <p:nvCxnSpPr>
+          <p:cNvPr id="66" name="Straight Arrow Connector 65"/>
+          <p:cNvCxnSpPr/>
+          <p:nvPr/>
+        </p:nvCxnSpPr>
+        <p:spPr>
+          <a:xfrm>
+            <a:off x="1885972" y="4583063"/>
+            <a:ext cx="2377619" cy="12763"/>
+          </a:xfrm>
+          <a:prstGeom prst="straightConnector1">
+            <a:avLst/>
+          </a:prstGeom>
+          <a:ln>
+            <a:headEnd type="triangle"/>
+            <a:tailEnd type="none"/>
+          </a:ln>
+        </p:spPr>
+        <p:style>
+          <a:lnRef idx="1">
+            <a:schemeClr val="accent1"/>
+          </a:lnRef>
+          <a:fillRef idx="0">
+            <a:schemeClr val="accent1"/>
+          </a:fillRef>
+          <a:effectRef idx="0">
+            <a:schemeClr val="accent1"/>
+          </a:effectRef>
+          <a:fontRef idx="minor">
+            <a:schemeClr val="tx1"/>
+          </a:fontRef>
+        </p:style>
+      </p:cxnSp>
+      <p:sp>
+        <p:nvSpPr>
+          <p:cNvPr id="67" name="TextBox 66"/>
+          <p:cNvSpPr txBox="1"/>
+          <p:nvPr/>
+        </p:nvSpPr>
+        <p:spPr>
+          <a:xfrm>
+            <a:off x="2428109" y="4408653"/>
+            <a:ext cx="1203529" cy="230832"/>
+          </a:xfrm>
+          <a:prstGeom prst="rect">
+            <a:avLst/>
+          </a:prstGeom>
+          <a:noFill/>
+        </p:spPr>
+        <p:txBody>
+          <a:bodyPr wrap="square" rtlCol="0">
+            <a:spAutoFit/>
+          </a:bodyPr>
+          <a:lstStyle/>
+          <a:p>
+            <a:pPr algn="ctr"/>
+            <a:r>
+              <a:rPr lang="en-US" sz="900" dirty="0"/>
+              <a:t>Decided Requests</a:t>
+            </a:r>
+          </a:p>
+        </p:txBody>
+      </p:sp>
+      <p:cxnSp>
+        <p:nvCxnSpPr>
+          <p:cNvPr id="68" name="Elbow Connector 67"/>
+          <p:cNvCxnSpPr>
+            <a:endCxn id="42" idx="1"/>
+          </p:cNvCxnSpPr>
+          <p:nvPr/>
+        </p:nvCxnSpPr>
+        <p:spPr>
+          <a:xfrm rot="5400000" flipH="1" flipV="1">
+            <a:off x="7323999" y="2996684"/>
+            <a:ext cx="1456854" cy="639952"/>
+          </a:xfrm>
+          <a:prstGeom prst="bentConnector2">
+            <a:avLst/>
+          </a:prstGeom>
+          <a:ln>
+            <a:tailEnd type="triangle"/>
+          </a:ln>
+        </p:spPr>
+        <p:style>
+          <a:lnRef idx="1">
+            <a:schemeClr val="accent1"/>
+          </a:lnRef>
+          <a:fillRef idx="0">
+            <a:schemeClr val="accent1"/>
+          </a:fillRef>
+          <a:effectRef idx="0">
+            <a:schemeClr val="accent1"/>
+          </a:effectRef>
+          <a:fontRef idx="minor">
+            <a:schemeClr val="tx1"/>
+          </a:fontRef>
+        </p:style>
+      </p:cxnSp>
+      <p:cxnSp>
+        <p:nvCxnSpPr>
+          <p:cNvPr id="69" name="Elbow Connector 68"/>
+          <p:cNvCxnSpPr>
+            <a:stCxn id="42" idx="3"/>
+          </p:cNvCxnSpPr>
+          <p:nvPr/>
+        </p:nvCxnSpPr>
+        <p:spPr>
+          <a:xfrm>
+            <a:off x="9585185" y="2588233"/>
+            <a:ext cx="810566" cy="1441444"/>
+          </a:xfrm>
+          <a:prstGeom prst="bentConnector2">
+            <a:avLst/>
+          </a:prstGeom>
+          <a:ln>
+            <a:tailEnd type="triangle"/>
+          </a:ln>
+        </p:spPr>
+        <p:style>
+          <a:lnRef idx="1">
+            <a:schemeClr val="accent1"/>
+          </a:lnRef>
+          <a:fillRef idx="0">
+            <a:schemeClr val="accent1"/>
+          </a:fillRef>
+          <a:effectRef idx="0">
+            <a:schemeClr val="accent1"/>
+          </a:effectRef>
+          <a:fontRef idx="minor">
+            <a:schemeClr val="tx1"/>
+          </a:fontRef>
+        </p:style>
+      </p:cxnSp>
+      <p:sp>
+        <p:nvSpPr>
+          <p:cNvPr id="70" name="Title 1"/>
+          <p:cNvSpPr>
+            <a:spLocks noGrp="1"/>
+          </p:cNvSpPr>
+          <p:nvPr>
+            <p:ph type="title"/>
+          </p:nvPr>
+        </p:nvSpPr>
+        <p:spPr>
+          <a:xfrm>
+            <a:off x="838200" y="365125"/>
+            <a:ext cx="10515600" cy="1325563"/>
+          </a:xfrm>
+        </p:spPr>
+        <p:txBody>
+          <a:bodyPr/>
+          <a:lstStyle/>
+          <a:p>
+            <a:r>
+              <a:rPr lang="en-US" dirty="0" smtClean="0"/>
+              <a:t>Final Solution</a:t>
+            </a:r>
+            <a:endParaRPr lang="en-US" dirty="0"/>
           </a:p>
         </p:txBody>
       </p:sp>
       <p:pic>
         <p:nvPicPr>
-          <p:cNvPr id="5" name="Picture 4"/>
+          <p:cNvPr id="36" name="Picture 35"/>
           <p:cNvPicPr>
             <a:picLocks noChangeAspect="1"/>
           </p:cNvPicPr>
@@ -3225,13 +6537,20 @@
     </p:spTree>
     <p:extLst>
       <p:ext uri="{BB962C8B-B14F-4D97-AF65-F5344CB8AC3E}">
-        <p14:creationId xmlns:p14="http://schemas.microsoft.com/office/powerpoint/2010/main" val="2889662669"/>
+        <p14:creationId xmlns:p14="http://schemas.microsoft.com/office/powerpoint/2010/main" val="3236359071"/>
       </p:ext>
     </p:extLst>
   </p:cSld>
   <p:clrMapOvr>
     <a:masterClrMapping/>
   </p:clrMapOvr>
+  <p:timing>
+    <p:tnLst>
+      <p:par>
+        <p:cTn id="1" dur="indefinite" restart="never" nodeType="tmRoot"/>
+      </p:par>
+    </p:tnLst>
+  </p:timing>
 </p:sld>
 </file>
 
@@ -3254,29 +6573,6 @@
       </p:grpSpPr>
       <p:sp>
         <p:nvSpPr>
-          <p:cNvPr id="2" name="Title 1"/>
-          <p:cNvSpPr>
-            <a:spLocks noGrp="1"/>
-          </p:cNvSpPr>
-          <p:nvPr>
-            <p:ph type="title"/>
-          </p:nvPr>
-        </p:nvSpPr>
-        <p:spPr/>
-        <p:txBody>
-          <a:bodyPr/>
-          <a:lstStyle/>
-          <a:p>
-            <a:r>
-              <a:rPr lang="en-US" dirty="0" smtClean="0"/>
-              <a:t>User Story 2-1: Design</a:t>
-            </a:r>
-            <a:endParaRPr lang="en-US" dirty="0"/>
-          </a:p>
-        </p:txBody>
-      </p:sp>
-      <p:sp>
-        <p:nvSpPr>
           <p:cNvPr id="3" name="Content Placeholder 2"/>
           <p:cNvSpPr>
             <a:spLocks noGrp="1"/>
@@ -3285,11 +6581,14 @@
             <p:ph idx="1"/>
           </p:nvPr>
         </p:nvSpPr>
-        <p:spPr/>
-        <p:txBody>
-          <a:bodyPr>
-            <a:normAutofit/>
-          </a:bodyPr>
+        <p:spPr>
+          <a:xfrm>
+            <a:off x="209006" y="191588"/>
+            <a:ext cx="11773988" cy="6453051"/>
+          </a:xfrm>
+        </p:spPr>
+        <p:txBody>
+          <a:bodyPr/>
           <a:lstStyle/>
           <a:p>
             <a:pPr marL="0" indent="0">
@@ -3297,14 +6596,1386 @@
             </a:pPr>
             <a:r>
               <a:rPr lang="en-US" dirty="0" smtClean="0"/>
-              <a:t>TODO</a:t>
-            </a:r>
+              <a:t> </a:t>
+            </a:r>
+            <a:endParaRPr lang="en-US" dirty="0"/>
+          </a:p>
+        </p:txBody>
+      </p:sp>
+      <p:sp>
+        <p:nvSpPr>
+          <p:cNvPr id="38" name="Content Placeholder 2"/>
+          <p:cNvSpPr txBox="1">
+            <a:spLocks/>
+          </p:cNvSpPr>
+          <p:nvPr/>
+        </p:nvSpPr>
+        <p:spPr>
+          <a:xfrm>
+            <a:off x="1069848" y="2121408"/>
+            <a:ext cx="10058400" cy="4050792"/>
+          </a:xfrm>
+          <a:prstGeom prst="rect">
+            <a:avLst/>
+          </a:prstGeom>
+        </p:spPr>
+        <p:txBody>
+          <a:bodyPr vert="horz" lIns="91440" tIns="45720" rIns="91440" bIns="45720" rtlCol="0">
+            <a:normAutofit/>
+          </a:bodyPr>
+          <a:lstStyle>
+            <a:lvl1pPr marL="228600" indent="-228600" algn="l" defTabSz="914400" rtl="0" eaLnBrk="1" latinLnBrk="0" hangingPunct="1">
+              <a:lnSpc>
+                <a:spcPct val="100000"/>
+              </a:lnSpc>
+              <a:spcBef>
+                <a:spcPts val="1000"/>
+              </a:spcBef>
+              <a:buClr>
+                <a:schemeClr val="accent2"/>
+              </a:buClr>
+              <a:buFont typeface="Arial" panose="020B0604020202020204" pitchFamily="34" charset="0"/>
+              <a:buChar char="•"/>
+              <a:defRPr sz="1800" kern="1200">
+                <a:solidFill>
+                  <a:schemeClr val="tx1">
+                    <a:lumMod val="85000"/>
+                    <a:lumOff val="15000"/>
+                  </a:schemeClr>
+                </a:solidFill>
+                <a:latin typeface="+mn-lt"/>
+                <a:ea typeface="+mn-ea"/>
+                <a:cs typeface="+mn-cs"/>
+              </a:defRPr>
+            </a:lvl1pPr>
+            <a:lvl2pPr marL="457200" indent="-228600" algn="l" defTabSz="914400" rtl="0" eaLnBrk="1" latinLnBrk="0" hangingPunct="1">
+              <a:lnSpc>
+                <a:spcPct val="100000"/>
+              </a:lnSpc>
+              <a:spcBef>
+                <a:spcPts val="1000"/>
+              </a:spcBef>
+              <a:buClr>
+                <a:schemeClr val="accent2"/>
+              </a:buClr>
+              <a:buFont typeface="Arial" panose="020B0604020202020204" pitchFamily="34" charset="0"/>
+              <a:buChar char="•"/>
+              <a:defRPr sz="1600" kern="1200">
+                <a:solidFill>
+                  <a:schemeClr val="tx1">
+                    <a:lumMod val="85000"/>
+                    <a:lumOff val="15000"/>
+                  </a:schemeClr>
+                </a:solidFill>
+                <a:latin typeface="+mn-lt"/>
+                <a:ea typeface="+mn-ea"/>
+                <a:cs typeface="+mn-cs"/>
+              </a:defRPr>
+            </a:lvl2pPr>
+            <a:lvl3pPr marL="685800" indent="-228600" algn="l" defTabSz="914400" rtl="0" eaLnBrk="1" latinLnBrk="0" hangingPunct="1">
+              <a:lnSpc>
+                <a:spcPct val="100000"/>
+              </a:lnSpc>
+              <a:spcBef>
+                <a:spcPts val="1000"/>
+              </a:spcBef>
+              <a:buClr>
+                <a:schemeClr val="accent2"/>
+              </a:buClr>
+              <a:buFont typeface="Arial" panose="020B0604020202020204" pitchFamily="34" charset="0"/>
+              <a:buChar char="•"/>
+              <a:defRPr sz="1600" kern="1200">
+                <a:solidFill>
+                  <a:schemeClr val="tx1">
+                    <a:lumMod val="85000"/>
+                    <a:lumOff val="15000"/>
+                  </a:schemeClr>
+                </a:solidFill>
+                <a:latin typeface="+mn-lt"/>
+                <a:ea typeface="+mn-ea"/>
+                <a:cs typeface="+mn-cs"/>
+              </a:defRPr>
+            </a:lvl3pPr>
+            <a:lvl4pPr marL="914400" indent="-228600" algn="l" defTabSz="914400" rtl="0" eaLnBrk="1" latinLnBrk="0" hangingPunct="1">
+              <a:lnSpc>
+                <a:spcPct val="100000"/>
+              </a:lnSpc>
+              <a:spcBef>
+                <a:spcPts val="1000"/>
+              </a:spcBef>
+              <a:buClr>
+                <a:schemeClr val="accent2"/>
+              </a:buClr>
+              <a:buFont typeface="Arial" panose="020B0604020202020204" pitchFamily="34" charset="0"/>
+              <a:buChar char="•"/>
+              <a:defRPr sz="1600" kern="1200">
+                <a:solidFill>
+                  <a:schemeClr val="tx1">
+                    <a:lumMod val="85000"/>
+                    <a:lumOff val="15000"/>
+                  </a:schemeClr>
+                </a:solidFill>
+                <a:latin typeface="+mn-lt"/>
+                <a:ea typeface="+mn-ea"/>
+                <a:cs typeface="+mn-cs"/>
+              </a:defRPr>
+            </a:lvl4pPr>
+            <a:lvl5pPr marL="1143000" indent="-228600" algn="l" defTabSz="914400" rtl="0" eaLnBrk="1" latinLnBrk="0" hangingPunct="1">
+              <a:lnSpc>
+                <a:spcPct val="100000"/>
+              </a:lnSpc>
+              <a:spcBef>
+                <a:spcPts val="1000"/>
+              </a:spcBef>
+              <a:buClr>
+                <a:schemeClr val="accent2"/>
+              </a:buClr>
+              <a:buFont typeface="Arial" panose="020B0604020202020204" pitchFamily="34" charset="0"/>
+              <a:buChar char="•"/>
+              <a:defRPr sz="1600" kern="1200">
+                <a:solidFill>
+                  <a:schemeClr val="tx1">
+                    <a:lumMod val="85000"/>
+                    <a:lumOff val="15000"/>
+                  </a:schemeClr>
+                </a:solidFill>
+                <a:latin typeface="+mn-lt"/>
+                <a:ea typeface="+mn-ea"/>
+                <a:cs typeface="+mn-cs"/>
+              </a:defRPr>
+            </a:lvl5pPr>
+            <a:lvl6pPr marL="1312863" indent="-228600" algn="l" defTabSz="914400" rtl="0" eaLnBrk="1" latinLnBrk="0" hangingPunct="1">
+              <a:lnSpc>
+                <a:spcPct val="100000"/>
+              </a:lnSpc>
+              <a:spcBef>
+                <a:spcPts val="1000"/>
+              </a:spcBef>
+              <a:buClr>
+                <a:schemeClr val="accent2"/>
+              </a:buClr>
+              <a:buFont typeface="Arial" panose="020B0604020202020204" pitchFamily="34" charset="0"/>
+              <a:buChar char="•"/>
+              <a:defRPr sz="1600" kern="1200">
+                <a:solidFill>
+                  <a:schemeClr val="tx1"/>
+                </a:solidFill>
+                <a:latin typeface="+mn-lt"/>
+                <a:ea typeface="+mn-ea"/>
+                <a:cs typeface="+mn-cs"/>
+              </a:defRPr>
+            </a:lvl6pPr>
+            <a:lvl7pPr marL="1484313" indent="-228600" algn="l" defTabSz="914400" rtl="0" eaLnBrk="1" latinLnBrk="0" hangingPunct="1">
+              <a:lnSpc>
+                <a:spcPct val="100000"/>
+              </a:lnSpc>
+              <a:spcBef>
+                <a:spcPts val="1000"/>
+              </a:spcBef>
+              <a:buClr>
+                <a:schemeClr val="accent2"/>
+              </a:buClr>
+              <a:buFont typeface="Arial" panose="020B0604020202020204" pitchFamily="34" charset="0"/>
+              <a:buChar char="•"/>
+              <a:defRPr sz="1600" kern="1200">
+                <a:solidFill>
+                  <a:schemeClr val="tx1"/>
+                </a:solidFill>
+                <a:latin typeface="+mn-lt"/>
+                <a:ea typeface="+mn-ea"/>
+                <a:cs typeface="+mn-cs"/>
+              </a:defRPr>
+            </a:lvl7pPr>
+            <a:lvl8pPr marL="1657350" indent="-228600" algn="l" defTabSz="914400" rtl="0" eaLnBrk="1" latinLnBrk="0" hangingPunct="1">
+              <a:lnSpc>
+                <a:spcPct val="100000"/>
+              </a:lnSpc>
+              <a:spcBef>
+                <a:spcPts val="1000"/>
+              </a:spcBef>
+              <a:buClr>
+                <a:schemeClr val="accent2"/>
+              </a:buClr>
+              <a:buFont typeface="Arial" panose="020B0604020202020204" pitchFamily="34" charset="0"/>
+              <a:buChar char="•"/>
+              <a:defRPr sz="1600" kern="1200" baseline="0">
+                <a:solidFill>
+                  <a:schemeClr val="tx1"/>
+                </a:solidFill>
+                <a:latin typeface="+mn-lt"/>
+                <a:ea typeface="+mn-ea"/>
+                <a:cs typeface="+mn-cs"/>
+              </a:defRPr>
+            </a:lvl8pPr>
+            <a:lvl9pPr marL="1882775" indent="-228600" algn="l" defTabSz="914400" rtl="0" eaLnBrk="1" latinLnBrk="0" hangingPunct="1">
+              <a:lnSpc>
+                <a:spcPct val="100000"/>
+              </a:lnSpc>
+              <a:spcBef>
+                <a:spcPts val="1000"/>
+              </a:spcBef>
+              <a:buClr>
+                <a:schemeClr val="accent2"/>
+              </a:buClr>
+              <a:buFont typeface="Arial" panose="020B0604020202020204" pitchFamily="34" charset="0"/>
+              <a:buChar char="•"/>
+              <a:defRPr sz="1600" kern="1200" baseline="0">
+                <a:solidFill>
+                  <a:schemeClr val="tx1"/>
+                </a:solidFill>
+                <a:latin typeface="+mn-lt"/>
+                <a:ea typeface="+mn-ea"/>
+                <a:cs typeface="+mn-cs"/>
+              </a:defRPr>
+            </a:lvl9pPr>
+          </a:lstStyle>
+          <a:p>
+            <a:pPr marL="0" indent="0">
+              <a:buFont typeface="Arial" panose="020B0604020202020204" pitchFamily="34" charset="0"/>
+              <a:buNone/>
+            </a:pPr>
+            <a:r>
+              <a:rPr lang="en-US" smtClean="0"/>
+              <a:t> </a:t>
+            </a:r>
+            <a:endParaRPr lang="en-US" dirty="0"/>
+          </a:p>
+        </p:txBody>
+      </p:sp>
+      <p:sp>
+        <p:nvSpPr>
+          <p:cNvPr id="39" name="Rectangle 38"/>
+          <p:cNvSpPr/>
+          <p:nvPr/>
+        </p:nvSpPr>
+        <p:spPr>
+          <a:xfrm>
+            <a:off x="673189" y="3929672"/>
+            <a:ext cx="1212783" cy="933650"/>
+          </a:xfrm>
+          <a:prstGeom prst="rect">
+            <a:avLst/>
+          </a:prstGeom>
+        </p:spPr>
+        <p:style>
+          <a:lnRef idx="2">
+            <a:schemeClr val="accent1">
+              <a:shade val="50000"/>
+            </a:schemeClr>
+          </a:lnRef>
+          <a:fillRef idx="1">
+            <a:schemeClr val="accent1"/>
+          </a:fillRef>
+          <a:effectRef idx="0">
+            <a:schemeClr val="accent1"/>
+          </a:effectRef>
+          <a:fontRef idx="minor">
+            <a:schemeClr val="lt1"/>
+          </a:fontRef>
+        </p:style>
+        <p:txBody>
+          <a:bodyPr rtlCol="0" anchor="ctr"/>
+          <a:lstStyle/>
+          <a:p>
+            <a:pPr algn="ctr"/>
+            <a:r>
+              <a:rPr lang="en-US" dirty="0" smtClean="0"/>
+              <a:t>Provider </a:t>
+            </a:r>
+            <a:r>
+              <a:rPr lang="en-US" dirty="0"/>
+              <a:t>Transfer Service</a:t>
+            </a:r>
+          </a:p>
+        </p:txBody>
+      </p:sp>
+      <p:sp>
+        <p:nvSpPr>
+          <p:cNvPr id="40" name="Rectangle 39"/>
+          <p:cNvSpPr/>
+          <p:nvPr/>
+        </p:nvSpPr>
+        <p:spPr>
+          <a:xfrm>
+            <a:off x="4597658" y="2121408"/>
+            <a:ext cx="1212783" cy="933650"/>
+          </a:xfrm>
+          <a:prstGeom prst="rect">
+            <a:avLst/>
+          </a:prstGeom>
+        </p:spPr>
+        <p:style>
+          <a:lnRef idx="2">
+            <a:schemeClr val="accent1">
+              <a:shade val="50000"/>
+            </a:schemeClr>
+          </a:lnRef>
+          <a:fillRef idx="1">
+            <a:schemeClr val="accent1"/>
+          </a:fillRef>
+          <a:effectRef idx="0">
+            <a:schemeClr val="accent1"/>
+          </a:effectRef>
+          <a:fontRef idx="minor">
+            <a:schemeClr val="lt1"/>
+          </a:fontRef>
+        </p:style>
+        <p:txBody>
+          <a:bodyPr rtlCol="0" anchor="ctr"/>
+          <a:lstStyle/>
+          <a:p>
+            <a:pPr algn="ctr"/>
+            <a:r>
+              <a:rPr lang="en-US" dirty="0" smtClean="0"/>
+              <a:t>Auto Approval</a:t>
+            </a:r>
+          </a:p>
+          <a:p>
+            <a:pPr algn="ctr"/>
+            <a:r>
+              <a:rPr lang="en-US" dirty="0" smtClean="0"/>
+              <a:t>Service</a:t>
+            </a:r>
+            <a:endParaRPr lang="en-US" dirty="0"/>
+          </a:p>
+        </p:txBody>
+      </p:sp>
+      <p:sp>
+        <p:nvSpPr>
+          <p:cNvPr id="41" name="Can 40"/>
+          <p:cNvSpPr/>
+          <p:nvPr/>
+        </p:nvSpPr>
+        <p:spPr>
+          <a:xfrm rot="5400000">
+            <a:off x="7202935" y="1077330"/>
+            <a:ext cx="741145" cy="6676660"/>
+          </a:xfrm>
+          <a:prstGeom prst="can">
+            <a:avLst/>
+          </a:prstGeom>
+        </p:spPr>
+        <p:style>
+          <a:lnRef idx="2">
+            <a:schemeClr val="accent1">
+              <a:shade val="50000"/>
+            </a:schemeClr>
+          </a:lnRef>
+          <a:fillRef idx="1">
+            <a:schemeClr val="accent1"/>
+          </a:fillRef>
+          <a:effectRef idx="0">
+            <a:schemeClr val="accent1"/>
+          </a:effectRef>
+          <a:fontRef idx="minor">
+            <a:schemeClr val="lt1"/>
+          </a:fontRef>
+        </p:style>
+        <p:txBody>
+          <a:bodyPr vert="vert270" rtlCol="0" anchor="ctr"/>
+          <a:lstStyle/>
+          <a:p>
+            <a:pPr algn="ctr"/>
+            <a:r>
+              <a:rPr lang="en-US" dirty="0" smtClean="0"/>
+              <a:t>Message Bus</a:t>
+            </a:r>
+            <a:endParaRPr lang="en-US" dirty="0"/>
+          </a:p>
+        </p:txBody>
+      </p:sp>
+      <p:sp>
+        <p:nvSpPr>
+          <p:cNvPr id="42" name="Rectangle 41"/>
+          <p:cNvSpPr/>
+          <p:nvPr/>
+        </p:nvSpPr>
+        <p:spPr>
+          <a:xfrm>
+            <a:off x="8372402" y="2121408"/>
+            <a:ext cx="1212783" cy="933650"/>
+          </a:xfrm>
+          <a:prstGeom prst="rect">
+            <a:avLst/>
+          </a:prstGeom>
+        </p:spPr>
+        <p:style>
+          <a:lnRef idx="2">
+            <a:schemeClr val="accent1">
+              <a:shade val="50000"/>
+            </a:schemeClr>
+          </a:lnRef>
+          <a:fillRef idx="1">
+            <a:schemeClr val="accent1"/>
+          </a:fillRef>
+          <a:effectRef idx="0">
+            <a:schemeClr val="accent1"/>
+          </a:effectRef>
+          <a:fontRef idx="minor">
+            <a:schemeClr val="lt1"/>
+          </a:fontRef>
+        </p:style>
+        <p:txBody>
+          <a:bodyPr rtlCol="0" anchor="ctr"/>
+          <a:lstStyle/>
+          <a:p>
+            <a:pPr algn="ctr"/>
+            <a:r>
+              <a:rPr lang="en-US" dirty="0" smtClean="0"/>
+              <a:t>Routing Service</a:t>
+            </a:r>
+            <a:endParaRPr lang="en-US" dirty="0"/>
+          </a:p>
+        </p:txBody>
+      </p:sp>
+      <p:sp>
+        <p:nvSpPr>
+          <p:cNvPr id="43" name="Rectangle 42"/>
+          <p:cNvSpPr/>
+          <p:nvPr/>
+        </p:nvSpPr>
+        <p:spPr>
+          <a:xfrm>
+            <a:off x="6967115" y="5320618"/>
+            <a:ext cx="1212783" cy="933650"/>
+          </a:xfrm>
+          <a:prstGeom prst="rect">
+            <a:avLst/>
+          </a:prstGeom>
+        </p:spPr>
+        <p:style>
+          <a:lnRef idx="2">
+            <a:schemeClr val="accent1">
+              <a:shade val="50000"/>
+            </a:schemeClr>
+          </a:lnRef>
+          <a:fillRef idx="1">
+            <a:schemeClr val="accent1"/>
+          </a:fillRef>
+          <a:effectRef idx="0">
+            <a:schemeClr val="accent1"/>
+          </a:effectRef>
+          <a:fontRef idx="minor">
+            <a:schemeClr val="lt1"/>
+          </a:fontRef>
+        </p:style>
+        <p:txBody>
+          <a:bodyPr rtlCol="0" anchor="ctr"/>
+          <a:lstStyle/>
+          <a:p>
+            <a:pPr algn="ctr"/>
+            <a:r>
+              <a:rPr lang="en-US" dirty="0" smtClean="0"/>
+              <a:t>User Interface</a:t>
+            </a:r>
+            <a:endParaRPr lang="en-US" dirty="0"/>
+          </a:p>
+        </p:txBody>
+      </p:sp>
+      <p:sp>
+        <p:nvSpPr>
+          <p:cNvPr id="44" name="TextBox 43"/>
+          <p:cNvSpPr txBox="1"/>
+          <p:nvPr/>
+        </p:nvSpPr>
+        <p:spPr>
+          <a:xfrm>
+            <a:off x="2418928" y="4074758"/>
+            <a:ext cx="1239311" cy="230832"/>
+          </a:xfrm>
+          <a:prstGeom prst="rect">
+            <a:avLst/>
+          </a:prstGeom>
+          <a:noFill/>
+        </p:spPr>
+        <p:txBody>
+          <a:bodyPr wrap="square" rtlCol="0">
+            <a:spAutoFit/>
+          </a:bodyPr>
+          <a:lstStyle/>
+          <a:p>
+            <a:pPr algn="ctr"/>
+            <a:r>
+              <a:rPr lang="en-US" sz="900" dirty="0"/>
+              <a:t>Received Requests</a:t>
+            </a:r>
+          </a:p>
+        </p:txBody>
+      </p:sp>
+      <p:cxnSp>
+        <p:nvCxnSpPr>
+          <p:cNvPr id="45" name="Straight Arrow Connector 44"/>
+          <p:cNvCxnSpPr/>
+          <p:nvPr/>
+        </p:nvCxnSpPr>
+        <p:spPr>
+          <a:xfrm>
+            <a:off x="1885972" y="4249284"/>
+            <a:ext cx="2359818" cy="27221"/>
+          </a:xfrm>
+          <a:prstGeom prst="straightConnector1">
+            <a:avLst/>
+          </a:prstGeom>
+          <a:ln>
+            <a:tailEnd type="triangle"/>
+          </a:ln>
+        </p:spPr>
+        <p:style>
+          <a:lnRef idx="1">
+            <a:schemeClr val="accent1"/>
+          </a:lnRef>
+          <a:fillRef idx="0">
+            <a:schemeClr val="accent1"/>
+          </a:fillRef>
+          <a:effectRef idx="0">
+            <a:schemeClr val="accent1"/>
+          </a:effectRef>
+          <a:fontRef idx="minor">
+            <a:schemeClr val="tx1"/>
+          </a:fontRef>
+        </p:style>
+      </p:cxnSp>
+      <p:cxnSp>
+        <p:nvCxnSpPr>
+          <p:cNvPr id="46" name="Straight Arrow Connector 45"/>
+          <p:cNvCxnSpPr/>
+          <p:nvPr/>
+        </p:nvCxnSpPr>
+        <p:spPr>
+          <a:xfrm flipV="1">
+            <a:off x="4597658" y="3055058"/>
+            <a:ext cx="0" cy="990029"/>
+          </a:xfrm>
+          <a:prstGeom prst="straightConnector1">
+            <a:avLst/>
+          </a:prstGeom>
+          <a:ln>
+            <a:tailEnd type="triangle"/>
+          </a:ln>
+        </p:spPr>
+        <p:style>
+          <a:lnRef idx="1">
+            <a:schemeClr val="accent1"/>
+          </a:lnRef>
+          <a:fillRef idx="0">
+            <a:schemeClr val="accent1"/>
+          </a:fillRef>
+          <a:effectRef idx="0">
+            <a:schemeClr val="accent1"/>
+          </a:effectRef>
+          <a:fontRef idx="minor">
+            <a:schemeClr val="tx1"/>
+          </a:fontRef>
+        </p:style>
+      </p:cxnSp>
+      <p:sp>
+        <p:nvSpPr>
+          <p:cNvPr id="47" name="TextBox 46"/>
+          <p:cNvSpPr txBox="1"/>
+          <p:nvPr/>
+        </p:nvSpPr>
+        <p:spPr>
+          <a:xfrm>
+            <a:off x="4256667" y="3166991"/>
+            <a:ext cx="699008" cy="369332"/>
+          </a:xfrm>
+          <a:prstGeom prst="rect">
+            <a:avLst/>
+          </a:prstGeom>
+          <a:noFill/>
+        </p:spPr>
+        <p:txBody>
+          <a:bodyPr wrap="square" rtlCol="0">
+            <a:spAutoFit/>
+          </a:bodyPr>
+          <a:lstStyle/>
+          <a:p>
+            <a:pPr algn="ctr"/>
+            <a:r>
+              <a:rPr lang="en-US" sz="900" dirty="0"/>
+              <a:t>Received Requests</a:t>
+            </a:r>
+          </a:p>
+        </p:txBody>
+      </p:sp>
+      <p:cxnSp>
+        <p:nvCxnSpPr>
+          <p:cNvPr id="48" name="Straight Arrow Connector 47"/>
+          <p:cNvCxnSpPr/>
+          <p:nvPr/>
+        </p:nvCxnSpPr>
+        <p:spPr>
+          <a:xfrm>
+            <a:off x="5171962" y="3055058"/>
+            <a:ext cx="0" cy="990029"/>
+          </a:xfrm>
+          <a:prstGeom prst="straightConnector1">
+            <a:avLst/>
+          </a:prstGeom>
+          <a:ln>
+            <a:tailEnd type="triangle"/>
+          </a:ln>
+        </p:spPr>
+        <p:style>
+          <a:lnRef idx="1">
+            <a:schemeClr val="accent1"/>
+          </a:lnRef>
+          <a:fillRef idx="0">
+            <a:schemeClr val="accent1"/>
+          </a:fillRef>
+          <a:effectRef idx="0">
+            <a:schemeClr val="accent1"/>
+          </a:effectRef>
+          <a:fontRef idx="minor">
+            <a:schemeClr val="tx1"/>
+          </a:fontRef>
+        </p:style>
+      </p:cxnSp>
+      <p:sp>
+        <p:nvSpPr>
+          <p:cNvPr id="49" name="TextBox 48"/>
+          <p:cNvSpPr txBox="1"/>
+          <p:nvPr/>
+        </p:nvSpPr>
+        <p:spPr>
+          <a:xfrm>
+            <a:off x="4800420" y="3521846"/>
+            <a:ext cx="757877" cy="369332"/>
+          </a:xfrm>
+          <a:prstGeom prst="rect">
+            <a:avLst/>
+          </a:prstGeom>
+          <a:noFill/>
+        </p:spPr>
+        <p:txBody>
+          <a:bodyPr wrap="square" rtlCol="0">
+            <a:spAutoFit/>
+          </a:bodyPr>
+          <a:lstStyle/>
+          <a:p>
+            <a:pPr algn="ctr"/>
+            <a:r>
+              <a:rPr lang="en-US" sz="900" dirty="0"/>
+              <a:t>Decided Requests</a:t>
+            </a:r>
+          </a:p>
+        </p:txBody>
+      </p:sp>
+      <p:cxnSp>
+        <p:nvCxnSpPr>
+          <p:cNvPr id="50" name="Straight Arrow Connector 49"/>
+          <p:cNvCxnSpPr/>
+          <p:nvPr/>
+        </p:nvCxnSpPr>
+        <p:spPr>
+          <a:xfrm>
+            <a:off x="5741819" y="3055058"/>
+            <a:ext cx="0" cy="990029"/>
+          </a:xfrm>
+          <a:prstGeom prst="straightConnector1">
+            <a:avLst/>
+          </a:prstGeom>
+          <a:ln>
+            <a:tailEnd type="triangle"/>
+          </a:ln>
+        </p:spPr>
+        <p:style>
+          <a:lnRef idx="1">
+            <a:schemeClr val="accent1"/>
+          </a:lnRef>
+          <a:fillRef idx="0">
+            <a:schemeClr val="accent1"/>
+          </a:fillRef>
+          <a:effectRef idx="0">
+            <a:schemeClr val="accent1"/>
+          </a:effectRef>
+          <a:fontRef idx="minor">
+            <a:schemeClr val="tx1"/>
+          </a:fontRef>
+        </p:style>
+      </p:cxnSp>
+      <p:sp>
+        <p:nvSpPr>
+          <p:cNvPr id="51" name="TextBox 50"/>
+          <p:cNvSpPr txBox="1"/>
+          <p:nvPr/>
+        </p:nvSpPr>
+        <p:spPr>
+          <a:xfrm>
+            <a:off x="5398322" y="3097741"/>
+            <a:ext cx="757877" cy="507831"/>
+          </a:xfrm>
+          <a:prstGeom prst="rect">
+            <a:avLst/>
+          </a:prstGeom>
+          <a:noFill/>
+        </p:spPr>
+        <p:txBody>
+          <a:bodyPr wrap="square" rtlCol="0">
+            <a:spAutoFit/>
+          </a:bodyPr>
+          <a:lstStyle/>
+          <a:p>
+            <a:pPr algn="ctr"/>
+            <a:r>
+              <a:rPr lang="en-US" sz="900" dirty="0"/>
+              <a:t>Not Auto Approved Requests</a:t>
+            </a:r>
+          </a:p>
+        </p:txBody>
+      </p:sp>
+      <p:sp>
+        <p:nvSpPr>
+          <p:cNvPr id="52" name="TextBox 51"/>
+          <p:cNvSpPr txBox="1"/>
+          <p:nvPr/>
+        </p:nvSpPr>
+        <p:spPr>
+          <a:xfrm>
+            <a:off x="7624603" y="2096250"/>
+            <a:ext cx="757877" cy="507831"/>
+          </a:xfrm>
+          <a:prstGeom prst="rect">
+            <a:avLst/>
+          </a:prstGeom>
+          <a:noFill/>
+        </p:spPr>
+        <p:txBody>
+          <a:bodyPr wrap="square" rtlCol="0">
+            <a:spAutoFit/>
+          </a:bodyPr>
+          <a:lstStyle/>
+          <a:p>
+            <a:pPr algn="ctr"/>
+            <a:r>
+              <a:rPr lang="en-US" sz="900" dirty="0"/>
+              <a:t>Not Auto Approved Requests</a:t>
+            </a:r>
+          </a:p>
+        </p:txBody>
+      </p:sp>
+      <p:sp>
+        <p:nvSpPr>
+          <p:cNvPr id="53" name="TextBox 52"/>
+          <p:cNvSpPr txBox="1"/>
+          <p:nvPr/>
+        </p:nvSpPr>
+        <p:spPr>
+          <a:xfrm>
+            <a:off x="8000217" y="5200024"/>
+            <a:ext cx="1118606" cy="369332"/>
+          </a:xfrm>
+          <a:prstGeom prst="rect">
+            <a:avLst/>
+          </a:prstGeom>
+          <a:noFill/>
+        </p:spPr>
+        <p:txBody>
+          <a:bodyPr wrap="square" rtlCol="0">
+            <a:spAutoFit/>
+          </a:bodyPr>
+          <a:lstStyle/>
+          <a:p>
+            <a:pPr algn="ctr"/>
+            <a:r>
+              <a:rPr lang="en-US" sz="900" dirty="0" smtClean="0"/>
+              <a:t>Get</a:t>
+            </a:r>
+          </a:p>
+          <a:p>
+            <a:pPr algn="ctr"/>
+            <a:r>
+              <a:rPr lang="en-US" sz="900" dirty="0" smtClean="0"/>
+              <a:t>Request</a:t>
+            </a:r>
+            <a:endParaRPr lang="en-US" sz="900" dirty="0"/>
+          </a:p>
+        </p:txBody>
+      </p:sp>
+      <p:sp>
+        <p:nvSpPr>
+          <p:cNvPr id="54" name="TextBox 53"/>
+          <p:cNvSpPr txBox="1"/>
+          <p:nvPr/>
+        </p:nvSpPr>
+        <p:spPr>
+          <a:xfrm>
+            <a:off x="8005393" y="3372722"/>
+            <a:ext cx="642983" cy="369332"/>
+          </a:xfrm>
+          <a:prstGeom prst="rect">
+            <a:avLst/>
+          </a:prstGeom>
+          <a:noFill/>
+        </p:spPr>
+        <p:txBody>
+          <a:bodyPr wrap="square" rtlCol="0">
+            <a:spAutoFit/>
+          </a:bodyPr>
+          <a:lstStyle/>
+          <a:p>
+            <a:pPr algn="ctr"/>
+            <a:r>
+              <a:rPr lang="en-US" sz="900" dirty="0" smtClean="0"/>
+              <a:t>Get Request</a:t>
+            </a:r>
+            <a:endParaRPr lang="en-US" sz="900" dirty="0"/>
+          </a:p>
+        </p:txBody>
+      </p:sp>
+      <p:cxnSp>
+        <p:nvCxnSpPr>
+          <p:cNvPr id="55" name="Straight Arrow Connector 54"/>
+          <p:cNvCxnSpPr/>
+          <p:nvPr/>
+        </p:nvCxnSpPr>
+        <p:spPr>
+          <a:xfrm flipV="1">
+            <a:off x="9253282" y="3097742"/>
+            <a:ext cx="10410" cy="939228"/>
+          </a:xfrm>
+          <a:prstGeom prst="straightConnector1">
+            <a:avLst/>
+          </a:prstGeom>
+          <a:ln>
+            <a:tailEnd type="triangle"/>
+          </a:ln>
+        </p:spPr>
+        <p:style>
+          <a:lnRef idx="1">
+            <a:schemeClr val="accent1"/>
+          </a:lnRef>
+          <a:fillRef idx="0">
+            <a:schemeClr val="accent1"/>
+          </a:fillRef>
+          <a:effectRef idx="0">
+            <a:schemeClr val="accent1"/>
+          </a:effectRef>
+          <a:fontRef idx="minor">
+            <a:schemeClr val="tx1"/>
+          </a:fontRef>
+        </p:style>
+      </p:cxnSp>
+      <p:sp>
+        <p:nvSpPr>
+          <p:cNvPr id="56" name="TextBox 55"/>
+          <p:cNvSpPr txBox="1"/>
+          <p:nvPr/>
+        </p:nvSpPr>
+        <p:spPr>
+          <a:xfrm>
+            <a:off x="9187328" y="3384713"/>
+            <a:ext cx="642983" cy="369332"/>
+          </a:xfrm>
+          <a:prstGeom prst="rect">
+            <a:avLst/>
+          </a:prstGeom>
+          <a:noFill/>
+        </p:spPr>
+        <p:txBody>
+          <a:bodyPr wrap="square" rtlCol="0">
+            <a:spAutoFit/>
+          </a:bodyPr>
+          <a:lstStyle/>
+          <a:p>
+            <a:pPr algn="ctr"/>
+            <a:r>
+              <a:rPr lang="en-US" sz="900" dirty="0"/>
+              <a:t>Decided Requests</a:t>
+            </a:r>
+          </a:p>
+        </p:txBody>
+      </p:sp>
+      <p:sp>
+        <p:nvSpPr>
+          <p:cNvPr id="57" name="TextBox 56"/>
+          <p:cNvSpPr txBox="1"/>
+          <p:nvPr/>
+        </p:nvSpPr>
+        <p:spPr>
+          <a:xfrm>
+            <a:off x="8466579" y="5745711"/>
+            <a:ext cx="1118606" cy="230832"/>
+          </a:xfrm>
+          <a:prstGeom prst="rect">
+            <a:avLst/>
+          </a:prstGeom>
+          <a:noFill/>
+        </p:spPr>
+        <p:txBody>
+          <a:bodyPr wrap="square" rtlCol="0">
+            <a:spAutoFit/>
+          </a:bodyPr>
+          <a:lstStyle/>
+          <a:p>
+            <a:pPr algn="ctr"/>
+            <a:r>
+              <a:rPr lang="en-US" sz="900" dirty="0"/>
+              <a:t>Decided Requests</a:t>
+            </a:r>
+          </a:p>
+        </p:txBody>
+      </p:sp>
+      <p:sp>
+        <p:nvSpPr>
+          <p:cNvPr id="58" name="TextBox 57"/>
+          <p:cNvSpPr txBox="1"/>
+          <p:nvPr/>
+        </p:nvSpPr>
+        <p:spPr>
+          <a:xfrm>
+            <a:off x="9376325" y="2251201"/>
+            <a:ext cx="1229098" cy="369332"/>
+          </a:xfrm>
+          <a:prstGeom prst="rect">
+            <a:avLst/>
+          </a:prstGeom>
+          <a:noFill/>
+        </p:spPr>
+        <p:txBody>
+          <a:bodyPr wrap="square" rtlCol="0">
+            <a:spAutoFit/>
+          </a:bodyPr>
+          <a:lstStyle/>
+          <a:p>
+            <a:pPr algn="ctr"/>
+            <a:r>
+              <a:rPr lang="en-US" sz="900" dirty="0" smtClean="0"/>
+              <a:t>Request</a:t>
+            </a:r>
+          </a:p>
+          <a:p>
+            <a:pPr algn="ctr"/>
+            <a:r>
+              <a:rPr lang="en-US" sz="900" dirty="0" smtClean="0"/>
+              <a:t>Assigned</a:t>
+            </a:r>
+            <a:endParaRPr lang="en-US" sz="900" dirty="0"/>
+          </a:p>
+        </p:txBody>
+      </p:sp>
+      <p:cxnSp>
+        <p:nvCxnSpPr>
+          <p:cNvPr id="59" name="Straight Arrow Connector 58"/>
+          <p:cNvCxnSpPr/>
+          <p:nvPr/>
+        </p:nvCxnSpPr>
+        <p:spPr>
+          <a:xfrm flipV="1">
+            <a:off x="8555850" y="3070468"/>
+            <a:ext cx="0" cy="966502"/>
+          </a:xfrm>
+          <a:prstGeom prst="straightConnector1">
+            <a:avLst/>
+          </a:prstGeom>
+          <a:ln>
+            <a:tailEnd type="triangle"/>
+          </a:ln>
+        </p:spPr>
+        <p:style>
+          <a:lnRef idx="1">
+            <a:schemeClr val="accent1"/>
+          </a:lnRef>
+          <a:fillRef idx="0">
+            <a:schemeClr val="accent1"/>
+          </a:fillRef>
+          <a:effectRef idx="0">
+            <a:schemeClr val="accent1"/>
+          </a:effectRef>
+          <a:fontRef idx="minor">
+            <a:schemeClr val="tx1"/>
+          </a:fontRef>
+        </p:style>
+      </p:cxnSp>
+      <p:cxnSp>
+        <p:nvCxnSpPr>
+          <p:cNvPr id="60" name="Elbow Connector 59"/>
+          <p:cNvCxnSpPr>
+            <a:endCxn id="43" idx="1"/>
+          </p:cNvCxnSpPr>
+          <p:nvPr/>
+        </p:nvCxnSpPr>
+        <p:spPr>
+          <a:xfrm rot="16200000" flipH="1">
+            <a:off x="6164931" y="4985259"/>
+            <a:ext cx="985800" cy="618568"/>
+          </a:xfrm>
+          <a:prstGeom prst="bentConnector2">
+            <a:avLst/>
+          </a:prstGeom>
+          <a:ln>
+            <a:tailEnd type="triangle"/>
+          </a:ln>
+        </p:spPr>
+        <p:style>
+          <a:lnRef idx="1">
+            <a:schemeClr val="accent1"/>
+          </a:lnRef>
+          <a:fillRef idx="0">
+            <a:schemeClr val="accent1"/>
+          </a:fillRef>
+          <a:effectRef idx="0">
+            <a:schemeClr val="accent1"/>
+          </a:effectRef>
+          <a:fontRef idx="minor">
+            <a:schemeClr val="tx1"/>
+          </a:fontRef>
+        </p:style>
+      </p:cxnSp>
+      <p:sp>
+        <p:nvSpPr>
+          <p:cNvPr id="61" name="TextBox 60"/>
+          <p:cNvSpPr txBox="1"/>
+          <p:nvPr/>
+        </p:nvSpPr>
+        <p:spPr>
+          <a:xfrm>
+            <a:off x="6011875" y="5440986"/>
+            <a:ext cx="1229098" cy="369332"/>
+          </a:xfrm>
+          <a:prstGeom prst="rect">
+            <a:avLst/>
+          </a:prstGeom>
+          <a:noFill/>
+        </p:spPr>
+        <p:txBody>
+          <a:bodyPr wrap="square" rtlCol="0">
+            <a:spAutoFit/>
+          </a:bodyPr>
+          <a:lstStyle/>
+          <a:p>
+            <a:pPr algn="ctr"/>
+            <a:r>
+              <a:rPr lang="en-US" sz="900" dirty="0" smtClean="0"/>
+              <a:t>Request</a:t>
+            </a:r>
+          </a:p>
+          <a:p>
+            <a:pPr algn="ctr"/>
+            <a:r>
+              <a:rPr lang="en-US" sz="900" dirty="0" smtClean="0"/>
+              <a:t>Assigned</a:t>
+            </a:r>
+            <a:endParaRPr lang="en-US" sz="900" dirty="0"/>
+          </a:p>
+        </p:txBody>
+      </p:sp>
+      <p:cxnSp>
+        <p:nvCxnSpPr>
+          <p:cNvPr id="62" name="Elbow Connector 61"/>
+          <p:cNvCxnSpPr/>
+          <p:nvPr/>
+        </p:nvCxnSpPr>
+        <p:spPr>
+          <a:xfrm rot="5400000" flipH="1" flipV="1">
+            <a:off x="8178466" y="4831413"/>
+            <a:ext cx="754768" cy="719274"/>
+          </a:xfrm>
+          <a:prstGeom prst="bentConnector3">
+            <a:avLst>
+              <a:gd name="adj1" fmla="val 599"/>
+            </a:avLst>
+          </a:prstGeom>
+          <a:ln>
+            <a:tailEnd type="triangle"/>
+          </a:ln>
+        </p:spPr>
+        <p:style>
+          <a:lnRef idx="1">
+            <a:schemeClr val="accent1"/>
+          </a:lnRef>
+          <a:fillRef idx="0">
+            <a:schemeClr val="accent1"/>
+          </a:fillRef>
+          <a:effectRef idx="0">
+            <a:schemeClr val="accent1"/>
+          </a:effectRef>
+          <a:fontRef idx="minor">
+            <a:schemeClr val="tx1"/>
+          </a:fontRef>
+        </p:style>
+      </p:cxnSp>
+      <p:cxnSp>
+        <p:nvCxnSpPr>
+          <p:cNvPr id="63" name="Elbow Connector 62"/>
+          <p:cNvCxnSpPr/>
+          <p:nvPr/>
+        </p:nvCxnSpPr>
+        <p:spPr>
+          <a:xfrm flipV="1">
+            <a:off x="8179898" y="4813665"/>
+            <a:ext cx="1394876" cy="1198052"/>
+          </a:xfrm>
+          <a:prstGeom prst="bentConnector3">
+            <a:avLst>
+              <a:gd name="adj1" fmla="val 99946"/>
+            </a:avLst>
+          </a:prstGeom>
+          <a:ln>
+            <a:tailEnd type="triangle"/>
+          </a:ln>
+        </p:spPr>
+        <p:style>
+          <a:lnRef idx="1">
+            <a:schemeClr val="accent1"/>
+          </a:lnRef>
+          <a:fillRef idx="0">
+            <a:schemeClr val="accent1"/>
+          </a:fillRef>
+          <a:effectRef idx="0">
+            <a:schemeClr val="accent1"/>
+          </a:effectRef>
+          <a:fontRef idx="minor">
+            <a:schemeClr val="tx1"/>
+          </a:fontRef>
+        </p:style>
+      </p:cxnSp>
+      <p:sp>
+        <p:nvSpPr>
+          <p:cNvPr id="64" name="Cloud 63"/>
+          <p:cNvSpPr/>
+          <p:nvPr/>
+        </p:nvSpPr>
+        <p:spPr>
+          <a:xfrm>
+            <a:off x="332126" y="2090732"/>
+            <a:ext cx="1901904" cy="1216539"/>
+          </a:xfrm>
+          <a:prstGeom prst="cloud">
+            <a:avLst/>
+          </a:prstGeom>
+        </p:spPr>
+        <p:style>
+          <a:lnRef idx="2">
+            <a:schemeClr val="accent1">
+              <a:shade val="50000"/>
+            </a:schemeClr>
+          </a:lnRef>
+          <a:fillRef idx="1">
+            <a:schemeClr val="accent1"/>
+          </a:fillRef>
+          <a:effectRef idx="0">
+            <a:schemeClr val="accent1"/>
+          </a:effectRef>
+          <a:fontRef idx="minor">
+            <a:schemeClr val="lt1"/>
+          </a:fontRef>
+        </p:style>
+        <p:txBody>
+          <a:bodyPr rtlCol="0" anchor="ctr"/>
+          <a:lstStyle/>
+          <a:p>
+            <a:pPr algn="ctr"/>
+            <a:r>
+              <a:rPr lang="en-US" dirty="0" smtClean="0"/>
+              <a:t>Providers</a:t>
+            </a:r>
+            <a:endParaRPr lang="en-US" dirty="0"/>
+          </a:p>
+        </p:txBody>
+      </p:sp>
+      <p:cxnSp>
+        <p:nvCxnSpPr>
+          <p:cNvPr id="65" name="Straight Arrow Connector 64"/>
+          <p:cNvCxnSpPr>
+            <a:stCxn id="64" idx="1"/>
+            <a:endCxn id="39" idx="0"/>
+          </p:cNvCxnSpPr>
+          <p:nvPr/>
+        </p:nvCxnSpPr>
+        <p:spPr>
+          <a:xfrm flipH="1">
+            <a:off x="1279581" y="3305976"/>
+            <a:ext cx="3497" cy="623696"/>
+          </a:xfrm>
+          <a:prstGeom prst="straightConnector1">
+            <a:avLst/>
+          </a:prstGeom>
+          <a:ln>
+            <a:headEnd type="triangle"/>
+            <a:tailEnd type="triangle"/>
+          </a:ln>
+        </p:spPr>
+        <p:style>
+          <a:lnRef idx="1">
+            <a:schemeClr val="accent1"/>
+          </a:lnRef>
+          <a:fillRef idx="0">
+            <a:schemeClr val="accent1"/>
+          </a:fillRef>
+          <a:effectRef idx="0">
+            <a:schemeClr val="accent1"/>
+          </a:effectRef>
+          <a:fontRef idx="minor">
+            <a:schemeClr val="tx1"/>
+          </a:fontRef>
+        </p:style>
+      </p:cxnSp>
+      <p:cxnSp>
+        <p:nvCxnSpPr>
+          <p:cNvPr id="66" name="Straight Arrow Connector 65"/>
+          <p:cNvCxnSpPr/>
+          <p:nvPr/>
+        </p:nvCxnSpPr>
+        <p:spPr>
+          <a:xfrm>
+            <a:off x="1885972" y="4583063"/>
+            <a:ext cx="2377619" cy="12763"/>
+          </a:xfrm>
+          <a:prstGeom prst="straightConnector1">
+            <a:avLst/>
+          </a:prstGeom>
+          <a:ln>
+            <a:headEnd type="triangle"/>
+            <a:tailEnd type="none"/>
+          </a:ln>
+        </p:spPr>
+        <p:style>
+          <a:lnRef idx="1">
+            <a:schemeClr val="accent1"/>
+          </a:lnRef>
+          <a:fillRef idx="0">
+            <a:schemeClr val="accent1"/>
+          </a:fillRef>
+          <a:effectRef idx="0">
+            <a:schemeClr val="accent1"/>
+          </a:effectRef>
+          <a:fontRef idx="minor">
+            <a:schemeClr val="tx1"/>
+          </a:fontRef>
+        </p:style>
+      </p:cxnSp>
+      <p:sp>
+        <p:nvSpPr>
+          <p:cNvPr id="67" name="TextBox 66"/>
+          <p:cNvSpPr txBox="1"/>
+          <p:nvPr/>
+        </p:nvSpPr>
+        <p:spPr>
+          <a:xfrm>
+            <a:off x="2428109" y="4408653"/>
+            <a:ext cx="1203529" cy="230832"/>
+          </a:xfrm>
+          <a:prstGeom prst="rect">
+            <a:avLst/>
+          </a:prstGeom>
+          <a:noFill/>
+        </p:spPr>
+        <p:txBody>
+          <a:bodyPr wrap="square" rtlCol="0">
+            <a:spAutoFit/>
+          </a:bodyPr>
+          <a:lstStyle/>
+          <a:p>
+            <a:pPr algn="ctr"/>
+            <a:r>
+              <a:rPr lang="en-US" sz="900" dirty="0"/>
+              <a:t>Decided Requests</a:t>
+            </a:r>
+          </a:p>
+        </p:txBody>
+      </p:sp>
+      <p:cxnSp>
+        <p:nvCxnSpPr>
+          <p:cNvPr id="68" name="Elbow Connector 67"/>
+          <p:cNvCxnSpPr>
+            <a:endCxn id="42" idx="1"/>
+          </p:cNvCxnSpPr>
+          <p:nvPr/>
+        </p:nvCxnSpPr>
+        <p:spPr>
+          <a:xfrm rot="5400000" flipH="1" flipV="1">
+            <a:off x="7323999" y="2996684"/>
+            <a:ext cx="1456854" cy="639952"/>
+          </a:xfrm>
+          <a:prstGeom prst="bentConnector2">
+            <a:avLst/>
+          </a:prstGeom>
+          <a:ln>
+            <a:tailEnd type="triangle"/>
+          </a:ln>
+        </p:spPr>
+        <p:style>
+          <a:lnRef idx="1">
+            <a:schemeClr val="accent1"/>
+          </a:lnRef>
+          <a:fillRef idx="0">
+            <a:schemeClr val="accent1"/>
+          </a:fillRef>
+          <a:effectRef idx="0">
+            <a:schemeClr val="accent1"/>
+          </a:effectRef>
+          <a:fontRef idx="minor">
+            <a:schemeClr val="tx1"/>
+          </a:fontRef>
+        </p:style>
+      </p:cxnSp>
+      <p:cxnSp>
+        <p:nvCxnSpPr>
+          <p:cNvPr id="69" name="Elbow Connector 68"/>
+          <p:cNvCxnSpPr>
+            <a:stCxn id="42" idx="3"/>
+          </p:cNvCxnSpPr>
+          <p:nvPr/>
+        </p:nvCxnSpPr>
+        <p:spPr>
+          <a:xfrm>
+            <a:off x="9585185" y="2588233"/>
+            <a:ext cx="810566" cy="1441444"/>
+          </a:xfrm>
+          <a:prstGeom prst="bentConnector2">
+            <a:avLst/>
+          </a:prstGeom>
+          <a:ln>
+            <a:tailEnd type="triangle"/>
+          </a:ln>
+        </p:spPr>
+        <p:style>
+          <a:lnRef idx="1">
+            <a:schemeClr val="accent1"/>
+          </a:lnRef>
+          <a:fillRef idx="0">
+            <a:schemeClr val="accent1"/>
+          </a:fillRef>
+          <a:effectRef idx="0">
+            <a:schemeClr val="accent1"/>
+          </a:effectRef>
+          <a:fontRef idx="minor">
+            <a:schemeClr val="tx1"/>
+          </a:fontRef>
+        </p:style>
+      </p:cxnSp>
+      <p:sp>
+        <p:nvSpPr>
+          <p:cNvPr id="70" name="Title 1"/>
+          <p:cNvSpPr>
+            <a:spLocks noGrp="1"/>
+          </p:cNvSpPr>
+          <p:nvPr>
+            <p:ph type="title"/>
+          </p:nvPr>
+        </p:nvSpPr>
+        <p:spPr>
+          <a:xfrm>
+            <a:off x="838200" y="365125"/>
+            <a:ext cx="10515600" cy="1325563"/>
+          </a:xfrm>
+        </p:spPr>
+        <p:txBody>
+          <a:bodyPr/>
+          <a:lstStyle/>
+          <a:p>
+            <a:r>
+              <a:rPr lang="en-US" dirty="0" smtClean="0"/>
+              <a:t>Final Solution</a:t>
+            </a:r>
+            <a:endParaRPr lang="en-US" dirty="0"/>
           </a:p>
         </p:txBody>
       </p:sp>
       <p:pic>
         <p:nvPicPr>
-          <p:cNvPr id="5" name="Picture 4"/>
+          <p:cNvPr id="36" name="Picture 35"/>
           <p:cNvPicPr>
             <a:picLocks noChangeAspect="1"/>
           </p:cNvPicPr>
@@ -3332,16 +8003,69 @@
           </a:prstGeom>
         </p:spPr>
       </p:pic>
+      <p:sp>
+        <p:nvSpPr>
+          <p:cNvPr id="2" name="Oval 1"/>
+          <p:cNvSpPr/>
+          <p:nvPr/>
+        </p:nvSpPr>
+        <p:spPr>
+          <a:xfrm>
+            <a:off x="209006" y="1344929"/>
+            <a:ext cx="3837989" cy="4420657"/>
+          </a:xfrm>
+          <a:prstGeom prst="ellipse">
+            <a:avLst/>
+          </a:prstGeom>
+          <a:noFill/>
+          <a:ln>
+            <a:solidFill>
+              <a:srgbClr val="FF0000"/>
+            </a:solidFill>
+          </a:ln>
+        </p:spPr>
+        <p:style>
+          <a:lnRef idx="2">
+            <a:schemeClr val="accent1">
+              <a:shade val="50000"/>
+            </a:schemeClr>
+          </a:lnRef>
+          <a:fillRef idx="1">
+            <a:schemeClr val="accent1"/>
+          </a:fillRef>
+          <a:effectRef idx="0">
+            <a:schemeClr val="accent1"/>
+          </a:effectRef>
+          <a:fontRef idx="minor">
+            <a:schemeClr val="lt1"/>
+          </a:fontRef>
+        </p:style>
+        <p:txBody>
+          <a:bodyPr rtlCol="0" anchor="ctr"/>
+          <a:lstStyle/>
+          <a:p>
+            <a:pPr algn="ctr"/>
+            <a:endParaRPr lang="en-US"/>
+          </a:p>
+        </p:txBody>
+      </p:sp>
     </p:spTree>
     <p:extLst>
       <p:ext uri="{BB962C8B-B14F-4D97-AF65-F5344CB8AC3E}">
-        <p14:creationId xmlns:p14="http://schemas.microsoft.com/office/powerpoint/2010/main" val="255582420"/>
+        <p14:creationId xmlns:p14="http://schemas.microsoft.com/office/powerpoint/2010/main" val="3972313932"/>
       </p:ext>
     </p:extLst>
   </p:cSld>
   <p:clrMapOvr>
     <a:masterClrMapping/>
   </p:clrMapOvr>
+  <p:timing>
+    <p:tnLst>
+      <p:par>
+        <p:cTn id="1" dur="indefinite" restart="never" nodeType="tmRoot"/>
+      </p:par>
+    </p:tnLst>
+  </p:timing>
 </p:sld>
 </file>
 
@@ -3364,30 +8088,7 @@
       </p:grpSpPr>
       <p:sp>
         <p:nvSpPr>
-          <p:cNvPr id="4" name="Title 3"/>
-          <p:cNvSpPr>
-            <a:spLocks noGrp="1"/>
-          </p:cNvSpPr>
-          <p:nvPr>
-            <p:ph type="title"/>
-          </p:nvPr>
-        </p:nvSpPr>
-        <p:spPr/>
-        <p:txBody>
-          <a:bodyPr/>
-          <a:lstStyle/>
-          <a:p>
-            <a:r>
-              <a:rPr lang="en-US" dirty="0" smtClean="0"/>
-              <a:t>Auto Approval Service</a:t>
-            </a:r>
-            <a:endParaRPr lang="en-US" dirty="0"/>
-          </a:p>
-        </p:txBody>
-      </p:sp>
-      <p:sp>
-        <p:nvSpPr>
-          <p:cNvPr id="5" name="Content Placeholder 4"/>
+          <p:cNvPr id="3" name="Content Placeholder 2"/>
           <p:cNvSpPr>
             <a:spLocks noGrp="1"/>
           </p:cNvSpPr>
@@ -3395,81 +8096,262 @@
             <p:ph idx="1"/>
           </p:nvPr>
         </p:nvSpPr>
-        <p:spPr/>
-        <p:txBody>
-          <a:bodyPr>
-            <a:normAutofit fontScale="92500" lnSpcReduction="10000"/>
+        <p:spPr>
+          <a:xfrm>
+            <a:off x="209006" y="191588"/>
+            <a:ext cx="11773988" cy="6453051"/>
+          </a:xfrm>
+        </p:spPr>
+        <p:txBody>
+          <a:bodyPr/>
+          <a:lstStyle/>
+          <a:p>
+            <a:pPr marL="0" indent="0">
+              <a:buNone/>
+            </a:pPr>
+            <a:r>
+              <a:rPr lang="en-US" dirty="0" smtClean="0"/>
+              <a:t> </a:t>
+            </a:r>
+            <a:endParaRPr lang="en-US" dirty="0"/>
+          </a:p>
+        </p:txBody>
+      </p:sp>
+      <p:sp>
+        <p:nvSpPr>
+          <p:cNvPr id="38" name="Content Placeholder 2"/>
+          <p:cNvSpPr txBox="1">
+            <a:spLocks/>
+          </p:cNvSpPr>
+          <p:nvPr/>
+        </p:nvSpPr>
+        <p:spPr>
+          <a:xfrm>
+            <a:off x="1069848" y="2121408"/>
+            <a:ext cx="10058400" cy="4050792"/>
+          </a:xfrm>
+          <a:prstGeom prst="rect">
+            <a:avLst/>
+          </a:prstGeom>
+        </p:spPr>
+        <p:txBody>
+          <a:bodyPr vert="horz" lIns="91440" tIns="45720" rIns="91440" bIns="45720" rtlCol="0">
+            <a:normAutofit/>
           </a:bodyPr>
-          <a:lstStyle/>
-          <a:p>
-            <a:r>
-              <a:rPr lang="en-US" dirty="0" smtClean="0"/>
-              <a:t>Simulates automatic approve of requests that meet criteria</a:t>
-            </a:r>
-          </a:p>
-          <a:p>
-            <a:pPr lvl="1"/>
-            <a:r>
-              <a:rPr lang="en-US" dirty="0" smtClean="0"/>
-              <a:t>Our implementation will just randomize approvals</a:t>
-            </a:r>
-          </a:p>
-          <a:p>
-            <a:endParaRPr lang="en-US" dirty="0" smtClean="0"/>
-          </a:p>
-          <a:p>
-            <a:r>
-              <a:rPr lang="en-US" dirty="0" smtClean="0"/>
-              <a:t>C# Azure Function triggered by messages on the </a:t>
-            </a:r>
-            <a:r>
-              <a:rPr lang="en-US" i="1" dirty="0" err="1" smtClean="0"/>
-              <a:t>RequestReceived</a:t>
-            </a:r>
-            <a:r>
-              <a:rPr lang="en-US" dirty="0" smtClean="0"/>
-              <a:t> topic</a:t>
-            </a:r>
-          </a:p>
-          <a:p>
-            <a:pPr lvl="1"/>
-            <a:r>
-              <a:rPr lang="en-US" dirty="0" smtClean="0"/>
-              <a:t>Auto scales to meet incoming demand</a:t>
-            </a:r>
-          </a:p>
-          <a:p>
-            <a:endParaRPr lang="en-US" dirty="0" smtClean="0"/>
-          </a:p>
-          <a:p>
-            <a:r>
-              <a:rPr lang="en-US" dirty="0" smtClean="0"/>
-              <a:t>Approved requests sent to </a:t>
-            </a:r>
-            <a:r>
-              <a:rPr lang="en-US" i="1" dirty="0" err="1" smtClean="0"/>
-              <a:t>RequestAutoApproved</a:t>
-            </a:r>
-            <a:r>
-              <a:rPr lang="en-US" dirty="0" smtClean="0"/>
-              <a:t> topic</a:t>
-            </a:r>
-          </a:p>
-          <a:p>
-            <a:endParaRPr lang="en-US" dirty="0" smtClean="0"/>
-          </a:p>
-          <a:p>
-            <a:r>
-              <a:rPr lang="en-US" dirty="0" smtClean="0"/>
-              <a:t>Requests not automatically approved sent to </a:t>
-            </a:r>
-            <a:r>
-              <a:rPr lang="en-US" i="1" dirty="0" err="1" smtClean="0"/>
-              <a:t>RequestNotAutoApproved</a:t>
-            </a:r>
-            <a:r>
-              <a:rPr lang="en-US" dirty="0" smtClean="0"/>
-              <a:t> topic</a:t>
+          <a:lstStyle>
+            <a:lvl1pPr marL="228600" indent="-228600" algn="l" defTabSz="914400" rtl="0" eaLnBrk="1" latinLnBrk="0" hangingPunct="1">
+              <a:lnSpc>
+                <a:spcPct val="100000"/>
+              </a:lnSpc>
+              <a:spcBef>
+                <a:spcPts val="1000"/>
+              </a:spcBef>
+              <a:buClr>
+                <a:schemeClr val="accent2"/>
+              </a:buClr>
+              <a:buFont typeface="Arial" panose="020B0604020202020204" pitchFamily="34" charset="0"/>
+              <a:buChar char="•"/>
+              <a:defRPr sz="1800" kern="1200">
+                <a:solidFill>
+                  <a:schemeClr val="tx1">
+                    <a:lumMod val="85000"/>
+                    <a:lumOff val="15000"/>
+                  </a:schemeClr>
+                </a:solidFill>
+                <a:latin typeface="+mn-lt"/>
+                <a:ea typeface="+mn-ea"/>
+                <a:cs typeface="+mn-cs"/>
+              </a:defRPr>
+            </a:lvl1pPr>
+            <a:lvl2pPr marL="457200" indent="-228600" algn="l" defTabSz="914400" rtl="0" eaLnBrk="1" latinLnBrk="0" hangingPunct="1">
+              <a:lnSpc>
+                <a:spcPct val="100000"/>
+              </a:lnSpc>
+              <a:spcBef>
+                <a:spcPts val="1000"/>
+              </a:spcBef>
+              <a:buClr>
+                <a:schemeClr val="accent2"/>
+              </a:buClr>
+              <a:buFont typeface="Arial" panose="020B0604020202020204" pitchFamily="34" charset="0"/>
+              <a:buChar char="•"/>
+              <a:defRPr sz="1600" kern="1200">
+                <a:solidFill>
+                  <a:schemeClr val="tx1">
+                    <a:lumMod val="85000"/>
+                    <a:lumOff val="15000"/>
+                  </a:schemeClr>
+                </a:solidFill>
+                <a:latin typeface="+mn-lt"/>
+                <a:ea typeface="+mn-ea"/>
+                <a:cs typeface="+mn-cs"/>
+              </a:defRPr>
+            </a:lvl2pPr>
+            <a:lvl3pPr marL="685800" indent="-228600" algn="l" defTabSz="914400" rtl="0" eaLnBrk="1" latinLnBrk="0" hangingPunct="1">
+              <a:lnSpc>
+                <a:spcPct val="100000"/>
+              </a:lnSpc>
+              <a:spcBef>
+                <a:spcPts val="1000"/>
+              </a:spcBef>
+              <a:buClr>
+                <a:schemeClr val="accent2"/>
+              </a:buClr>
+              <a:buFont typeface="Arial" panose="020B0604020202020204" pitchFamily="34" charset="0"/>
+              <a:buChar char="•"/>
+              <a:defRPr sz="1600" kern="1200">
+                <a:solidFill>
+                  <a:schemeClr val="tx1">
+                    <a:lumMod val="85000"/>
+                    <a:lumOff val="15000"/>
+                  </a:schemeClr>
+                </a:solidFill>
+                <a:latin typeface="+mn-lt"/>
+                <a:ea typeface="+mn-ea"/>
+                <a:cs typeface="+mn-cs"/>
+              </a:defRPr>
+            </a:lvl3pPr>
+            <a:lvl4pPr marL="914400" indent="-228600" algn="l" defTabSz="914400" rtl="0" eaLnBrk="1" latinLnBrk="0" hangingPunct="1">
+              <a:lnSpc>
+                <a:spcPct val="100000"/>
+              </a:lnSpc>
+              <a:spcBef>
+                <a:spcPts val="1000"/>
+              </a:spcBef>
+              <a:buClr>
+                <a:schemeClr val="accent2"/>
+              </a:buClr>
+              <a:buFont typeface="Arial" panose="020B0604020202020204" pitchFamily="34" charset="0"/>
+              <a:buChar char="•"/>
+              <a:defRPr sz="1600" kern="1200">
+                <a:solidFill>
+                  <a:schemeClr val="tx1">
+                    <a:lumMod val="85000"/>
+                    <a:lumOff val="15000"/>
+                  </a:schemeClr>
+                </a:solidFill>
+                <a:latin typeface="+mn-lt"/>
+                <a:ea typeface="+mn-ea"/>
+                <a:cs typeface="+mn-cs"/>
+              </a:defRPr>
+            </a:lvl4pPr>
+            <a:lvl5pPr marL="1143000" indent="-228600" algn="l" defTabSz="914400" rtl="0" eaLnBrk="1" latinLnBrk="0" hangingPunct="1">
+              <a:lnSpc>
+                <a:spcPct val="100000"/>
+              </a:lnSpc>
+              <a:spcBef>
+                <a:spcPts val="1000"/>
+              </a:spcBef>
+              <a:buClr>
+                <a:schemeClr val="accent2"/>
+              </a:buClr>
+              <a:buFont typeface="Arial" panose="020B0604020202020204" pitchFamily="34" charset="0"/>
+              <a:buChar char="•"/>
+              <a:defRPr sz="1600" kern="1200">
+                <a:solidFill>
+                  <a:schemeClr val="tx1">
+                    <a:lumMod val="85000"/>
+                    <a:lumOff val="15000"/>
+                  </a:schemeClr>
+                </a:solidFill>
+                <a:latin typeface="+mn-lt"/>
+                <a:ea typeface="+mn-ea"/>
+                <a:cs typeface="+mn-cs"/>
+              </a:defRPr>
+            </a:lvl5pPr>
+            <a:lvl6pPr marL="1312863" indent="-228600" algn="l" defTabSz="914400" rtl="0" eaLnBrk="1" latinLnBrk="0" hangingPunct="1">
+              <a:lnSpc>
+                <a:spcPct val="100000"/>
+              </a:lnSpc>
+              <a:spcBef>
+                <a:spcPts val="1000"/>
+              </a:spcBef>
+              <a:buClr>
+                <a:schemeClr val="accent2"/>
+              </a:buClr>
+              <a:buFont typeface="Arial" panose="020B0604020202020204" pitchFamily="34" charset="0"/>
+              <a:buChar char="•"/>
+              <a:defRPr sz="1600" kern="1200">
+                <a:solidFill>
+                  <a:schemeClr val="tx1"/>
+                </a:solidFill>
+                <a:latin typeface="+mn-lt"/>
+                <a:ea typeface="+mn-ea"/>
+                <a:cs typeface="+mn-cs"/>
+              </a:defRPr>
+            </a:lvl6pPr>
+            <a:lvl7pPr marL="1484313" indent="-228600" algn="l" defTabSz="914400" rtl="0" eaLnBrk="1" latinLnBrk="0" hangingPunct="1">
+              <a:lnSpc>
+                <a:spcPct val="100000"/>
+              </a:lnSpc>
+              <a:spcBef>
+                <a:spcPts val="1000"/>
+              </a:spcBef>
+              <a:buClr>
+                <a:schemeClr val="accent2"/>
+              </a:buClr>
+              <a:buFont typeface="Arial" panose="020B0604020202020204" pitchFamily="34" charset="0"/>
+              <a:buChar char="•"/>
+              <a:defRPr sz="1600" kern="1200">
+                <a:solidFill>
+                  <a:schemeClr val="tx1"/>
+                </a:solidFill>
+                <a:latin typeface="+mn-lt"/>
+                <a:ea typeface="+mn-ea"/>
+                <a:cs typeface="+mn-cs"/>
+              </a:defRPr>
+            </a:lvl7pPr>
+            <a:lvl8pPr marL="1657350" indent="-228600" algn="l" defTabSz="914400" rtl="0" eaLnBrk="1" latinLnBrk="0" hangingPunct="1">
+              <a:lnSpc>
+                <a:spcPct val="100000"/>
+              </a:lnSpc>
+              <a:spcBef>
+                <a:spcPts val="1000"/>
+              </a:spcBef>
+              <a:buClr>
+                <a:schemeClr val="accent2"/>
+              </a:buClr>
+              <a:buFont typeface="Arial" panose="020B0604020202020204" pitchFamily="34" charset="0"/>
+              <a:buChar char="•"/>
+              <a:defRPr sz="1600" kern="1200" baseline="0">
+                <a:solidFill>
+                  <a:schemeClr val="tx1"/>
+                </a:solidFill>
+                <a:latin typeface="+mn-lt"/>
+                <a:ea typeface="+mn-ea"/>
+                <a:cs typeface="+mn-cs"/>
+              </a:defRPr>
+            </a:lvl8pPr>
+            <a:lvl9pPr marL="1882775" indent="-228600" algn="l" defTabSz="914400" rtl="0" eaLnBrk="1" latinLnBrk="0" hangingPunct="1">
+              <a:lnSpc>
+                <a:spcPct val="100000"/>
+              </a:lnSpc>
+              <a:spcBef>
+                <a:spcPts val="1000"/>
+              </a:spcBef>
+              <a:buClr>
+                <a:schemeClr val="accent2"/>
+              </a:buClr>
+              <a:buFont typeface="Arial" panose="020B0604020202020204" pitchFamily="34" charset="0"/>
+              <a:buChar char="•"/>
+              <a:defRPr sz="1600" kern="1200" baseline="0">
+                <a:solidFill>
+                  <a:schemeClr val="tx1"/>
+                </a:solidFill>
+                <a:latin typeface="+mn-lt"/>
+                <a:ea typeface="+mn-ea"/>
+                <a:cs typeface="+mn-cs"/>
+              </a:defRPr>
+            </a:lvl9pPr>
+          </a:lstStyle>
+          <a:p>
+            <a:pPr marL="0" indent="0">
+              <a:buFont typeface="Arial" panose="020B0604020202020204" pitchFamily="34" charset="0"/>
+              <a:buNone/>
+            </a:pPr>
+            <a:r>
+              <a:rPr lang="en-US" smtClean="0"/>
+              <a:t> </a:t>
             </a:r>
             <a:endParaRPr lang="en-US" dirty="0"/>
           </a:p>
@@ -3477,21 +8359,18 @@
       </p:sp>
       <p:sp>
         <p:nvSpPr>
-          <p:cNvPr id="6" name="Rectangle 5"/>
+          <p:cNvPr id="39" name="Rectangle 38"/>
           <p:cNvSpPr/>
           <p:nvPr/>
         </p:nvSpPr>
         <p:spPr>
           <a:xfrm>
-            <a:off x="9357711" y="220703"/>
-            <a:ext cx="2676698" cy="2137202"/>
+            <a:off x="673189" y="3929672"/>
+            <a:ext cx="1212783" cy="933650"/>
           </a:xfrm>
           <a:prstGeom prst="rect">
             <a:avLst/>
           </a:prstGeom>
-          <a:solidFill>
-            <a:srgbClr val="FFFF00"/>
-          </a:solidFill>
         </p:spPr>
         <p:style>
           <a:lnRef idx="2">
@@ -3510,146 +8389,1198 @@
           </a:fontRef>
         </p:style>
         <p:txBody>
-          <a:bodyPr rtlCol="0" anchor="t" anchorCtr="0"/>
-          <a:lstStyle/>
-          <a:p>
-            <a:r>
-              <a:rPr lang="en-US" sz="1100" dirty="0" smtClean="0">
-                <a:solidFill>
-                  <a:schemeClr val="tx1"/>
-                </a:solidFill>
-              </a:rPr>
-              <a:t>Prep</a:t>
-            </a:r>
-          </a:p>
-          <a:p>
-            <a:pPr marL="285750" indent="-285750">
-              <a:buFontTx/>
-              <a:buChar char="-"/>
-            </a:pPr>
-            <a:r>
-              <a:rPr lang="en-US" sz="1100" dirty="0" smtClean="0">
-                <a:solidFill>
-                  <a:schemeClr val="tx1"/>
-                </a:solidFill>
-              </a:rPr>
-              <a:t>Use previous Request class</a:t>
-            </a:r>
-          </a:p>
-          <a:p>
-            <a:pPr marL="285750" indent="-285750">
-              <a:buFontTx/>
-              <a:buChar char="-"/>
-            </a:pPr>
-            <a:endParaRPr lang="en-US" sz="1100" dirty="0">
-              <a:solidFill>
-                <a:schemeClr val="tx1"/>
-              </a:solidFill>
-            </a:endParaRPr>
-          </a:p>
-          <a:p>
-            <a:r>
-              <a:rPr lang="en-US" sz="1100" dirty="0" smtClean="0">
-                <a:solidFill>
-                  <a:schemeClr val="tx1"/>
-                </a:solidFill>
-              </a:rPr>
-              <a:t>In class</a:t>
-            </a:r>
-          </a:p>
-          <a:p>
-            <a:pPr marL="171450" indent="-171450">
-              <a:buFontTx/>
-              <a:buChar char="-"/>
-            </a:pPr>
-            <a:r>
-              <a:rPr lang="en-US" sz="1100" dirty="0" smtClean="0">
-                <a:solidFill>
-                  <a:schemeClr val="tx1"/>
-                </a:solidFill>
-              </a:rPr>
-              <a:t>Create topic function in VS</a:t>
-            </a:r>
-          </a:p>
-          <a:p>
-            <a:pPr marL="171450" indent="-171450">
-              <a:buFontTx/>
-              <a:buChar char="-"/>
-            </a:pPr>
-            <a:r>
-              <a:rPr lang="en-US" sz="1100" dirty="0" smtClean="0">
-                <a:solidFill>
-                  <a:schemeClr val="tx1"/>
-                </a:solidFill>
-              </a:rPr>
-              <a:t>Subscribe to topic</a:t>
-            </a:r>
-          </a:p>
-          <a:p>
-            <a:pPr marL="171450" indent="-171450">
-              <a:buFontTx/>
-              <a:buChar char="-"/>
-            </a:pPr>
-            <a:r>
-              <a:rPr lang="en-US" sz="1100" dirty="0" smtClean="0">
-                <a:solidFill>
-                  <a:schemeClr val="tx1"/>
-                </a:solidFill>
-              </a:rPr>
-              <a:t>Randomly approve/deny each request in function</a:t>
-            </a:r>
-          </a:p>
-          <a:p>
-            <a:pPr marL="171450" indent="-171450">
-              <a:buFontTx/>
-              <a:buChar char="-"/>
-            </a:pPr>
-            <a:r>
-              <a:rPr lang="en-US" sz="1100" dirty="0" smtClean="0">
-                <a:solidFill>
-                  <a:schemeClr val="tx1"/>
-                </a:solidFill>
-              </a:rPr>
-              <a:t>Send event to appropriate topic</a:t>
-            </a:r>
-          </a:p>
-          <a:p>
-            <a:pPr marL="171450" indent="-171450">
-              <a:buFontTx/>
-              <a:buChar char="-"/>
-            </a:pPr>
-            <a:r>
-              <a:rPr lang="en-US" sz="1100" dirty="0" smtClean="0">
-                <a:solidFill>
-                  <a:schemeClr val="tx1"/>
-                </a:solidFill>
-              </a:rPr>
-              <a:t>Deploy function to Azure</a:t>
-            </a:r>
-          </a:p>
-          <a:p>
-            <a:pPr marL="285750" indent="-285750">
-              <a:buFontTx/>
-              <a:buChar char="-"/>
-            </a:pPr>
-            <a:endParaRPr lang="en-US" dirty="0">
-              <a:solidFill>
-                <a:schemeClr val="tx1"/>
-              </a:solidFill>
-            </a:endParaRPr>
+          <a:bodyPr rtlCol="0" anchor="ctr"/>
+          <a:lstStyle/>
+          <a:p>
+            <a:pPr algn="ctr"/>
+            <a:r>
+              <a:rPr lang="en-US" dirty="0" smtClean="0"/>
+              <a:t>Provider </a:t>
+            </a:r>
+            <a:r>
+              <a:rPr lang="en-US" dirty="0"/>
+              <a:t>Transfer Service</a:t>
+            </a:r>
+          </a:p>
+        </p:txBody>
+      </p:sp>
+      <p:sp>
+        <p:nvSpPr>
+          <p:cNvPr id="40" name="Rectangle 39"/>
+          <p:cNvSpPr/>
+          <p:nvPr/>
+        </p:nvSpPr>
+        <p:spPr>
+          <a:xfrm>
+            <a:off x="4597658" y="2121408"/>
+            <a:ext cx="1212783" cy="933650"/>
+          </a:xfrm>
+          <a:prstGeom prst="rect">
+            <a:avLst/>
+          </a:prstGeom>
+        </p:spPr>
+        <p:style>
+          <a:lnRef idx="2">
+            <a:schemeClr val="accent1">
+              <a:shade val="50000"/>
+            </a:schemeClr>
+          </a:lnRef>
+          <a:fillRef idx="1">
+            <a:schemeClr val="accent1"/>
+          </a:fillRef>
+          <a:effectRef idx="0">
+            <a:schemeClr val="accent1"/>
+          </a:effectRef>
+          <a:fontRef idx="minor">
+            <a:schemeClr val="lt1"/>
+          </a:fontRef>
+        </p:style>
+        <p:txBody>
+          <a:bodyPr rtlCol="0" anchor="ctr"/>
+          <a:lstStyle/>
+          <a:p>
+            <a:pPr algn="ctr"/>
+            <a:r>
+              <a:rPr lang="en-US" dirty="0" smtClean="0"/>
+              <a:t>Auto Approval</a:t>
+            </a:r>
+          </a:p>
+          <a:p>
+            <a:pPr algn="ctr"/>
+            <a:r>
+              <a:rPr lang="en-US" dirty="0" smtClean="0"/>
+              <a:t>Service</a:t>
+            </a:r>
+            <a:endParaRPr lang="en-US" dirty="0"/>
+          </a:p>
+        </p:txBody>
+      </p:sp>
+      <p:sp>
+        <p:nvSpPr>
+          <p:cNvPr id="41" name="Can 40"/>
+          <p:cNvSpPr/>
+          <p:nvPr/>
+        </p:nvSpPr>
+        <p:spPr>
+          <a:xfrm rot="5400000">
+            <a:off x="7202935" y="1077331"/>
+            <a:ext cx="741145" cy="6676660"/>
+          </a:xfrm>
+          <a:prstGeom prst="can">
+            <a:avLst/>
+          </a:prstGeom>
+        </p:spPr>
+        <p:style>
+          <a:lnRef idx="2">
+            <a:schemeClr val="accent1">
+              <a:shade val="50000"/>
+            </a:schemeClr>
+          </a:lnRef>
+          <a:fillRef idx="1">
+            <a:schemeClr val="accent1"/>
+          </a:fillRef>
+          <a:effectRef idx="0">
+            <a:schemeClr val="accent1"/>
+          </a:effectRef>
+          <a:fontRef idx="minor">
+            <a:schemeClr val="lt1"/>
+          </a:fontRef>
+        </p:style>
+        <p:txBody>
+          <a:bodyPr vert="vert270" rtlCol="0" anchor="ctr"/>
+          <a:lstStyle/>
+          <a:p>
+            <a:pPr algn="ctr"/>
+            <a:r>
+              <a:rPr lang="en-US" dirty="0" smtClean="0"/>
+              <a:t>Message Bus</a:t>
+            </a:r>
+            <a:endParaRPr lang="en-US" dirty="0"/>
+          </a:p>
+        </p:txBody>
+      </p:sp>
+      <p:sp>
+        <p:nvSpPr>
+          <p:cNvPr id="42" name="Rectangle 41"/>
+          <p:cNvSpPr/>
+          <p:nvPr/>
+        </p:nvSpPr>
+        <p:spPr>
+          <a:xfrm>
+            <a:off x="8372402" y="2121408"/>
+            <a:ext cx="1212783" cy="933650"/>
+          </a:xfrm>
+          <a:prstGeom prst="rect">
+            <a:avLst/>
+          </a:prstGeom>
+        </p:spPr>
+        <p:style>
+          <a:lnRef idx="2">
+            <a:schemeClr val="accent1">
+              <a:shade val="50000"/>
+            </a:schemeClr>
+          </a:lnRef>
+          <a:fillRef idx="1">
+            <a:schemeClr val="accent1"/>
+          </a:fillRef>
+          <a:effectRef idx="0">
+            <a:schemeClr val="accent1"/>
+          </a:effectRef>
+          <a:fontRef idx="minor">
+            <a:schemeClr val="lt1"/>
+          </a:fontRef>
+        </p:style>
+        <p:txBody>
+          <a:bodyPr rtlCol="0" anchor="ctr"/>
+          <a:lstStyle/>
+          <a:p>
+            <a:pPr algn="ctr"/>
+            <a:r>
+              <a:rPr lang="en-US" dirty="0" smtClean="0"/>
+              <a:t>Routing Service</a:t>
+            </a:r>
+            <a:endParaRPr lang="en-US" dirty="0"/>
+          </a:p>
+        </p:txBody>
+      </p:sp>
+      <p:sp>
+        <p:nvSpPr>
+          <p:cNvPr id="43" name="Rectangle 42"/>
+          <p:cNvSpPr/>
+          <p:nvPr/>
+        </p:nvSpPr>
+        <p:spPr>
+          <a:xfrm>
+            <a:off x="6967115" y="5320618"/>
+            <a:ext cx="1212783" cy="933650"/>
+          </a:xfrm>
+          <a:prstGeom prst="rect">
+            <a:avLst/>
+          </a:prstGeom>
+        </p:spPr>
+        <p:style>
+          <a:lnRef idx="2">
+            <a:schemeClr val="accent1">
+              <a:shade val="50000"/>
+            </a:schemeClr>
+          </a:lnRef>
+          <a:fillRef idx="1">
+            <a:schemeClr val="accent1"/>
+          </a:fillRef>
+          <a:effectRef idx="0">
+            <a:schemeClr val="accent1"/>
+          </a:effectRef>
+          <a:fontRef idx="minor">
+            <a:schemeClr val="lt1"/>
+          </a:fontRef>
+        </p:style>
+        <p:txBody>
+          <a:bodyPr rtlCol="0" anchor="ctr"/>
+          <a:lstStyle/>
+          <a:p>
+            <a:pPr algn="ctr"/>
+            <a:r>
+              <a:rPr lang="en-US" dirty="0" smtClean="0"/>
+              <a:t>User Interface</a:t>
+            </a:r>
+            <a:endParaRPr lang="en-US" dirty="0"/>
+          </a:p>
+        </p:txBody>
+      </p:sp>
+      <p:sp>
+        <p:nvSpPr>
+          <p:cNvPr id="44" name="TextBox 43"/>
+          <p:cNvSpPr txBox="1"/>
+          <p:nvPr/>
+        </p:nvSpPr>
+        <p:spPr>
+          <a:xfrm>
+            <a:off x="2418928" y="4074758"/>
+            <a:ext cx="1239311" cy="230832"/>
+          </a:xfrm>
+          <a:prstGeom prst="rect">
+            <a:avLst/>
+          </a:prstGeom>
+          <a:noFill/>
+        </p:spPr>
+        <p:txBody>
+          <a:bodyPr wrap="square" rtlCol="0">
+            <a:spAutoFit/>
+          </a:bodyPr>
+          <a:lstStyle/>
+          <a:p>
+            <a:pPr algn="ctr"/>
+            <a:r>
+              <a:rPr lang="en-US" sz="900" dirty="0"/>
+              <a:t>Received Requests</a:t>
+            </a:r>
+          </a:p>
+        </p:txBody>
+      </p:sp>
+      <p:cxnSp>
+        <p:nvCxnSpPr>
+          <p:cNvPr id="45" name="Straight Arrow Connector 44"/>
+          <p:cNvCxnSpPr/>
+          <p:nvPr/>
+        </p:nvCxnSpPr>
+        <p:spPr>
+          <a:xfrm>
+            <a:off x="1885972" y="4249284"/>
+            <a:ext cx="2359818" cy="27221"/>
+          </a:xfrm>
+          <a:prstGeom prst="straightConnector1">
+            <a:avLst/>
+          </a:prstGeom>
+          <a:ln>
+            <a:tailEnd type="triangle"/>
+          </a:ln>
+        </p:spPr>
+        <p:style>
+          <a:lnRef idx="1">
+            <a:schemeClr val="accent1"/>
+          </a:lnRef>
+          <a:fillRef idx="0">
+            <a:schemeClr val="accent1"/>
+          </a:fillRef>
+          <a:effectRef idx="0">
+            <a:schemeClr val="accent1"/>
+          </a:effectRef>
+          <a:fontRef idx="minor">
+            <a:schemeClr val="tx1"/>
+          </a:fontRef>
+        </p:style>
+      </p:cxnSp>
+      <p:cxnSp>
+        <p:nvCxnSpPr>
+          <p:cNvPr id="46" name="Straight Arrow Connector 45"/>
+          <p:cNvCxnSpPr/>
+          <p:nvPr/>
+        </p:nvCxnSpPr>
+        <p:spPr>
+          <a:xfrm flipV="1">
+            <a:off x="4597658" y="3055058"/>
+            <a:ext cx="0" cy="990029"/>
+          </a:xfrm>
+          <a:prstGeom prst="straightConnector1">
+            <a:avLst/>
+          </a:prstGeom>
+          <a:ln>
+            <a:tailEnd type="triangle"/>
+          </a:ln>
+        </p:spPr>
+        <p:style>
+          <a:lnRef idx="1">
+            <a:schemeClr val="accent1"/>
+          </a:lnRef>
+          <a:fillRef idx="0">
+            <a:schemeClr val="accent1"/>
+          </a:fillRef>
+          <a:effectRef idx="0">
+            <a:schemeClr val="accent1"/>
+          </a:effectRef>
+          <a:fontRef idx="minor">
+            <a:schemeClr val="tx1"/>
+          </a:fontRef>
+        </p:style>
+      </p:cxnSp>
+      <p:sp>
+        <p:nvSpPr>
+          <p:cNvPr id="47" name="TextBox 46"/>
+          <p:cNvSpPr txBox="1"/>
+          <p:nvPr/>
+        </p:nvSpPr>
+        <p:spPr>
+          <a:xfrm>
+            <a:off x="4256667" y="3166991"/>
+            <a:ext cx="699008" cy="369332"/>
+          </a:xfrm>
+          <a:prstGeom prst="rect">
+            <a:avLst/>
+          </a:prstGeom>
+          <a:noFill/>
+        </p:spPr>
+        <p:txBody>
+          <a:bodyPr wrap="square" rtlCol="0">
+            <a:spAutoFit/>
+          </a:bodyPr>
+          <a:lstStyle/>
+          <a:p>
+            <a:pPr algn="ctr"/>
+            <a:r>
+              <a:rPr lang="en-US" sz="900" dirty="0"/>
+              <a:t>Received Requests</a:t>
+            </a:r>
+          </a:p>
+        </p:txBody>
+      </p:sp>
+      <p:cxnSp>
+        <p:nvCxnSpPr>
+          <p:cNvPr id="48" name="Straight Arrow Connector 47"/>
+          <p:cNvCxnSpPr/>
+          <p:nvPr/>
+        </p:nvCxnSpPr>
+        <p:spPr>
+          <a:xfrm>
+            <a:off x="5171962" y="3055058"/>
+            <a:ext cx="0" cy="990029"/>
+          </a:xfrm>
+          <a:prstGeom prst="straightConnector1">
+            <a:avLst/>
+          </a:prstGeom>
+          <a:ln>
+            <a:tailEnd type="triangle"/>
+          </a:ln>
+        </p:spPr>
+        <p:style>
+          <a:lnRef idx="1">
+            <a:schemeClr val="accent1"/>
+          </a:lnRef>
+          <a:fillRef idx="0">
+            <a:schemeClr val="accent1"/>
+          </a:fillRef>
+          <a:effectRef idx="0">
+            <a:schemeClr val="accent1"/>
+          </a:effectRef>
+          <a:fontRef idx="minor">
+            <a:schemeClr val="tx1"/>
+          </a:fontRef>
+        </p:style>
+      </p:cxnSp>
+      <p:sp>
+        <p:nvSpPr>
+          <p:cNvPr id="49" name="TextBox 48"/>
+          <p:cNvSpPr txBox="1"/>
+          <p:nvPr/>
+        </p:nvSpPr>
+        <p:spPr>
+          <a:xfrm>
+            <a:off x="4800420" y="3521846"/>
+            <a:ext cx="757877" cy="369332"/>
+          </a:xfrm>
+          <a:prstGeom prst="rect">
+            <a:avLst/>
+          </a:prstGeom>
+          <a:noFill/>
+        </p:spPr>
+        <p:txBody>
+          <a:bodyPr wrap="square" rtlCol="0">
+            <a:spAutoFit/>
+          </a:bodyPr>
+          <a:lstStyle/>
+          <a:p>
+            <a:pPr algn="ctr"/>
+            <a:r>
+              <a:rPr lang="en-US" sz="900" dirty="0"/>
+              <a:t>Decided Requests</a:t>
+            </a:r>
+          </a:p>
+        </p:txBody>
+      </p:sp>
+      <p:cxnSp>
+        <p:nvCxnSpPr>
+          <p:cNvPr id="50" name="Straight Arrow Connector 49"/>
+          <p:cNvCxnSpPr/>
+          <p:nvPr/>
+        </p:nvCxnSpPr>
+        <p:spPr>
+          <a:xfrm>
+            <a:off x="5741819" y="3055058"/>
+            <a:ext cx="0" cy="990029"/>
+          </a:xfrm>
+          <a:prstGeom prst="straightConnector1">
+            <a:avLst/>
+          </a:prstGeom>
+          <a:ln>
+            <a:tailEnd type="triangle"/>
+          </a:ln>
+        </p:spPr>
+        <p:style>
+          <a:lnRef idx="1">
+            <a:schemeClr val="accent1"/>
+          </a:lnRef>
+          <a:fillRef idx="0">
+            <a:schemeClr val="accent1"/>
+          </a:fillRef>
+          <a:effectRef idx="0">
+            <a:schemeClr val="accent1"/>
+          </a:effectRef>
+          <a:fontRef idx="minor">
+            <a:schemeClr val="tx1"/>
+          </a:fontRef>
+        </p:style>
+      </p:cxnSp>
+      <p:sp>
+        <p:nvSpPr>
+          <p:cNvPr id="51" name="TextBox 50"/>
+          <p:cNvSpPr txBox="1"/>
+          <p:nvPr/>
+        </p:nvSpPr>
+        <p:spPr>
+          <a:xfrm>
+            <a:off x="5398322" y="3097741"/>
+            <a:ext cx="757877" cy="507831"/>
+          </a:xfrm>
+          <a:prstGeom prst="rect">
+            <a:avLst/>
+          </a:prstGeom>
+          <a:noFill/>
+        </p:spPr>
+        <p:txBody>
+          <a:bodyPr wrap="square" rtlCol="0">
+            <a:spAutoFit/>
+          </a:bodyPr>
+          <a:lstStyle/>
+          <a:p>
+            <a:pPr algn="ctr"/>
+            <a:r>
+              <a:rPr lang="en-US" sz="900" dirty="0"/>
+              <a:t>Not Auto Approved Requests</a:t>
+            </a:r>
+          </a:p>
+        </p:txBody>
+      </p:sp>
+      <p:sp>
+        <p:nvSpPr>
+          <p:cNvPr id="52" name="TextBox 51"/>
+          <p:cNvSpPr txBox="1"/>
+          <p:nvPr/>
+        </p:nvSpPr>
+        <p:spPr>
+          <a:xfrm>
+            <a:off x="7624603" y="2096250"/>
+            <a:ext cx="757877" cy="507831"/>
+          </a:xfrm>
+          <a:prstGeom prst="rect">
+            <a:avLst/>
+          </a:prstGeom>
+          <a:noFill/>
+        </p:spPr>
+        <p:txBody>
+          <a:bodyPr wrap="square" rtlCol="0">
+            <a:spAutoFit/>
+          </a:bodyPr>
+          <a:lstStyle/>
+          <a:p>
+            <a:pPr algn="ctr"/>
+            <a:r>
+              <a:rPr lang="en-US" sz="900" dirty="0"/>
+              <a:t>Not Auto Approved Requests</a:t>
+            </a:r>
+          </a:p>
+        </p:txBody>
+      </p:sp>
+      <p:sp>
+        <p:nvSpPr>
+          <p:cNvPr id="53" name="TextBox 52"/>
+          <p:cNvSpPr txBox="1"/>
+          <p:nvPr/>
+        </p:nvSpPr>
+        <p:spPr>
+          <a:xfrm>
+            <a:off x="8000217" y="5200024"/>
+            <a:ext cx="1118606" cy="369332"/>
+          </a:xfrm>
+          <a:prstGeom prst="rect">
+            <a:avLst/>
+          </a:prstGeom>
+          <a:noFill/>
+        </p:spPr>
+        <p:txBody>
+          <a:bodyPr wrap="square" rtlCol="0">
+            <a:spAutoFit/>
+          </a:bodyPr>
+          <a:lstStyle/>
+          <a:p>
+            <a:pPr algn="ctr"/>
+            <a:r>
+              <a:rPr lang="en-US" sz="900" dirty="0" smtClean="0"/>
+              <a:t>Get</a:t>
+            </a:r>
+          </a:p>
+          <a:p>
+            <a:pPr algn="ctr"/>
+            <a:r>
+              <a:rPr lang="en-US" sz="900" dirty="0" smtClean="0"/>
+              <a:t>Request</a:t>
+            </a:r>
+            <a:endParaRPr lang="en-US" sz="900" dirty="0"/>
+          </a:p>
+        </p:txBody>
+      </p:sp>
+      <p:sp>
+        <p:nvSpPr>
+          <p:cNvPr id="54" name="TextBox 53"/>
+          <p:cNvSpPr txBox="1"/>
+          <p:nvPr/>
+        </p:nvSpPr>
+        <p:spPr>
+          <a:xfrm>
+            <a:off x="8005393" y="3372722"/>
+            <a:ext cx="642983" cy="369332"/>
+          </a:xfrm>
+          <a:prstGeom prst="rect">
+            <a:avLst/>
+          </a:prstGeom>
+          <a:noFill/>
+        </p:spPr>
+        <p:txBody>
+          <a:bodyPr wrap="square" rtlCol="0">
+            <a:spAutoFit/>
+          </a:bodyPr>
+          <a:lstStyle/>
+          <a:p>
+            <a:pPr algn="ctr"/>
+            <a:r>
+              <a:rPr lang="en-US" sz="900" dirty="0" smtClean="0"/>
+              <a:t>Get Request</a:t>
+            </a:r>
+            <a:endParaRPr lang="en-US" sz="900" dirty="0"/>
+          </a:p>
+        </p:txBody>
+      </p:sp>
+      <p:cxnSp>
+        <p:nvCxnSpPr>
+          <p:cNvPr id="55" name="Straight Arrow Connector 54"/>
+          <p:cNvCxnSpPr/>
+          <p:nvPr/>
+        </p:nvCxnSpPr>
+        <p:spPr>
+          <a:xfrm flipV="1">
+            <a:off x="9253282" y="3097742"/>
+            <a:ext cx="10410" cy="939228"/>
+          </a:xfrm>
+          <a:prstGeom prst="straightConnector1">
+            <a:avLst/>
+          </a:prstGeom>
+          <a:ln>
+            <a:tailEnd type="triangle"/>
+          </a:ln>
+        </p:spPr>
+        <p:style>
+          <a:lnRef idx="1">
+            <a:schemeClr val="accent1"/>
+          </a:lnRef>
+          <a:fillRef idx="0">
+            <a:schemeClr val="accent1"/>
+          </a:fillRef>
+          <a:effectRef idx="0">
+            <a:schemeClr val="accent1"/>
+          </a:effectRef>
+          <a:fontRef idx="minor">
+            <a:schemeClr val="tx1"/>
+          </a:fontRef>
+        </p:style>
+      </p:cxnSp>
+      <p:sp>
+        <p:nvSpPr>
+          <p:cNvPr id="56" name="TextBox 55"/>
+          <p:cNvSpPr txBox="1"/>
+          <p:nvPr/>
+        </p:nvSpPr>
+        <p:spPr>
+          <a:xfrm>
+            <a:off x="9187328" y="3384713"/>
+            <a:ext cx="642983" cy="369332"/>
+          </a:xfrm>
+          <a:prstGeom prst="rect">
+            <a:avLst/>
+          </a:prstGeom>
+          <a:noFill/>
+        </p:spPr>
+        <p:txBody>
+          <a:bodyPr wrap="square" rtlCol="0">
+            <a:spAutoFit/>
+          </a:bodyPr>
+          <a:lstStyle/>
+          <a:p>
+            <a:pPr algn="ctr"/>
+            <a:r>
+              <a:rPr lang="en-US" sz="900" dirty="0"/>
+              <a:t>Decided Requests</a:t>
+            </a:r>
+          </a:p>
+        </p:txBody>
+      </p:sp>
+      <p:sp>
+        <p:nvSpPr>
+          <p:cNvPr id="57" name="TextBox 56"/>
+          <p:cNvSpPr txBox="1"/>
+          <p:nvPr/>
+        </p:nvSpPr>
+        <p:spPr>
+          <a:xfrm>
+            <a:off x="8488378" y="5745711"/>
+            <a:ext cx="1118606" cy="230832"/>
+          </a:xfrm>
+          <a:prstGeom prst="rect">
+            <a:avLst/>
+          </a:prstGeom>
+          <a:noFill/>
+        </p:spPr>
+        <p:txBody>
+          <a:bodyPr wrap="square" rtlCol="0">
+            <a:spAutoFit/>
+          </a:bodyPr>
+          <a:lstStyle/>
+          <a:p>
+            <a:pPr algn="ctr"/>
+            <a:r>
+              <a:rPr lang="en-US" sz="900" dirty="0"/>
+              <a:t>Decided Requests</a:t>
+            </a:r>
+          </a:p>
+        </p:txBody>
+      </p:sp>
+      <p:sp>
+        <p:nvSpPr>
+          <p:cNvPr id="58" name="TextBox 57"/>
+          <p:cNvSpPr txBox="1"/>
+          <p:nvPr/>
+        </p:nvSpPr>
+        <p:spPr>
+          <a:xfrm>
+            <a:off x="9376325" y="2251201"/>
+            <a:ext cx="1229098" cy="369332"/>
+          </a:xfrm>
+          <a:prstGeom prst="rect">
+            <a:avLst/>
+          </a:prstGeom>
+          <a:noFill/>
+        </p:spPr>
+        <p:txBody>
+          <a:bodyPr wrap="square" rtlCol="0">
+            <a:spAutoFit/>
+          </a:bodyPr>
+          <a:lstStyle/>
+          <a:p>
+            <a:pPr algn="ctr"/>
+            <a:r>
+              <a:rPr lang="en-US" sz="900" dirty="0" smtClean="0"/>
+              <a:t>Request</a:t>
+            </a:r>
+          </a:p>
+          <a:p>
+            <a:pPr algn="ctr"/>
+            <a:r>
+              <a:rPr lang="en-US" sz="900" dirty="0" smtClean="0"/>
+              <a:t>Assigned</a:t>
+            </a:r>
+            <a:endParaRPr lang="en-US" sz="900" dirty="0"/>
+          </a:p>
+        </p:txBody>
+      </p:sp>
+      <p:cxnSp>
+        <p:nvCxnSpPr>
+          <p:cNvPr id="59" name="Straight Arrow Connector 58"/>
+          <p:cNvCxnSpPr/>
+          <p:nvPr/>
+        </p:nvCxnSpPr>
+        <p:spPr>
+          <a:xfrm flipV="1">
+            <a:off x="8555850" y="3070468"/>
+            <a:ext cx="0" cy="966502"/>
+          </a:xfrm>
+          <a:prstGeom prst="straightConnector1">
+            <a:avLst/>
+          </a:prstGeom>
+          <a:ln>
+            <a:tailEnd type="triangle"/>
+          </a:ln>
+        </p:spPr>
+        <p:style>
+          <a:lnRef idx="1">
+            <a:schemeClr val="accent1"/>
+          </a:lnRef>
+          <a:fillRef idx="0">
+            <a:schemeClr val="accent1"/>
+          </a:fillRef>
+          <a:effectRef idx="0">
+            <a:schemeClr val="accent1"/>
+          </a:effectRef>
+          <a:fontRef idx="minor">
+            <a:schemeClr val="tx1"/>
+          </a:fontRef>
+        </p:style>
+      </p:cxnSp>
+      <p:cxnSp>
+        <p:nvCxnSpPr>
+          <p:cNvPr id="60" name="Elbow Connector 59"/>
+          <p:cNvCxnSpPr>
+            <a:endCxn id="43" idx="1"/>
+          </p:cNvCxnSpPr>
+          <p:nvPr/>
+        </p:nvCxnSpPr>
+        <p:spPr>
+          <a:xfrm rot="16200000" flipH="1">
+            <a:off x="6164931" y="4985259"/>
+            <a:ext cx="985800" cy="618568"/>
+          </a:xfrm>
+          <a:prstGeom prst="bentConnector2">
+            <a:avLst/>
+          </a:prstGeom>
+          <a:ln>
+            <a:tailEnd type="triangle"/>
+          </a:ln>
+        </p:spPr>
+        <p:style>
+          <a:lnRef idx="1">
+            <a:schemeClr val="accent1"/>
+          </a:lnRef>
+          <a:fillRef idx="0">
+            <a:schemeClr val="accent1"/>
+          </a:fillRef>
+          <a:effectRef idx="0">
+            <a:schemeClr val="accent1"/>
+          </a:effectRef>
+          <a:fontRef idx="minor">
+            <a:schemeClr val="tx1"/>
+          </a:fontRef>
+        </p:style>
+      </p:cxnSp>
+      <p:sp>
+        <p:nvSpPr>
+          <p:cNvPr id="61" name="TextBox 60"/>
+          <p:cNvSpPr txBox="1"/>
+          <p:nvPr/>
+        </p:nvSpPr>
+        <p:spPr>
+          <a:xfrm>
+            <a:off x="6011875" y="5440986"/>
+            <a:ext cx="1229098" cy="369332"/>
+          </a:xfrm>
+          <a:prstGeom prst="rect">
+            <a:avLst/>
+          </a:prstGeom>
+          <a:noFill/>
+        </p:spPr>
+        <p:txBody>
+          <a:bodyPr wrap="square" rtlCol="0">
+            <a:spAutoFit/>
+          </a:bodyPr>
+          <a:lstStyle/>
+          <a:p>
+            <a:pPr algn="ctr"/>
+            <a:r>
+              <a:rPr lang="en-US" sz="900" dirty="0" smtClean="0"/>
+              <a:t>Request</a:t>
+            </a:r>
+          </a:p>
+          <a:p>
+            <a:pPr algn="ctr"/>
+            <a:r>
+              <a:rPr lang="en-US" sz="900" dirty="0" smtClean="0"/>
+              <a:t>Assigned</a:t>
+            </a:r>
+            <a:endParaRPr lang="en-US" sz="900" dirty="0"/>
+          </a:p>
+        </p:txBody>
+      </p:sp>
+      <p:cxnSp>
+        <p:nvCxnSpPr>
+          <p:cNvPr id="62" name="Elbow Connector 61"/>
+          <p:cNvCxnSpPr/>
+          <p:nvPr/>
+        </p:nvCxnSpPr>
+        <p:spPr>
+          <a:xfrm rot="5400000" flipH="1" flipV="1">
+            <a:off x="8178466" y="4831413"/>
+            <a:ext cx="754768" cy="719274"/>
+          </a:xfrm>
+          <a:prstGeom prst="bentConnector3">
+            <a:avLst>
+              <a:gd name="adj1" fmla="val 599"/>
+            </a:avLst>
+          </a:prstGeom>
+          <a:ln>
+            <a:tailEnd type="triangle"/>
+          </a:ln>
+        </p:spPr>
+        <p:style>
+          <a:lnRef idx="1">
+            <a:schemeClr val="accent1"/>
+          </a:lnRef>
+          <a:fillRef idx="0">
+            <a:schemeClr val="accent1"/>
+          </a:fillRef>
+          <a:effectRef idx="0">
+            <a:schemeClr val="accent1"/>
+          </a:effectRef>
+          <a:fontRef idx="minor">
+            <a:schemeClr val="tx1"/>
+          </a:fontRef>
+        </p:style>
+      </p:cxnSp>
+      <p:cxnSp>
+        <p:nvCxnSpPr>
+          <p:cNvPr id="63" name="Elbow Connector 62"/>
+          <p:cNvCxnSpPr/>
+          <p:nvPr/>
+        </p:nvCxnSpPr>
+        <p:spPr>
+          <a:xfrm flipV="1">
+            <a:off x="8179898" y="4813665"/>
+            <a:ext cx="1394876" cy="1198052"/>
+          </a:xfrm>
+          <a:prstGeom prst="bentConnector3">
+            <a:avLst>
+              <a:gd name="adj1" fmla="val 99946"/>
+            </a:avLst>
+          </a:prstGeom>
+          <a:ln>
+            <a:tailEnd type="triangle"/>
+          </a:ln>
+        </p:spPr>
+        <p:style>
+          <a:lnRef idx="1">
+            <a:schemeClr val="accent1"/>
+          </a:lnRef>
+          <a:fillRef idx="0">
+            <a:schemeClr val="accent1"/>
+          </a:fillRef>
+          <a:effectRef idx="0">
+            <a:schemeClr val="accent1"/>
+          </a:effectRef>
+          <a:fontRef idx="minor">
+            <a:schemeClr val="tx1"/>
+          </a:fontRef>
+        </p:style>
+      </p:cxnSp>
+      <p:sp>
+        <p:nvSpPr>
+          <p:cNvPr id="64" name="Cloud 63"/>
+          <p:cNvSpPr/>
+          <p:nvPr/>
+        </p:nvSpPr>
+        <p:spPr>
+          <a:xfrm>
+            <a:off x="332126" y="2090732"/>
+            <a:ext cx="1901904" cy="1216539"/>
+          </a:xfrm>
+          <a:prstGeom prst="cloud">
+            <a:avLst/>
+          </a:prstGeom>
+        </p:spPr>
+        <p:style>
+          <a:lnRef idx="2">
+            <a:schemeClr val="accent1">
+              <a:shade val="50000"/>
+            </a:schemeClr>
+          </a:lnRef>
+          <a:fillRef idx="1">
+            <a:schemeClr val="accent1"/>
+          </a:fillRef>
+          <a:effectRef idx="0">
+            <a:schemeClr val="accent1"/>
+          </a:effectRef>
+          <a:fontRef idx="minor">
+            <a:schemeClr val="lt1"/>
+          </a:fontRef>
+        </p:style>
+        <p:txBody>
+          <a:bodyPr rtlCol="0" anchor="ctr"/>
+          <a:lstStyle/>
+          <a:p>
+            <a:pPr algn="ctr"/>
+            <a:r>
+              <a:rPr lang="en-US" dirty="0" smtClean="0"/>
+              <a:t>Providers</a:t>
+            </a:r>
+            <a:endParaRPr lang="en-US" dirty="0"/>
+          </a:p>
+        </p:txBody>
+      </p:sp>
+      <p:cxnSp>
+        <p:nvCxnSpPr>
+          <p:cNvPr id="65" name="Straight Arrow Connector 64"/>
+          <p:cNvCxnSpPr>
+            <a:stCxn id="64" idx="1"/>
+            <a:endCxn id="39" idx="0"/>
+          </p:cNvCxnSpPr>
+          <p:nvPr/>
+        </p:nvCxnSpPr>
+        <p:spPr>
+          <a:xfrm flipH="1">
+            <a:off x="1279581" y="3305976"/>
+            <a:ext cx="3497" cy="623696"/>
+          </a:xfrm>
+          <a:prstGeom prst="straightConnector1">
+            <a:avLst/>
+          </a:prstGeom>
+          <a:ln>
+            <a:headEnd type="triangle"/>
+            <a:tailEnd type="triangle"/>
+          </a:ln>
+        </p:spPr>
+        <p:style>
+          <a:lnRef idx="1">
+            <a:schemeClr val="accent1"/>
+          </a:lnRef>
+          <a:fillRef idx="0">
+            <a:schemeClr val="accent1"/>
+          </a:fillRef>
+          <a:effectRef idx="0">
+            <a:schemeClr val="accent1"/>
+          </a:effectRef>
+          <a:fontRef idx="minor">
+            <a:schemeClr val="tx1"/>
+          </a:fontRef>
+        </p:style>
+      </p:cxnSp>
+      <p:cxnSp>
+        <p:nvCxnSpPr>
+          <p:cNvPr id="66" name="Straight Arrow Connector 65"/>
+          <p:cNvCxnSpPr/>
+          <p:nvPr/>
+        </p:nvCxnSpPr>
+        <p:spPr>
+          <a:xfrm>
+            <a:off x="1885972" y="4583063"/>
+            <a:ext cx="2377619" cy="12763"/>
+          </a:xfrm>
+          <a:prstGeom prst="straightConnector1">
+            <a:avLst/>
+          </a:prstGeom>
+          <a:ln>
+            <a:headEnd type="triangle"/>
+            <a:tailEnd type="none"/>
+          </a:ln>
+        </p:spPr>
+        <p:style>
+          <a:lnRef idx="1">
+            <a:schemeClr val="accent1"/>
+          </a:lnRef>
+          <a:fillRef idx="0">
+            <a:schemeClr val="accent1"/>
+          </a:fillRef>
+          <a:effectRef idx="0">
+            <a:schemeClr val="accent1"/>
+          </a:effectRef>
+          <a:fontRef idx="minor">
+            <a:schemeClr val="tx1"/>
+          </a:fontRef>
+        </p:style>
+      </p:cxnSp>
+      <p:sp>
+        <p:nvSpPr>
+          <p:cNvPr id="67" name="TextBox 66"/>
+          <p:cNvSpPr txBox="1"/>
+          <p:nvPr/>
+        </p:nvSpPr>
+        <p:spPr>
+          <a:xfrm>
+            <a:off x="2428109" y="4408653"/>
+            <a:ext cx="1203529" cy="230832"/>
+          </a:xfrm>
+          <a:prstGeom prst="rect">
+            <a:avLst/>
+          </a:prstGeom>
+          <a:noFill/>
+        </p:spPr>
+        <p:txBody>
+          <a:bodyPr wrap="square" rtlCol="0">
+            <a:spAutoFit/>
+          </a:bodyPr>
+          <a:lstStyle/>
+          <a:p>
+            <a:pPr algn="ctr"/>
+            <a:r>
+              <a:rPr lang="en-US" sz="900" dirty="0"/>
+              <a:t>Decided Requests</a:t>
+            </a:r>
+          </a:p>
+        </p:txBody>
+      </p:sp>
+      <p:cxnSp>
+        <p:nvCxnSpPr>
+          <p:cNvPr id="68" name="Elbow Connector 67"/>
+          <p:cNvCxnSpPr>
+            <a:endCxn id="42" idx="1"/>
+          </p:cNvCxnSpPr>
+          <p:nvPr/>
+        </p:nvCxnSpPr>
+        <p:spPr>
+          <a:xfrm rot="5400000" flipH="1" flipV="1">
+            <a:off x="7323999" y="2996684"/>
+            <a:ext cx="1456854" cy="639952"/>
+          </a:xfrm>
+          <a:prstGeom prst="bentConnector2">
+            <a:avLst/>
+          </a:prstGeom>
+          <a:ln>
+            <a:tailEnd type="triangle"/>
+          </a:ln>
+        </p:spPr>
+        <p:style>
+          <a:lnRef idx="1">
+            <a:schemeClr val="accent1"/>
+          </a:lnRef>
+          <a:fillRef idx="0">
+            <a:schemeClr val="accent1"/>
+          </a:fillRef>
+          <a:effectRef idx="0">
+            <a:schemeClr val="accent1"/>
+          </a:effectRef>
+          <a:fontRef idx="minor">
+            <a:schemeClr val="tx1"/>
+          </a:fontRef>
+        </p:style>
+      </p:cxnSp>
+      <p:cxnSp>
+        <p:nvCxnSpPr>
+          <p:cNvPr id="69" name="Elbow Connector 68"/>
+          <p:cNvCxnSpPr>
+            <a:stCxn id="42" idx="3"/>
+          </p:cNvCxnSpPr>
+          <p:nvPr/>
+        </p:nvCxnSpPr>
+        <p:spPr>
+          <a:xfrm>
+            <a:off x="9585185" y="2588233"/>
+            <a:ext cx="810566" cy="1441444"/>
+          </a:xfrm>
+          <a:prstGeom prst="bentConnector2">
+            <a:avLst/>
+          </a:prstGeom>
+          <a:ln>
+            <a:tailEnd type="triangle"/>
+          </a:ln>
+        </p:spPr>
+        <p:style>
+          <a:lnRef idx="1">
+            <a:schemeClr val="accent1"/>
+          </a:lnRef>
+          <a:fillRef idx="0">
+            <a:schemeClr val="accent1"/>
+          </a:fillRef>
+          <a:effectRef idx="0">
+            <a:schemeClr val="accent1"/>
+          </a:effectRef>
+          <a:fontRef idx="minor">
+            <a:schemeClr val="tx1"/>
+          </a:fontRef>
+        </p:style>
+      </p:cxnSp>
+      <p:sp>
+        <p:nvSpPr>
+          <p:cNvPr id="70" name="Title 1"/>
+          <p:cNvSpPr>
+            <a:spLocks noGrp="1"/>
+          </p:cNvSpPr>
+          <p:nvPr>
+            <p:ph type="title"/>
+          </p:nvPr>
+        </p:nvSpPr>
+        <p:spPr>
+          <a:xfrm>
+            <a:off x="838200" y="365125"/>
+            <a:ext cx="10515600" cy="1325563"/>
+          </a:xfrm>
+        </p:spPr>
+        <p:txBody>
+          <a:bodyPr/>
+          <a:lstStyle/>
+          <a:p>
+            <a:r>
+              <a:rPr lang="en-US" dirty="0" smtClean="0"/>
+              <a:t>Final Solution</a:t>
+            </a:r>
+            <a:endParaRPr lang="en-US" dirty="0"/>
+          </a:p>
+        </p:txBody>
+      </p:sp>
+      <p:pic>
+        <p:nvPicPr>
+          <p:cNvPr id="36" name="Picture 35"/>
+          <p:cNvPicPr>
+            <a:picLocks noChangeAspect="1"/>
+          </p:cNvPicPr>
+          <p:nvPr/>
+        </p:nvPicPr>
+        <p:blipFill>
+          <a:blip r:embed="rId2" cstate="print">
+            <a:extLst>
+              <a:ext uri="{28A0092B-C50C-407E-A947-70E740481C1C}">
+                <a14:useLocalDpi xmlns:a14="http://schemas.microsoft.com/office/drawing/2010/main" val="0"/>
+              </a:ext>
+            </a:extLst>
+          </a:blip>
+          <a:stretch>
+            <a:fillRect/>
+          </a:stretch>
+        </p:blipFill>
+        <p:spPr>
+          <a:xfrm>
+            <a:off x="9135291" y="292047"/>
+            <a:ext cx="2455817" cy="1381224"/>
+          </a:xfrm>
+          <a:prstGeom prst="rect">
+            <a:avLst/>
+          </a:prstGeom>
+        </p:spPr>
+      </p:pic>
+      <p:sp>
+        <p:nvSpPr>
+          <p:cNvPr id="37" name="Oval 36"/>
+          <p:cNvSpPr/>
+          <p:nvPr/>
+        </p:nvSpPr>
+        <p:spPr>
+          <a:xfrm>
+            <a:off x="4156039" y="1793750"/>
+            <a:ext cx="2255782" cy="2614903"/>
+          </a:xfrm>
+          <a:prstGeom prst="ellipse">
+            <a:avLst/>
+          </a:prstGeom>
+          <a:noFill/>
+          <a:ln>
+            <a:solidFill>
+              <a:srgbClr val="FF0000"/>
+            </a:solidFill>
+          </a:ln>
+        </p:spPr>
+        <p:style>
+          <a:lnRef idx="2">
+            <a:schemeClr val="accent1">
+              <a:shade val="50000"/>
+            </a:schemeClr>
+          </a:lnRef>
+          <a:fillRef idx="1">
+            <a:schemeClr val="accent1"/>
+          </a:fillRef>
+          <a:effectRef idx="0">
+            <a:schemeClr val="accent1"/>
+          </a:effectRef>
+          <a:fontRef idx="minor">
+            <a:schemeClr val="lt1"/>
+          </a:fontRef>
+        </p:style>
+        <p:txBody>
+          <a:bodyPr rtlCol="0" anchor="ctr"/>
+          <a:lstStyle/>
+          <a:p>
+            <a:pPr algn="ctr"/>
+            <a:endParaRPr lang="en-US"/>
           </a:p>
         </p:txBody>
       </p:sp>
     </p:spTree>
     <p:extLst>
       <p:ext uri="{BB962C8B-B14F-4D97-AF65-F5344CB8AC3E}">
-        <p14:creationId xmlns:p14="http://schemas.microsoft.com/office/powerpoint/2010/main" val="1874960137"/>
+        <p14:creationId xmlns:p14="http://schemas.microsoft.com/office/powerpoint/2010/main" val="3899201021"/>
       </p:ext>
     </p:extLst>
   </p:cSld>
   <p:clrMapOvr>
     <a:masterClrMapping/>
   </p:clrMapOvr>
+  <p:timing>
+    <p:tnLst>
+      <p:par>
+        <p:cTn id="1" dur="indefinite" restart="never" nodeType="tmRoot"/>
+      </p:par>
+    </p:tnLst>
+  </p:timing>
 </p:sld>
 </file>
 
@@ -3672,33 +9603,6 @@
       </p:grpSpPr>
       <p:sp>
         <p:nvSpPr>
-          <p:cNvPr id="2" name="Title 1"/>
-          <p:cNvSpPr>
-            <a:spLocks noGrp="1"/>
-          </p:cNvSpPr>
-          <p:nvPr>
-            <p:ph type="title"/>
-          </p:nvPr>
-        </p:nvSpPr>
-        <p:spPr/>
-        <p:txBody>
-          <a:bodyPr/>
-          <a:lstStyle/>
-          <a:p>
-            <a:r>
-              <a:rPr lang="en-US" dirty="0"/>
-              <a:t>T</a:t>
-            </a:r>
-            <a:r>
-              <a:rPr lang="en-US" dirty="0" smtClean="0"/>
-              <a:t>ask 2-1:</a:t>
-            </a:r>
-            <a:endParaRPr lang="en-US" dirty="0"/>
-          </a:p>
-        </p:txBody>
-      </p:sp>
-      <p:sp>
-        <p:nvSpPr>
           <p:cNvPr id="3" name="Content Placeholder 2"/>
           <p:cNvSpPr>
             <a:spLocks noGrp="1"/>
@@ -3707,21 +9611,597 @@
             <p:ph idx="1"/>
           </p:nvPr>
         </p:nvSpPr>
-        <p:spPr/>
+        <p:spPr>
+          <a:xfrm>
+            <a:off x="209006" y="191588"/>
+            <a:ext cx="11773988" cy="6453051"/>
+          </a:xfrm>
+        </p:spPr>
         <p:txBody>
           <a:bodyPr/>
           <a:lstStyle/>
           <a:p>
-            <a:r>
-              <a:rPr lang="en-US" dirty="0" smtClean="0"/>
-              <a:t>TODO</a:t>
-            </a:r>
+            <a:pPr marL="0" indent="0">
+              <a:buNone/>
+            </a:pPr>
+            <a:r>
+              <a:rPr lang="en-US" dirty="0" smtClean="0"/>
+              <a:t> </a:t>
+            </a:r>
+            <a:endParaRPr lang="en-US" dirty="0"/>
+          </a:p>
+        </p:txBody>
+      </p:sp>
+      <p:sp>
+        <p:nvSpPr>
+          <p:cNvPr id="38" name="Content Placeholder 2"/>
+          <p:cNvSpPr txBox="1">
+            <a:spLocks/>
+          </p:cNvSpPr>
+          <p:nvPr/>
+        </p:nvSpPr>
+        <p:spPr>
+          <a:xfrm>
+            <a:off x="1069848" y="2121408"/>
+            <a:ext cx="10058400" cy="4050792"/>
+          </a:xfrm>
+          <a:prstGeom prst="rect">
+            <a:avLst/>
+          </a:prstGeom>
+        </p:spPr>
+        <p:txBody>
+          <a:bodyPr vert="horz" lIns="91440" tIns="45720" rIns="91440" bIns="45720" rtlCol="0">
+            <a:normAutofit/>
+          </a:bodyPr>
+          <a:lstStyle>
+            <a:lvl1pPr marL="228600" indent="-228600" algn="l" defTabSz="914400" rtl="0" eaLnBrk="1" latinLnBrk="0" hangingPunct="1">
+              <a:lnSpc>
+                <a:spcPct val="100000"/>
+              </a:lnSpc>
+              <a:spcBef>
+                <a:spcPts val="1000"/>
+              </a:spcBef>
+              <a:buClr>
+                <a:schemeClr val="accent2"/>
+              </a:buClr>
+              <a:buFont typeface="Arial" panose="020B0604020202020204" pitchFamily="34" charset="0"/>
+              <a:buChar char="•"/>
+              <a:defRPr sz="1800" kern="1200">
+                <a:solidFill>
+                  <a:schemeClr val="tx1">
+                    <a:lumMod val="85000"/>
+                    <a:lumOff val="15000"/>
+                  </a:schemeClr>
+                </a:solidFill>
+                <a:latin typeface="+mn-lt"/>
+                <a:ea typeface="+mn-ea"/>
+                <a:cs typeface="+mn-cs"/>
+              </a:defRPr>
+            </a:lvl1pPr>
+            <a:lvl2pPr marL="457200" indent="-228600" algn="l" defTabSz="914400" rtl="0" eaLnBrk="1" latinLnBrk="0" hangingPunct="1">
+              <a:lnSpc>
+                <a:spcPct val="100000"/>
+              </a:lnSpc>
+              <a:spcBef>
+                <a:spcPts val="1000"/>
+              </a:spcBef>
+              <a:buClr>
+                <a:schemeClr val="accent2"/>
+              </a:buClr>
+              <a:buFont typeface="Arial" panose="020B0604020202020204" pitchFamily="34" charset="0"/>
+              <a:buChar char="•"/>
+              <a:defRPr sz="1600" kern="1200">
+                <a:solidFill>
+                  <a:schemeClr val="tx1">
+                    <a:lumMod val="85000"/>
+                    <a:lumOff val="15000"/>
+                  </a:schemeClr>
+                </a:solidFill>
+                <a:latin typeface="+mn-lt"/>
+                <a:ea typeface="+mn-ea"/>
+                <a:cs typeface="+mn-cs"/>
+              </a:defRPr>
+            </a:lvl2pPr>
+            <a:lvl3pPr marL="685800" indent="-228600" algn="l" defTabSz="914400" rtl="0" eaLnBrk="1" latinLnBrk="0" hangingPunct="1">
+              <a:lnSpc>
+                <a:spcPct val="100000"/>
+              </a:lnSpc>
+              <a:spcBef>
+                <a:spcPts val="1000"/>
+              </a:spcBef>
+              <a:buClr>
+                <a:schemeClr val="accent2"/>
+              </a:buClr>
+              <a:buFont typeface="Arial" panose="020B0604020202020204" pitchFamily="34" charset="0"/>
+              <a:buChar char="•"/>
+              <a:defRPr sz="1600" kern="1200">
+                <a:solidFill>
+                  <a:schemeClr val="tx1">
+                    <a:lumMod val="85000"/>
+                    <a:lumOff val="15000"/>
+                  </a:schemeClr>
+                </a:solidFill>
+                <a:latin typeface="+mn-lt"/>
+                <a:ea typeface="+mn-ea"/>
+                <a:cs typeface="+mn-cs"/>
+              </a:defRPr>
+            </a:lvl3pPr>
+            <a:lvl4pPr marL="914400" indent="-228600" algn="l" defTabSz="914400" rtl="0" eaLnBrk="1" latinLnBrk="0" hangingPunct="1">
+              <a:lnSpc>
+                <a:spcPct val="100000"/>
+              </a:lnSpc>
+              <a:spcBef>
+                <a:spcPts val="1000"/>
+              </a:spcBef>
+              <a:buClr>
+                <a:schemeClr val="accent2"/>
+              </a:buClr>
+              <a:buFont typeface="Arial" panose="020B0604020202020204" pitchFamily="34" charset="0"/>
+              <a:buChar char="•"/>
+              <a:defRPr sz="1600" kern="1200">
+                <a:solidFill>
+                  <a:schemeClr val="tx1">
+                    <a:lumMod val="85000"/>
+                    <a:lumOff val="15000"/>
+                  </a:schemeClr>
+                </a:solidFill>
+                <a:latin typeface="+mn-lt"/>
+                <a:ea typeface="+mn-ea"/>
+                <a:cs typeface="+mn-cs"/>
+              </a:defRPr>
+            </a:lvl4pPr>
+            <a:lvl5pPr marL="1143000" indent="-228600" algn="l" defTabSz="914400" rtl="0" eaLnBrk="1" latinLnBrk="0" hangingPunct="1">
+              <a:lnSpc>
+                <a:spcPct val="100000"/>
+              </a:lnSpc>
+              <a:spcBef>
+                <a:spcPts val="1000"/>
+              </a:spcBef>
+              <a:buClr>
+                <a:schemeClr val="accent2"/>
+              </a:buClr>
+              <a:buFont typeface="Arial" panose="020B0604020202020204" pitchFamily="34" charset="0"/>
+              <a:buChar char="•"/>
+              <a:defRPr sz="1600" kern="1200">
+                <a:solidFill>
+                  <a:schemeClr val="tx1">
+                    <a:lumMod val="85000"/>
+                    <a:lumOff val="15000"/>
+                  </a:schemeClr>
+                </a:solidFill>
+                <a:latin typeface="+mn-lt"/>
+                <a:ea typeface="+mn-ea"/>
+                <a:cs typeface="+mn-cs"/>
+              </a:defRPr>
+            </a:lvl5pPr>
+            <a:lvl6pPr marL="1312863" indent="-228600" algn="l" defTabSz="914400" rtl="0" eaLnBrk="1" latinLnBrk="0" hangingPunct="1">
+              <a:lnSpc>
+                <a:spcPct val="100000"/>
+              </a:lnSpc>
+              <a:spcBef>
+                <a:spcPts val="1000"/>
+              </a:spcBef>
+              <a:buClr>
+                <a:schemeClr val="accent2"/>
+              </a:buClr>
+              <a:buFont typeface="Arial" panose="020B0604020202020204" pitchFamily="34" charset="0"/>
+              <a:buChar char="•"/>
+              <a:defRPr sz="1600" kern="1200">
+                <a:solidFill>
+                  <a:schemeClr val="tx1"/>
+                </a:solidFill>
+                <a:latin typeface="+mn-lt"/>
+                <a:ea typeface="+mn-ea"/>
+                <a:cs typeface="+mn-cs"/>
+              </a:defRPr>
+            </a:lvl6pPr>
+            <a:lvl7pPr marL="1484313" indent="-228600" algn="l" defTabSz="914400" rtl="0" eaLnBrk="1" latinLnBrk="0" hangingPunct="1">
+              <a:lnSpc>
+                <a:spcPct val="100000"/>
+              </a:lnSpc>
+              <a:spcBef>
+                <a:spcPts val="1000"/>
+              </a:spcBef>
+              <a:buClr>
+                <a:schemeClr val="accent2"/>
+              </a:buClr>
+              <a:buFont typeface="Arial" panose="020B0604020202020204" pitchFamily="34" charset="0"/>
+              <a:buChar char="•"/>
+              <a:defRPr sz="1600" kern="1200">
+                <a:solidFill>
+                  <a:schemeClr val="tx1"/>
+                </a:solidFill>
+                <a:latin typeface="+mn-lt"/>
+                <a:ea typeface="+mn-ea"/>
+                <a:cs typeface="+mn-cs"/>
+              </a:defRPr>
+            </a:lvl7pPr>
+            <a:lvl8pPr marL="1657350" indent="-228600" algn="l" defTabSz="914400" rtl="0" eaLnBrk="1" latinLnBrk="0" hangingPunct="1">
+              <a:lnSpc>
+                <a:spcPct val="100000"/>
+              </a:lnSpc>
+              <a:spcBef>
+                <a:spcPts val="1000"/>
+              </a:spcBef>
+              <a:buClr>
+                <a:schemeClr val="accent2"/>
+              </a:buClr>
+              <a:buFont typeface="Arial" panose="020B0604020202020204" pitchFamily="34" charset="0"/>
+              <a:buChar char="•"/>
+              <a:defRPr sz="1600" kern="1200" baseline="0">
+                <a:solidFill>
+                  <a:schemeClr val="tx1"/>
+                </a:solidFill>
+                <a:latin typeface="+mn-lt"/>
+                <a:ea typeface="+mn-ea"/>
+                <a:cs typeface="+mn-cs"/>
+              </a:defRPr>
+            </a:lvl8pPr>
+            <a:lvl9pPr marL="1882775" indent="-228600" algn="l" defTabSz="914400" rtl="0" eaLnBrk="1" latinLnBrk="0" hangingPunct="1">
+              <a:lnSpc>
+                <a:spcPct val="100000"/>
+              </a:lnSpc>
+              <a:spcBef>
+                <a:spcPts val="1000"/>
+              </a:spcBef>
+              <a:buClr>
+                <a:schemeClr val="accent2"/>
+              </a:buClr>
+              <a:buFont typeface="Arial" panose="020B0604020202020204" pitchFamily="34" charset="0"/>
+              <a:buChar char="•"/>
+              <a:defRPr sz="1600" kern="1200" baseline="0">
+                <a:solidFill>
+                  <a:schemeClr val="tx1"/>
+                </a:solidFill>
+                <a:latin typeface="+mn-lt"/>
+                <a:ea typeface="+mn-ea"/>
+                <a:cs typeface="+mn-cs"/>
+              </a:defRPr>
+            </a:lvl9pPr>
+          </a:lstStyle>
+          <a:p>
+            <a:pPr marL="0" indent="0">
+              <a:buFont typeface="Arial" panose="020B0604020202020204" pitchFamily="34" charset="0"/>
+              <a:buNone/>
+            </a:pPr>
+            <a:r>
+              <a:rPr lang="en-US" smtClean="0"/>
+              <a:t> </a:t>
+            </a:r>
+            <a:endParaRPr lang="en-US" dirty="0"/>
+          </a:p>
+        </p:txBody>
+      </p:sp>
+      <p:grpSp>
+        <p:nvGrpSpPr>
+          <p:cNvPr id="2" name="Group 1"/>
+          <p:cNvGrpSpPr/>
+          <p:nvPr/>
+        </p:nvGrpSpPr>
+        <p:grpSpPr>
+          <a:xfrm>
+            <a:off x="3715884" y="1921461"/>
+            <a:ext cx="4760232" cy="2471555"/>
+            <a:chOff x="4235178" y="2121408"/>
+            <a:chExt cx="3068592" cy="2664826"/>
+          </a:xfrm>
+        </p:grpSpPr>
+        <p:sp>
+          <p:nvSpPr>
+            <p:cNvPr id="40" name="Rectangle 39"/>
+            <p:cNvSpPr/>
+            <p:nvPr/>
+          </p:nvSpPr>
+          <p:spPr>
+            <a:xfrm>
+              <a:off x="4597658" y="2121408"/>
+              <a:ext cx="1212783" cy="933650"/>
+            </a:xfrm>
+            <a:prstGeom prst="rect">
+              <a:avLst/>
+            </a:prstGeom>
+          </p:spPr>
+          <p:style>
+            <a:lnRef idx="2">
+              <a:schemeClr val="accent1">
+                <a:shade val="50000"/>
+              </a:schemeClr>
+            </a:lnRef>
+            <a:fillRef idx="1">
+              <a:schemeClr val="accent1"/>
+            </a:fillRef>
+            <a:effectRef idx="0">
+              <a:schemeClr val="accent1"/>
+            </a:effectRef>
+            <a:fontRef idx="minor">
+              <a:schemeClr val="lt1"/>
+            </a:fontRef>
+          </p:style>
+          <p:txBody>
+            <a:bodyPr rtlCol="0" anchor="ctr"/>
+            <a:lstStyle/>
+            <a:p>
+              <a:pPr algn="ctr"/>
+              <a:r>
+                <a:rPr lang="en-US" sz="1400" dirty="0" smtClean="0"/>
+                <a:t>Auto Approval</a:t>
+              </a:r>
+            </a:p>
+            <a:p>
+              <a:pPr algn="ctr"/>
+              <a:r>
+                <a:rPr lang="en-US" sz="1400" dirty="0" smtClean="0"/>
+                <a:t>Service</a:t>
+              </a:r>
+              <a:endParaRPr lang="en-US" sz="1400" dirty="0"/>
+            </a:p>
+          </p:txBody>
+        </p:sp>
+        <p:sp>
+          <p:nvSpPr>
+            <p:cNvPr id="41" name="Can 40"/>
+            <p:cNvSpPr/>
+            <p:nvPr/>
+          </p:nvSpPr>
+          <p:spPr>
+            <a:xfrm rot="5400000">
+              <a:off x="5398901" y="2881366"/>
+              <a:ext cx="741145" cy="3068592"/>
+            </a:xfrm>
+            <a:prstGeom prst="can">
+              <a:avLst/>
+            </a:prstGeom>
+          </p:spPr>
+          <p:style>
+            <a:lnRef idx="2">
+              <a:schemeClr val="accent1">
+                <a:shade val="50000"/>
+              </a:schemeClr>
+            </a:lnRef>
+            <a:fillRef idx="1">
+              <a:schemeClr val="accent1"/>
+            </a:fillRef>
+            <a:effectRef idx="0">
+              <a:schemeClr val="accent1"/>
+            </a:effectRef>
+            <a:fontRef idx="minor">
+              <a:schemeClr val="lt1"/>
+            </a:fontRef>
+          </p:style>
+          <p:txBody>
+            <a:bodyPr vert="vert270" rtlCol="0" anchor="ctr"/>
+            <a:lstStyle/>
+            <a:p>
+              <a:pPr algn="ctr"/>
+              <a:r>
+                <a:rPr lang="en-US" dirty="0" smtClean="0"/>
+                <a:t>Message Bus</a:t>
+              </a:r>
+              <a:endParaRPr lang="en-US" dirty="0"/>
+            </a:p>
+          </p:txBody>
+        </p:sp>
+        <p:cxnSp>
+          <p:nvCxnSpPr>
+            <p:cNvPr id="46" name="Straight Arrow Connector 45"/>
+            <p:cNvCxnSpPr/>
+            <p:nvPr/>
+          </p:nvCxnSpPr>
+          <p:spPr>
+            <a:xfrm flipV="1">
+              <a:off x="4597658" y="3055058"/>
+              <a:ext cx="0" cy="990029"/>
+            </a:xfrm>
+            <a:prstGeom prst="straightConnector1">
+              <a:avLst/>
+            </a:prstGeom>
+            <a:ln>
+              <a:tailEnd type="triangle"/>
+            </a:ln>
+          </p:spPr>
+          <p:style>
+            <a:lnRef idx="1">
+              <a:schemeClr val="accent1"/>
+            </a:lnRef>
+            <a:fillRef idx="0">
+              <a:schemeClr val="accent1"/>
+            </a:fillRef>
+            <a:effectRef idx="0">
+              <a:schemeClr val="accent1"/>
+            </a:effectRef>
+            <a:fontRef idx="minor">
+              <a:schemeClr val="tx1"/>
+            </a:fontRef>
+          </p:style>
+        </p:cxnSp>
+        <p:sp>
+          <p:nvSpPr>
+            <p:cNvPr id="47" name="TextBox 46"/>
+            <p:cNvSpPr txBox="1"/>
+            <p:nvPr/>
+          </p:nvSpPr>
+          <p:spPr>
+            <a:xfrm>
+              <a:off x="4252602" y="3308435"/>
+              <a:ext cx="699008" cy="248883"/>
+            </a:xfrm>
+            <a:prstGeom prst="rect">
+              <a:avLst/>
+            </a:prstGeom>
+            <a:noFill/>
+          </p:spPr>
+          <p:txBody>
+            <a:bodyPr wrap="square" rtlCol="0">
+              <a:spAutoFit/>
+            </a:bodyPr>
+            <a:lstStyle/>
+            <a:p>
+              <a:pPr algn="ctr"/>
+              <a:r>
+                <a:rPr lang="en-US" sz="900" dirty="0"/>
+                <a:t>Received Requests</a:t>
+              </a:r>
+            </a:p>
+          </p:txBody>
+        </p:sp>
+        <p:cxnSp>
+          <p:nvCxnSpPr>
+            <p:cNvPr id="48" name="Straight Arrow Connector 47"/>
+            <p:cNvCxnSpPr/>
+            <p:nvPr/>
+          </p:nvCxnSpPr>
+          <p:spPr>
+            <a:xfrm>
+              <a:off x="5171962" y="3055058"/>
+              <a:ext cx="0" cy="990029"/>
+            </a:xfrm>
+            <a:prstGeom prst="straightConnector1">
+              <a:avLst/>
+            </a:prstGeom>
+            <a:ln>
+              <a:tailEnd type="triangle"/>
+            </a:ln>
+          </p:spPr>
+          <p:style>
+            <a:lnRef idx="1">
+              <a:schemeClr val="accent1"/>
+            </a:lnRef>
+            <a:fillRef idx="0">
+              <a:schemeClr val="accent1"/>
+            </a:fillRef>
+            <a:effectRef idx="0">
+              <a:schemeClr val="accent1"/>
+            </a:effectRef>
+            <a:fontRef idx="minor">
+              <a:schemeClr val="tx1"/>
+            </a:fontRef>
+          </p:style>
+        </p:cxnSp>
+        <p:sp>
+          <p:nvSpPr>
+            <p:cNvPr id="49" name="TextBox 48"/>
+            <p:cNvSpPr txBox="1"/>
+            <p:nvPr/>
+          </p:nvSpPr>
+          <p:spPr>
+            <a:xfrm>
+              <a:off x="4796697" y="3621454"/>
+              <a:ext cx="757877" cy="248883"/>
+            </a:xfrm>
+            <a:prstGeom prst="rect">
+              <a:avLst/>
+            </a:prstGeom>
+            <a:noFill/>
+          </p:spPr>
+          <p:txBody>
+            <a:bodyPr wrap="square" rtlCol="0">
+              <a:spAutoFit/>
+            </a:bodyPr>
+            <a:lstStyle/>
+            <a:p>
+              <a:pPr algn="ctr"/>
+              <a:r>
+                <a:rPr lang="en-US" sz="900" dirty="0"/>
+                <a:t>Decided Requests</a:t>
+              </a:r>
+            </a:p>
+          </p:txBody>
+        </p:sp>
+        <p:cxnSp>
+          <p:nvCxnSpPr>
+            <p:cNvPr id="50" name="Straight Arrow Connector 49"/>
+            <p:cNvCxnSpPr/>
+            <p:nvPr/>
+          </p:nvCxnSpPr>
+          <p:spPr>
+            <a:xfrm>
+              <a:off x="5741819" y="3055058"/>
+              <a:ext cx="0" cy="990029"/>
+            </a:xfrm>
+            <a:prstGeom prst="straightConnector1">
+              <a:avLst/>
+            </a:prstGeom>
+            <a:ln>
+              <a:tailEnd type="triangle"/>
+            </a:ln>
+          </p:spPr>
+          <p:style>
+            <a:lnRef idx="1">
+              <a:schemeClr val="accent1"/>
+            </a:lnRef>
+            <a:fillRef idx="0">
+              <a:schemeClr val="accent1"/>
+            </a:fillRef>
+            <a:effectRef idx="0">
+              <a:schemeClr val="accent1"/>
+            </a:effectRef>
+            <a:fontRef idx="minor">
+              <a:schemeClr val="tx1"/>
+            </a:fontRef>
+          </p:style>
+        </p:cxnSp>
+        <p:sp>
+          <p:nvSpPr>
+            <p:cNvPr id="51" name="TextBox 50"/>
+            <p:cNvSpPr txBox="1"/>
+            <p:nvPr/>
+          </p:nvSpPr>
+          <p:spPr>
+            <a:xfrm>
+              <a:off x="5374674" y="3229749"/>
+              <a:ext cx="757877" cy="398213"/>
+            </a:xfrm>
+            <a:prstGeom prst="rect">
+              <a:avLst/>
+            </a:prstGeom>
+            <a:noFill/>
+          </p:spPr>
+          <p:txBody>
+            <a:bodyPr wrap="square" rtlCol="0">
+              <a:spAutoFit/>
+            </a:bodyPr>
+            <a:lstStyle/>
+            <a:p>
+              <a:pPr algn="ctr"/>
+              <a:r>
+                <a:rPr lang="en-US" sz="900" dirty="0"/>
+                <a:t>Not Auto Approved Requests</a:t>
+              </a:r>
+            </a:p>
+          </p:txBody>
+        </p:sp>
+      </p:grpSp>
+      <p:sp>
+        <p:nvSpPr>
+          <p:cNvPr id="70" name="Title 1"/>
+          <p:cNvSpPr>
+            <a:spLocks noGrp="1"/>
+          </p:cNvSpPr>
+          <p:nvPr>
+            <p:ph type="title"/>
+          </p:nvPr>
+        </p:nvSpPr>
+        <p:spPr>
+          <a:xfrm>
+            <a:off x="838200" y="365125"/>
+            <a:ext cx="10515600" cy="1325563"/>
+          </a:xfrm>
+        </p:spPr>
+        <p:txBody>
+          <a:bodyPr/>
+          <a:lstStyle/>
+          <a:p>
+            <a:r>
+              <a:rPr lang="en-US" dirty="0" smtClean="0"/>
+              <a:t>User Story 2-1: Design</a:t>
+            </a:r>
+            <a:endParaRPr lang="en-US" dirty="0"/>
           </a:p>
         </p:txBody>
       </p:sp>
       <p:pic>
         <p:nvPicPr>
-          <p:cNvPr id="4" name="Picture 3"/>
+          <p:cNvPr id="36" name="Picture 35"/>
           <p:cNvPicPr>
             <a:picLocks noChangeAspect="1"/>
           </p:cNvPicPr>
@@ -3749,16 +10229,76 @@
           </a:prstGeom>
         </p:spPr>
       </p:pic>
+      <p:sp>
+        <p:nvSpPr>
+          <p:cNvPr id="4" name="TextBox 3"/>
+          <p:cNvSpPr txBox="1"/>
+          <p:nvPr/>
+        </p:nvSpPr>
+        <p:spPr>
+          <a:xfrm>
+            <a:off x="1069848" y="4608376"/>
+            <a:ext cx="9838182" cy="1200329"/>
+          </a:xfrm>
+          <a:prstGeom prst="rect">
+            <a:avLst/>
+          </a:prstGeom>
+          <a:noFill/>
+        </p:spPr>
+        <p:txBody>
+          <a:bodyPr wrap="square" rtlCol="0">
+            <a:spAutoFit/>
+          </a:bodyPr>
+          <a:lstStyle/>
+          <a:p>
+            <a:pPr marL="285750" indent="-285750">
+              <a:buFont typeface="Arial" panose="020B0604020202020204" pitchFamily="34" charset="0"/>
+              <a:buChar char="•"/>
+            </a:pPr>
+            <a:r>
+              <a:rPr lang="en-US" sz="2400" dirty="0" smtClean="0"/>
+              <a:t>Create our first Consumer</a:t>
+            </a:r>
+          </a:p>
+          <a:p>
+            <a:pPr marL="285750" indent="-285750">
+              <a:buFont typeface="Arial" panose="020B0604020202020204" pitchFamily="34" charset="0"/>
+              <a:buChar char="•"/>
+            </a:pPr>
+            <a:r>
+              <a:rPr lang="en-US" sz="2400" dirty="0" smtClean="0"/>
+              <a:t>Simulate logic which evaluates the requests for automatic approval</a:t>
+            </a:r>
+          </a:p>
+          <a:p>
+            <a:pPr marL="285750" indent="-285750">
+              <a:buFont typeface="Arial" panose="020B0604020202020204" pitchFamily="34" charset="0"/>
+              <a:buChar char="•"/>
+            </a:pPr>
+            <a:r>
+              <a:rPr lang="en-US" sz="2400" dirty="0" smtClean="0"/>
+              <a:t>Publish result of auto-evaluation to the Message Bus</a:t>
+            </a:r>
+          </a:p>
+        </p:txBody>
+      </p:sp>
     </p:spTree>
     <p:extLst>
       <p:ext uri="{BB962C8B-B14F-4D97-AF65-F5344CB8AC3E}">
-        <p14:creationId xmlns:p14="http://schemas.microsoft.com/office/powerpoint/2010/main" val="1137961578"/>
+        <p14:creationId xmlns:p14="http://schemas.microsoft.com/office/powerpoint/2010/main" val="2970897578"/>
       </p:ext>
     </p:extLst>
   </p:cSld>
   <p:clrMapOvr>
     <a:masterClrMapping/>
   </p:clrMapOvr>
+  <p:timing>
+    <p:tnLst>
+      <p:par>
+        <p:cTn id="1" dur="indefinite" restart="never" nodeType="tmRoot"/>
+      </p:par>
+    </p:tnLst>
+  </p:timing>
 </p:sld>
 </file>
 
@@ -3791,12 +10331,33 @@
         </p:nvSpPr>
         <p:spPr/>
         <p:txBody>
-          <a:bodyPr/>
-          <a:lstStyle/>
-          <a:p>
-            <a:r>
-              <a:rPr lang="en-US" dirty="0" smtClean="0"/>
-              <a:t>Sprint 2: Retrospective</a:t>
+          <a:bodyPr>
+            <a:normAutofit/>
+          </a:bodyPr>
+          <a:lstStyle/>
+          <a:p>
+            <a:r>
+              <a:rPr lang="en-US" dirty="0"/>
+              <a:t>User Story </a:t>
+            </a:r>
+            <a:r>
+              <a:rPr lang="en-US" dirty="0" smtClean="0"/>
+              <a:t>2-1</a:t>
+            </a:r>
+            <a:r>
+              <a:rPr lang="en-US" dirty="0"/>
+              <a:t>: Message </a:t>
+            </a:r>
+            <a:r>
+              <a:rPr lang="en-US" dirty="0" smtClean="0"/>
+              <a:t>Bus </a:t>
+            </a:r>
+            <a:br>
+              <a:rPr lang="en-US" dirty="0" smtClean="0"/>
+            </a:br>
+            <a:r>
+              <a:rPr lang="en-US" dirty="0" smtClean="0"/>
+              <a:t>Design</a:t>
             </a:r>
             <a:endParaRPr lang="en-US" dirty="0"/>
           </a:p>
@@ -3814,20 +10375,96 @@
         </p:nvSpPr>
         <p:spPr/>
         <p:txBody>
-          <a:bodyPr/>
-          <a:lstStyle/>
-          <a:p>
-            <a:r>
-              <a:rPr lang="en-US" dirty="0" smtClean="0"/>
-              <a:t>TODO</a:t>
-            </a:r>
-            <a:endParaRPr lang="en-US" dirty="0"/>
+          <a:bodyPr>
+            <a:normAutofit/>
+          </a:bodyPr>
+          <a:lstStyle/>
+          <a:p>
+            <a:endParaRPr lang="en-US" dirty="0" smtClean="0"/>
+          </a:p>
+          <a:p>
+            <a:r>
+              <a:rPr lang="en-US" dirty="0" smtClean="0"/>
+              <a:t>Update Existing </a:t>
+            </a:r>
+            <a:r>
+              <a:rPr lang="en-US" dirty="0"/>
+              <a:t>Received </a:t>
+            </a:r>
+            <a:r>
+              <a:rPr lang="en-US" dirty="0" smtClean="0"/>
+              <a:t>Requests Event Hub</a:t>
+            </a:r>
+          </a:p>
+          <a:p>
+            <a:pPr lvl="1"/>
+            <a:r>
+              <a:rPr lang="en-US" dirty="0" smtClean="0"/>
+              <a:t>Create a Shared Access Policy for consumer</a:t>
+            </a:r>
+          </a:p>
+          <a:p>
+            <a:pPr lvl="1"/>
+            <a:r>
+              <a:rPr lang="en-US" dirty="0" smtClean="0"/>
+              <a:t>Create a Consumer Group for the Auto Approval Service</a:t>
+            </a:r>
+          </a:p>
+          <a:p>
+            <a:r>
+              <a:rPr lang="en-US" dirty="0" smtClean="0"/>
+              <a:t>New Event Hubs</a:t>
+            </a:r>
+          </a:p>
+          <a:p>
+            <a:pPr lvl="1"/>
+            <a:r>
+              <a:rPr lang="en-US" dirty="0" smtClean="0"/>
+              <a:t>Publish Auto-Approved Requests</a:t>
+            </a:r>
+          </a:p>
+          <a:p>
+            <a:pPr lvl="1"/>
+            <a:r>
+              <a:rPr lang="en-US" dirty="0" smtClean="0"/>
+              <a:t>Publish </a:t>
+            </a:r>
+            <a:r>
+              <a:rPr lang="en-US" dirty="0"/>
+              <a:t>Not Auto-Approved </a:t>
+            </a:r>
+            <a:r>
+              <a:rPr lang="en-US" dirty="0" smtClean="0"/>
+              <a:t>Requests</a:t>
+            </a:r>
+          </a:p>
+          <a:p>
+            <a:pPr lvl="1"/>
+            <a:r>
+              <a:rPr lang="en-US" dirty="0" smtClean="0"/>
+              <a:t>Shared Access Policies for publisher/sender</a:t>
+            </a:r>
+          </a:p>
+          <a:p>
+            <a:pPr marL="457200" lvl="1" indent="0">
+              <a:buNone/>
+            </a:pPr>
+            <a:endParaRPr lang="en-US" sz="2000" i="1" dirty="0" smtClean="0"/>
+          </a:p>
+          <a:p>
+            <a:pPr marL="457200" lvl="1" indent="0">
+              <a:buNone/>
+            </a:pPr>
+            <a:r>
+              <a:rPr lang="en-US" sz="2000" i="1" dirty="0" smtClean="0"/>
+              <a:t>**Note: This isn’t necessarily how you would organize events/hubs in a true production system</a:t>
+            </a:r>
           </a:p>
         </p:txBody>
       </p:sp>
       <p:pic>
         <p:nvPicPr>
-          <p:cNvPr id="4" name="Picture 3"/>
+          <p:cNvPr id="5" name="Picture 4"/>
           <p:cNvPicPr>
             <a:picLocks noChangeAspect="1"/>
           </p:cNvPicPr>
@@ -3847,7 +10484,7 @@
         </p:blipFill>
         <p:spPr>
           <a:xfrm>
-            <a:off x="9135291" y="292047"/>
+            <a:off x="9135291" y="202837"/>
             <a:ext cx="2455817" cy="1381224"/>
           </a:xfrm>
           <a:prstGeom prst="rect">
@@ -3858,7 +10495,998 @@
     </p:spTree>
     <p:extLst>
       <p:ext uri="{BB962C8B-B14F-4D97-AF65-F5344CB8AC3E}">
-        <p14:creationId xmlns:p14="http://schemas.microsoft.com/office/powerpoint/2010/main" val="1475141782"/>
+        <p14:creationId xmlns:p14="http://schemas.microsoft.com/office/powerpoint/2010/main" val="1909660049"/>
+      </p:ext>
+    </p:extLst>
+  </p:cSld>
+  <p:clrMapOvr>
+    <a:masterClrMapping/>
+  </p:clrMapOvr>
+</p:sld>
+</file>
+
+<file path=ppt/slides/slide8.xml><?xml version="1.0" encoding="utf-8"?>
+<p:sld xmlns:a="http://schemas.openxmlformats.org/drawingml/2006/main" xmlns:r="http://schemas.openxmlformats.org/officeDocument/2006/relationships" xmlns:p="http://schemas.openxmlformats.org/presentationml/2006/main">
+  <p:cSld>
+    <p:spTree>
+      <p:nvGrpSpPr>
+        <p:cNvPr id="1" name=""/>
+        <p:cNvGrpSpPr/>
+        <p:nvPr/>
+      </p:nvGrpSpPr>
+      <p:grpSpPr>
+        <a:xfrm>
+          <a:off x="0" y="0"/>
+          <a:ext cx="0" cy="0"/>
+          <a:chOff x="0" y="0"/>
+          <a:chExt cx="0" cy="0"/>
+        </a:xfrm>
+      </p:grpSpPr>
+      <p:sp>
+        <p:nvSpPr>
+          <p:cNvPr id="2" name="Title 1"/>
+          <p:cNvSpPr>
+            <a:spLocks noGrp="1"/>
+          </p:cNvSpPr>
+          <p:nvPr>
+            <p:ph type="title"/>
+          </p:nvPr>
+        </p:nvSpPr>
+        <p:spPr/>
+        <p:txBody>
+          <a:bodyPr>
+            <a:normAutofit/>
+          </a:bodyPr>
+          <a:lstStyle/>
+          <a:p>
+            <a:r>
+              <a:rPr lang="en-US" dirty="0"/>
+              <a:t>User Story </a:t>
+            </a:r>
+            <a:r>
+              <a:rPr lang="en-US" dirty="0" smtClean="0"/>
+              <a:t>2-1</a:t>
+            </a:r>
+            <a:r>
+              <a:rPr lang="en-US" dirty="0"/>
+              <a:t>: Message </a:t>
+            </a:r>
+            <a:r>
+              <a:rPr lang="en-US" dirty="0" smtClean="0"/>
+              <a:t>Bus </a:t>
+            </a:r>
+            <a:br>
+              <a:rPr lang="en-US" dirty="0" smtClean="0"/>
+            </a:br>
+            <a:r>
+              <a:rPr lang="en-US" dirty="0" smtClean="0"/>
+              <a:t>Design</a:t>
+            </a:r>
+            <a:endParaRPr lang="en-US" dirty="0"/>
+          </a:p>
+        </p:txBody>
+      </p:sp>
+      <p:sp>
+        <p:nvSpPr>
+          <p:cNvPr id="3" name="Content Placeholder 2"/>
+          <p:cNvSpPr>
+            <a:spLocks noGrp="1"/>
+          </p:cNvSpPr>
+          <p:nvPr>
+            <p:ph idx="1"/>
+          </p:nvPr>
+        </p:nvSpPr>
+        <p:spPr/>
+        <p:txBody>
+          <a:bodyPr>
+            <a:normAutofit/>
+          </a:bodyPr>
+          <a:lstStyle/>
+          <a:p>
+            <a:endParaRPr lang="en-US" dirty="0" smtClean="0"/>
+          </a:p>
+          <a:p>
+            <a:r>
+              <a:rPr lang="en-US" dirty="0" smtClean="0"/>
+              <a:t>Update Existing </a:t>
+            </a:r>
+            <a:r>
+              <a:rPr lang="en-US" dirty="0"/>
+              <a:t>Received </a:t>
+            </a:r>
+            <a:r>
+              <a:rPr lang="en-US" dirty="0" smtClean="0"/>
+              <a:t>Requests </a:t>
+            </a:r>
+            <a:r>
+              <a:rPr lang="en-US" dirty="0"/>
+              <a:t>Event </a:t>
+            </a:r>
+            <a:r>
+              <a:rPr lang="en-US" dirty="0" smtClean="0"/>
+              <a:t>Hub</a:t>
+            </a:r>
+          </a:p>
+          <a:p>
+            <a:pPr lvl="1"/>
+            <a:r>
+              <a:rPr lang="en-US" dirty="0" smtClean="0"/>
+              <a:t>Create a Shared Access Policy for consumer</a:t>
+            </a:r>
+          </a:p>
+          <a:p>
+            <a:pPr lvl="1"/>
+            <a:r>
+              <a:rPr lang="en-US" sz="3200" b="1" dirty="0" smtClean="0">
+                <a:solidFill>
+                  <a:srgbClr val="00B050"/>
+                </a:solidFill>
+              </a:rPr>
+              <a:t>Create a </a:t>
+            </a:r>
+            <a:r>
+              <a:rPr lang="en-US" sz="3200" b="1" dirty="0">
+                <a:solidFill>
+                  <a:srgbClr val="00B050"/>
+                </a:solidFill>
+              </a:rPr>
+              <a:t>Consumer</a:t>
+            </a:r>
+            <a:r>
+              <a:rPr lang="en-US" sz="3200" b="1" dirty="0" smtClean="0">
+                <a:solidFill>
+                  <a:srgbClr val="00B050"/>
+                </a:solidFill>
+              </a:rPr>
+              <a:t> Group for the Auto Approval Service</a:t>
+            </a:r>
+          </a:p>
+          <a:p>
+            <a:r>
+              <a:rPr lang="en-US" dirty="0" smtClean="0"/>
+              <a:t>New Event Hubs</a:t>
+            </a:r>
+          </a:p>
+          <a:p>
+            <a:pPr lvl="1"/>
+            <a:r>
+              <a:rPr lang="en-US" dirty="0" smtClean="0"/>
+              <a:t>Publish Auto-Approved Requests</a:t>
+            </a:r>
+          </a:p>
+          <a:p>
+            <a:pPr lvl="1"/>
+            <a:r>
+              <a:rPr lang="en-US" dirty="0"/>
+              <a:t>Publish Not Auto-Approved Requests</a:t>
+            </a:r>
+          </a:p>
+          <a:p>
+            <a:pPr lvl="1"/>
+            <a:r>
+              <a:rPr lang="en-US" dirty="0" smtClean="0"/>
+              <a:t>Shared Access Policies for publisher/sender</a:t>
+            </a:r>
+          </a:p>
+          <a:p>
+            <a:pPr marL="457200" lvl="1" indent="0">
+              <a:buNone/>
+            </a:pPr>
+            <a:endParaRPr lang="en-US" sz="2000" i="1" dirty="0" smtClean="0"/>
+          </a:p>
+          <a:p>
+            <a:pPr marL="457200" lvl="1" indent="0">
+              <a:buNone/>
+            </a:pPr>
+            <a:r>
+              <a:rPr lang="en-US" sz="2000" i="1" dirty="0" smtClean="0"/>
+              <a:t>**Note: This isn’t necessarily how you would organize events/hubs in a true production system</a:t>
+            </a:r>
+          </a:p>
+        </p:txBody>
+      </p:sp>
+      <p:pic>
+        <p:nvPicPr>
+          <p:cNvPr id="5" name="Picture 4"/>
+          <p:cNvPicPr>
+            <a:picLocks noChangeAspect="1"/>
+          </p:cNvPicPr>
+          <p:nvPr/>
+        </p:nvPicPr>
+        <p:blipFill>
+          <a:blip r:embed="rId2" cstate="print">
+            <a:extLst>
+              <a:ext uri="{28A0092B-C50C-407E-A947-70E740481C1C}">
+                <a14:useLocalDpi xmlns:a14="http://schemas.microsoft.com/office/drawing/2010/main" val="0"/>
+              </a:ext>
+            </a:extLst>
+          </a:blip>
+          <a:stretch>
+            <a:fillRect/>
+          </a:stretch>
+        </p:blipFill>
+        <p:spPr>
+          <a:xfrm>
+            <a:off x="9135291" y="202837"/>
+            <a:ext cx="2455817" cy="1381224"/>
+          </a:xfrm>
+          <a:prstGeom prst="rect">
+            <a:avLst/>
+          </a:prstGeom>
+        </p:spPr>
+      </p:pic>
+    </p:spTree>
+    <p:extLst>
+      <p:ext uri="{BB962C8B-B14F-4D97-AF65-F5344CB8AC3E}">
+        <p14:creationId xmlns:p14="http://schemas.microsoft.com/office/powerpoint/2010/main" val="2407465500"/>
+      </p:ext>
+    </p:extLst>
+  </p:cSld>
+  <p:clrMapOvr>
+    <a:masterClrMapping/>
+  </p:clrMapOvr>
+</p:sld>
+</file>
+
+<file path=ppt/slides/slide9.xml><?xml version="1.0" encoding="utf-8"?>
+<p:sld xmlns:a="http://schemas.openxmlformats.org/drawingml/2006/main" xmlns:r="http://schemas.openxmlformats.org/officeDocument/2006/relationships" xmlns:p="http://schemas.openxmlformats.org/presentationml/2006/main">
+  <p:cSld>
+    <p:spTree>
+      <p:nvGrpSpPr>
+        <p:cNvPr id="1" name=""/>
+        <p:cNvGrpSpPr/>
+        <p:nvPr/>
+      </p:nvGrpSpPr>
+      <p:grpSpPr>
+        <a:xfrm>
+          <a:off x="0" y="0"/>
+          <a:ext cx="0" cy="0"/>
+          <a:chOff x="0" y="0"/>
+          <a:chExt cx="0" cy="0"/>
+        </a:xfrm>
+      </p:grpSpPr>
+      <p:sp>
+        <p:nvSpPr>
+          <p:cNvPr id="35" name="Rectangle 34"/>
+          <p:cNvSpPr/>
+          <p:nvPr/>
+        </p:nvSpPr>
+        <p:spPr>
+          <a:xfrm>
+            <a:off x="5668869" y="5015957"/>
+            <a:ext cx="1973580" cy="1505461"/>
+          </a:xfrm>
+          <a:prstGeom prst="rect">
+            <a:avLst/>
+          </a:prstGeom>
+          <a:solidFill>
+            <a:schemeClr val="accent1">
+              <a:lumMod val="20000"/>
+              <a:lumOff val="80000"/>
+            </a:schemeClr>
+          </a:solidFill>
+        </p:spPr>
+        <p:style>
+          <a:lnRef idx="2">
+            <a:schemeClr val="accent1">
+              <a:shade val="50000"/>
+            </a:schemeClr>
+          </a:lnRef>
+          <a:fillRef idx="1">
+            <a:schemeClr val="accent1"/>
+          </a:fillRef>
+          <a:effectRef idx="0">
+            <a:schemeClr val="accent1"/>
+          </a:effectRef>
+          <a:fontRef idx="minor">
+            <a:schemeClr val="lt1"/>
+          </a:fontRef>
+        </p:style>
+        <p:txBody>
+          <a:bodyPr rtlCol="0" anchor="ctr"/>
+          <a:lstStyle/>
+          <a:p>
+            <a:pPr algn="ctr"/>
+            <a:endParaRPr lang="en-US"/>
+          </a:p>
+        </p:txBody>
+      </p:sp>
+      <p:sp>
+        <p:nvSpPr>
+          <p:cNvPr id="36" name="Rectangle 35"/>
+          <p:cNvSpPr/>
+          <p:nvPr/>
+        </p:nvSpPr>
+        <p:spPr>
+          <a:xfrm>
+            <a:off x="5668869" y="3333386"/>
+            <a:ext cx="1973580" cy="1404269"/>
+          </a:xfrm>
+          <a:prstGeom prst="rect">
+            <a:avLst/>
+          </a:prstGeom>
+          <a:solidFill>
+            <a:schemeClr val="accent1">
+              <a:lumMod val="20000"/>
+              <a:lumOff val="80000"/>
+            </a:schemeClr>
+          </a:solidFill>
+        </p:spPr>
+        <p:style>
+          <a:lnRef idx="2">
+            <a:schemeClr val="accent1">
+              <a:shade val="50000"/>
+            </a:schemeClr>
+          </a:lnRef>
+          <a:fillRef idx="1">
+            <a:schemeClr val="accent1"/>
+          </a:fillRef>
+          <a:effectRef idx="0">
+            <a:schemeClr val="accent1"/>
+          </a:effectRef>
+          <a:fontRef idx="minor">
+            <a:schemeClr val="lt1"/>
+          </a:fontRef>
+        </p:style>
+        <p:txBody>
+          <a:bodyPr rtlCol="0" anchor="ctr"/>
+          <a:lstStyle/>
+          <a:p>
+            <a:pPr algn="ctr"/>
+            <a:endParaRPr lang="en-US"/>
+          </a:p>
+        </p:txBody>
+      </p:sp>
+      <p:sp>
+        <p:nvSpPr>
+          <p:cNvPr id="31" name="Rectangle 30"/>
+          <p:cNvSpPr/>
+          <p:nvPr/>
+        </p:nvSpPr>
+        <p:spPr>
+          <a:xfrm>
+            <a:off x="5676900" y="1631975"/>
+            <a:ext cx="1973580" cy="1514190"/>
+          </a:xfrm>
+          <a:prstGeom prst="rect">
+            <a:avLst/>
+          </a:prstGeom>
+          <a:solidFill>
+            <a:schemeClr val="accent1">
+              <a:lumMod val="20000"/>
+              <a:lumOff val="80000"/>
+            </a:schemeClr>
+          </a:solidFill>
+        </p:spPr>
+        <p:style>
+          <a:lnRef idx="2">
+            <a:schemeClr val="accent1">
+              <a:shade val="50000"/>
+            </a:schemeClr>
+          </a:lnRef>
+          <a:fillRef idx="1">
+            <a:schemeClr val="accent1"/>
+          </a:fillRef>
+          <a:effectRef idx="0">
+            <a:schemeClr val="accent1"/>
+          </a:effectRef>
+          <a:fontRef idx="minor">
+            <a:schemeClr val="lt1"/>
+          </a:fontRef>
+        </p:style>
+        <p:txBody>
+          <a:bodyPr rtlCol="0" anchor="ctr"/>
+          <a:lstStyle/>
+          <a:p>
+            <a:pPr algn="ctr"/>
+            <a:endParaRPr lang="en-US"/>
+          </a:p>
+        </p:txBody>
+      </p:sp>
+      <p:sp>
+        <p:nvSpPr>
+          <p:cNvPr id="32" name="TextBox 31"/>
+          <p:cNvSpPr txBox="1"/>
+          <p:nvPr/>
+        </p:nvSpPr>
+        <p:spPr>
+          <a:xfrm>
+            <a:off x="5918835" y="1708647"/>
+            <a:ext cx="1489710" cy="307777"/>
+          </a:xfrm>
+          <a:prstGeom prst="rect">
+            <a:avLst/>
+          </a:prstGeom>
+          <a:noFill/>
+        </p:spPr>
+        <p:txBody>
+          <a:bodyPr wrap="square" rtlCol="0">
+            <a:spAutoFit/>
+          </a:bodyPr>
+          <a:lstStyle/>
+          <a:p>
+            <a:pPr algn="ctr"/>
+            <a:r>
+              <a:rPr lang="en-US" sz="1400" dirty="0" smtClean="0">
+                <a:solidFill>
+                  <a:schemeClr val="bg1"/>
+                </a:solidFill>
+              </a:rPr>
+              <a:t>Consumer Group</a:t>
+            </a:r>
+            <a:endParaRPr lang="en-US" sz="1400" dirty="0">
+              <a:solidFill>
+                <a:schemeClr val="bg1"/>
+              </a:solidFill>
+            </a:endParaRPr>
+          </a:p>
+        </p:txBody>
+      </p:sp>
+      <p:sp>
+        <p:nvSpPr>
+          <p:cNvPr id="2" name="Title 1"/>
+          <p:cNvSpPr>
+            <a:spLocks noGrp="1"/>
+          </p:cNvSpPr>
+          <p:nvPr>
+            <p:ph type="title"/>
+          </p:nvPr>
+        </p:nvSpPr>
+        <p:spPr/>
+        <p:txBody>
+          <a:bodyPr>
+            <a:normAutofit/>
+          </a:bodyPr>
+          <a:lstStyle/>
+          <a:p>
+            <a:r>
+              <a:rPr lang="en-US" dirty="0"/>
+              <a:t>User Story </a:t>
+            </a:r>
+            <a:r>
+              <a:rPr lang="en-US" dirty="0" smtClean="0"/>
+              <a:t>2-1</a:t>
+            </a:r>
+            <a:r>
+              <a:rPr lang="en-US" dirty="0"/>
+              <a:t>: </a:t>
+            </a:r>
+            <a:r>
+              <a:rPr lang="en-US" dirty="0" smtClean="0"/>
+              <a:t>Consumer Groups</a:t>
+            </a:r>
+            <a:endParaRPr lang="en-US" dirty="0"/>
+          </a:p>
+        </p:txBody>
+      </p:sp>
+      <p:pic>
+        <p:nvPicPr>
+          <p:cNvPr id="5" name="Picture 4"/>
+          <p:cNvPicPr>
+            <a:picLocks noChangeAspect="1"/>
+          </p:cNvPicPr>
+          <p:nvPr/>
+        </p:nvPicPr>
+        <p:blipFill>
+          <a:blip r:embed="rId2" cstate="print">
+            <a:extLst>
+              <a:ext uri="{28A0092B-C50C-407E-A947-70E740481C1C}">
+                <a14:useLocalDpi xmlns:a14="http://schemas.microsoft.com/office/drawing/2010/main" val="0"/>
+              </a:ext>
+            </a:extLst>
+          </a:blip>
+          <a:stretch>
+            <a:fillRect/>
+          </a:stretch>
+        </p:blipFill>
+        <p:spPr>
+          <a:xfrm>
+            <a:off x="9135291" y="202837"/>
+            <a:ext cx="2455817" cy="1381224"/>
+          </a:xfrm>
+          <a:prstGeom prst="rect">
+            <a:avLst/>
+          </a:prstGeom>
+        </p:spPr>
+      </p:pic>
+      <p:sp>
+        <p:nvSpPr>
+          <p:cNvPr id="7" name="Can 6"/>
+          <p:cNvSpPr/>
+          <p:nvPr/>
+        </p:nvSpPr>
+        <p:spPr>
+          <a:xfrm rot="5400000">
+            <a:off x="1643785" y="2948100"/>
+            <a:ext cx="687392" cy="2517277"/>
+          </a:xfrm>
+          <a:prstGeom prst="can">
+            <a:avLst/>
+          </a:prstGeom>
+        </p:spPr>
+        <p:style>
+          <a:lnRef idx="2">
+            <a:schemeClr val="accent1">
+              <a:shade val="50000"/>
+            </a:schemeClr>
+          </a:lnRef>
+          <a:fillRef idx="1">
+            <a:schemeClr val="accent1"/>
+          </a:fillRef>
+          <a:effectRef idx="0">
+            <a:schemeClr val="accent1"/>
+          </a:effectRef>
+          <a:fontRef idx="minor">
+            <a:schemeClr val="lt1"/>
+          </a:fontRef>
+        </p:style>
+        <p:txBody>
+          <a:bodyPr vert="vert270" rtlCol="0" anchor="ctr"/>
+          <a:lstStyle/>
+          <a:p>
+            <a:pPr algn="ctr"/>
+            <a:r>
+              <a:rPr lang="en-US" dirty="0" smtClean="0"/>
+              <a:t>Message Bus</a:t>
+            </a:r>
+            <a:endParaRPr lang="en-US" dirty="0"/>
+          </a:p>
+        </p:txBody>
+      </p:sp>
+      <p:sp>
+        <p:nvSpPr>
+          <p:cNvPr id="8" name="Rectangle 7"/>
+          <p:cNvSpPr/>
+          <p:nvPr/>
+        </p:nvSpPr>
+        <p:spPr>
+          <a:xfrm>
+            <a:off x="6049268" y="2117598"/>
+            <a:ext cx="1212783" cy="933650"/>
+          </a:xfrm>
+          <a:prstGeom prst="rect">
+            <a:avLst/>
+          </a:prstGeom>
+        </p:spPr>
+        <p:style>
+          <a:lnRef idx="2">
+            <a:schemeClr val="accent1">
+              <a:shade val="50000"/>
+            </a:schemeClr>
+          </a:lnRef>
+          <a:fillRef idx="1">
+            <a:schemeClr val="accent1"/>
+          </a:fillRef>
+          <a:effectRef idx="0">
+            <a:schemeClr val="accent1"/>
+          </a:effectRef>
+          <a:fontRef idx="minor">
+            <a:schemeClr val="lt1"/>
+          </a:fontRef>
+        </p:style>
+        <p:txBody>
+          <a:bodyPr rtlCol="0" anchor="ctr"/>
+          <a:lstStyle/>
+          <a:p>
+            <a:pPr algn="ctr"/>
+            <a:r>
+              <a:rPr lang="en-US" dirty="0" smtClean="0"/>
+              <a:t>Consumer</a:t>
+            </a:r>
+            <a:endParaRPr lang="en-US" dirty="0"/>
+          </a:p>
+        </p:txBody>
+      </p:sp>
+      <p:sp>
+        <p:nvSpPr>
+          <p:cNvPr id="9" name="Rectangle 8"/>
+          <p:cNvSpPr/>
+          <p:nvPr/>
+        </p:nvSpPr>
+        <p:spPr>
+          <a:xfrm>
+            <a:off x="6057298" y="5481479"/>
+            <a:ext cx="1212783" cy="933650"/>
+          </a:xfrm>
+          <a:prstGeom prst="rect">
+            <a:avLst/>
+          </a:prstGeom>
+        </p:spPr>
+        <p:style>
+          <a:lnRef idx="2">
+            <a:schemeClr val="accent1">
+              <a:shade val="50000"/>
+            </a:schemeClr>
+          </a:lnRef>
+          <a:fillRef idx="1">
+            <a:schemeClr val="accent1"/>
+          </a:fillRef>
+          <a:effectRef idx="0">
+            <a:schemeClr val="accent1"/>
+          </a:effectRef>
+          <a:fontRef idx="minor">
+            <a:schemeClr val="lt1"/>
+          </a:fontRef>
+        </p:style>
+        <p:txBody>
+          <a:bodyPr rtlCol="0" anchor="ctr"/>
+          <a:lstStyle/>
+          <a:p>
+            <a:pPr algn="ctr"/>
+            <a:r>
+              <a:rPr lang="en-US" dirty="0" smtClean="0"/>
+              <a:t>Consumer</a:t>
+            </a:r>
+            <a:endParaRPr lang="en-US" dirty="0"/>
+          </a:p>
+        </p:txBody>
+      </p:sp>
+      <p:sp>
+        <p:nvSpPr>
+          <p:cNvPr id="10" name="Rectangle 9"/>
+          <p:cNvSpPr/>
+          <p:nvPr/>
+        </p:nvSpPr>
+        <p:spPr>
+          <a:xfrm>
+            <a:off x="6049268" y="3739913"/>
+            <a:ext cx="1212783" cy="933650"/>
+          </a:xfrm>
+          <a:prstGeom prst="rect">
+            <a:avLst/>
+          </a:prstGeom>
+        </p:spPr>
+        <p:style>
+          <a:lnRef idx="2">
+            <a:schemeClr val="accent1">
+              <a:shade val="50000"/>
+            </a:schemeClr>
+          </a:lnRef>
+          <a:fillRef idx="1">
+            <a:schemeClr val="accent1"/>
+          </a:fillRef>
+          <a:effectRef idx="0">
+            <a:schemeClr val="accent1"/>
+          </a:effectRef>
+          <a:fontRef idx="minor">
+            <a:schemeClr val="lt1"/>
+          </a:fontRef>
+        </p:style>
+        <p:txBody>
+          <a:bodyPr rtlCol="0" anchor="ctr"/>
+          <a:lstStyle/>
+          <a:p>
+            <a:pPr algn="ctr"/>
+            <a:r>
+              <a:rPr lang="en-US" dirty="0" smtClean="0"/>
+              <a:t>Consumer</a:t>
+            </a:r>
+            <a:endParaRPr lang="en-US" dirty="0"/>
+          </a:p>
+        </p:txBody>
+      </p:sp>
+      <p:cxnSp>
+        <p:nvCxnSpPr>
+          <p:cNvPr id="13" name="Elbow Connector 12"/>
+          <p:cNvCxnSpPr>
+            <a:stCxn id="7" idx="1"/>
+            <a:endCxn id="8" idx="1"/>
+          </p:cNvCxnSpPr>
+          <p:nvPr/>
+        </p:nvCxnSpPr>
+        <p:spPr>
+          <a:xfrm flipV="1">
+            <a:off x="3246120" y="2584423"/>
+            <a:ext cx="2803148" cy="1622316"/>
+          </a:xfrm>
+          <a:prstGeom prst="bentConnector3">
+            <a:avLst>
+              <a:gd name="adj1" fmla="val 31243"/>
+            </a:avLst>
+          </a:prstGeom>
+          <a:ln>
+            <a:tailEnd type="triangle"/>
+          </a:ln>
+        </p:spPr>
+        <p:style>
+          <a:lnRef idx="1">
+            <a:schemeClr val="accent1"/>
+          </a:lnRef>
+          <a:fillRef idx="0">
+            <a:schemeClr val="accent1"/>
+          </a:fillRef>
+          <a:effectRef idx="0">
+            <a:schemeClr val="accent1"/>
+          </a:effectRef>
+          <a:fontRef idx="minor">
+            <a:schemeClr val="tx1"/>
+          </a:fontRef>
+        </p:style>
+      </p:cxnSp>
+      <p:cxnSp>
+        <p:nvCxnSpPr>
+          <p:cNvPr id="15" name="Elbow Connector 14"/>
+          <p:cNvCxnSpPr>
+            <a:stCxn id="7" idx="1"/>
+            <a:endCxn id="10" idx="1"/>
+          </p:cNvCxnSpPr>
+          <p:nvPr/>
+        </p:nvCxnSpPr>
+        <p:spPr>
+          <a:xfrm flipV="1">
+            <a:off x="3246120" y="4206738"/>
+            <a:ext cx="2803148" cy="1"/>
+          </a:xfrm>
+          <a:prstGeom prst="bentConnector3">
+            <a:avLst/>
+          </a:prstGeom>
+          <a:ln>
+            <a:tailEnd type="triangle"/>
+          </a:ln>
+        </p:spPr>
+        <p:style>
+          <a:lnRef idx="1">
+            <a:schemeClr val="accent1"/>
+          </a:lnRef>
+          <a:fillRef idx="0">
+            <a:schemeClr val="accent1"/>
+          </a:fillRef>
+          <a:effectRef idx="0">
+            <a:schemeClr val="accent1"/>
+          </a:effectRef>
+          <a:fontRef idx="minor">
+            <a:schemeClr val="tx1"/>
+          </a:fontRef>
+        </p:style>
+      </p:cxnSp>
+      <p:cxnSp>
+        <p:nvCxnSpPr>
+          <p:cNvPr id="17" name="Elbow Connector 16"/>
+          <p:cNvCxnSpPr>
+            <a:stCxn id="7" idx="1"/>
+            <a:endCxn id="9" idx="1"/>
+          </p:cNvCxnSpPr>
+          <p:nvPr/>
+        </p:nvCxnSpPr>
+        <p:spPr>
+          <a:xfrm>
+            <a:off x="3246120" y="4206739"/>
+            <a:ext cx="2811178" cy="1741565"/>
+          </a:xfrm>
+          <a:prstGeom prst="bentConnector3">
+            <a:avLst>
+              <a:gd name="adj1" fmla="val 31161"/>
+            </a:avLst>
+          </a:prstGeom>
+          <a:ln>
+            <a:tailEnd type="triangle"/>
+          </a:ln>
+        </p:spPr>
+        <p:style>
+          <a:lnRef idx="1">
+            <a:schemeClr val="accent1"/>
+          </a:lnRef>
+          <a:fillRef idx="0">
+            <a:schemeClr val="accent1"/>
+          </a:fillRef>
+          <a:effectRef idx="0">
+            <a:schemeClr val="accent1"/>
+          </a:effectRef>
+          <a:fontRef idx="minor">
+            <a:schemeClr val="tx1"/>
+          </a:fontRef>
+        </p:style>
+      </p:cxnSp>
+      <p:sp>
+        <p:nvSpPr>
+          <p:cNvPr id="27" name="TextBox 26"/>
+          <p:cNvSpPr txBox="1"/>
+          <p:nvPr/>
+        </p:nvSpPr>
+        <p:spPr>
+          <a:xfrm>
+            <a:off x="4264985" y="2307424"/>
+            <a:ext cx="1143000" cy="276999"/>
+          </a:xfrm>
+          <a:prstGeom prst="rect">
+            <a:avLst/>
+          </a:prstGeom>
+          <a:noFill/>
+        </p:spPr>
+        <p:txBody>
+          <a:bodyPr wrap="square" rtlCol="0">
+            <a:spAutoFit/>
+          </a:bodyPr>
+          <a:lstStyle/>
+          <a:p>
+            <a:r>
+              <a:rPr lang="en-US" sz="1200" dirty="0" smtClean="0"/>
+              <a:t>1, 2, 3, 4, 5, 6</a:t>
+            </a:r>
+            <a:endParaRPr lang="en-US" sz="1200" dirty="0"/>
+          </a:p>
+        </p:txBody>
+      </p:sp>
+      <p:sp>
+        <p:nvSpPr>
+          <p:cNvPr id="28" name="TextBox 27"/>
+          <p:cNvSpPr txBox="1"/>
+          <p:nvPr/>
+        </p:nvSpPr>
+        <p:spPr>
+          <a:xfrm>
+            <a:off x="4264985" y="3929739"/>
+            <a:ext cx="1143000" cy="276999"/>
+          </a:xfrm>
+          <a:prstGeom prst="rect">
+            <a:avLst/>
+          </a:prstGeom>
+          <a:noFill/>
+        </p:spPr>
+        <p:txBody>
+          <a:bodyPr wrap="square" rtlCol="0">
+            <a:spAutoFit/>
+          </a:bodyPr>
+          <a:lstStyle/>
+          <a:p>
+            <a:r>
+              <a:rPr lang="en-US" sz="1200" dirty="0" smtClean="0"/>
+              <a:t>1, 2, 3, 4, 5, 6</a:t>
+            </a:r>
+            <a:endParaRPr lang="en-US" sz="1200" dirty="0"/>
+          </a:p>
+        </p:txBody>
+      </p:sp>
+      <p:sp>
+        <p:nvSpPr>
+          <p:cNvPr id="29" name="TextBox 28"/>
+          <p:cNvSpPr txBox="1"/>
+          <p:nvPr/>
+        </p:nvSpPr>
+        <p:spPr>
+          <a:xfrm>
+            <a:off x="4264985" y="5630187"/>
+            <a:ext cx="1143000" cy="276999"/>
+          </a:xfrm>
+          <a:prstGeom prst="rect">
+            <a:avLst/>
+          </a:prstGeom>
+          <a:noFill/>
+        </p:spPr>
+        <p:txBody>
+          <a:bodyPr wrap="square" rtlCol="0">
+            <a:spAutoFit/>
+          </a:bodyPr>
+          <a:lstStyle/>
+          <a:p>
+            <a:r>
+              <a:rPr lang="en-US" sz="1200" dirty="0" smtClean="0"/>
+              <a:t>1, 2, 3, 4, 5, 6</a:t>
+            </a:r>
+            <a:endParaRPr lang="en-US" sz="1200" dirty="0"/>
+          </a:p>
+        </p:txBody>
+      </p:sp>
+      <p:sp>
+        <p:nvSpPr>
+          <p:cNvPr id="30" name="TextBox 29"/>
+          <p:cNvSpPr txBox="1"/>
+          <p:nvPr/>
+        </p:nvSpPr>
+        <p:spPr>
+          <a:xfrm>
+            <a:off x="1415981" y="4273436"/>
+            <a:ext cx="1143000" cy="276999"/>
+          </a:xfrm>
+          <a:prstGeom prst="rect">
+            <a:avLst/>
+          </a:prstGeom>
+          <a:noFill/>
+        </p:spPr>
+        <p:txBody>
+          <a:bodyPr wrap="square" rtlCol="0">
+            <a:spAutoFit/>
+          </a:bodyPr>
+          <a:lstStyle/>
+          <a:p>
+            <a:r>
+              <a:rPr lang="en-US" sz="1200" dirty="0" smtClean="0">
+                <a:solidFill>
+                  <a:schemeClr val="bg1"/>
+                </a:solidFill>
+              </a:rPr>
+              <a:t>1, 2, 3, 4, 5, 6</a:t>
+            </a:r>
+            <a:endParaRPr lang="en-US" sz="1200" dirty="0">
+              <a:solidFill>
+                <a:schemeClr val="bg1"/>
+              </a:solidFill>
+            </a:endParaRPr>
+          </a:p>
+        </p:txBody>
+      </p:sp>
+      <p:sp>
+        <p:nvSpPr>
+          <p:cNvPr id="40" name="TextBox 39"/>
+          <p:cNvSpPr txBox="1"/>
+          <p:nvPr/>
+        </p:nvSpPr>
+        <p:spPr>
+          <a:xfrm>
+            <a:off x="5945505" y="5081352"/>
+            <a:ext cx="1489710" cy="307777"/>
+          </a:xfrm>
+          <a:prstGeom prst="rect">
+            <a:avLst/>
+          </a:prstGeom>
+          <a:noFill/>
+        </p:spPr>
+        <p:txBody>
+          <a:bodyPr wrap="square" rtlCol="0">
+            <a:spAutoFit/>
+          </a:bodyPr>
+          <a:lstStyle/>
+          <a:p>
+            <a:pPr algn="ctr"/>
+            <a:r>
+              <a:rPr lang="en-US" sz="1400" dirty="0" smtClean="0">
+                <a:solidFill>
+                  <a:schemeClr val="bg1"/>
+                </a:solidFill>
+              </a:rPr>
+              <a:t>Consumer Group</a:t>
+            </a:r>
+            <a:endParaRPr lang="en-US" sz="1400" dirty="0">
+              <a:solidFill>
+                <a:schemeClr val="bg1"/>
+              </a:solidFill>
+            </a:endParaRPr>
+          </a:p>
+        </p:txBody>
+      </p:sp>
+      <p:sp>
+        <p:nvSpPr>
+          <p:cNvPr id="41" name="TextBox 40"/>
+          <p:cNvSpPr txBox="1"/>
+          <p:nvPr/>
+        </p:nvSpPr>
+        <p:spPr>
+          <a:xfrm>
+            <a:off x="5910804" y="3389184"/>
+            <a:ext cx="1489710" cy="307777"/>
+          </a:xfrm>
+          <a:prstGeom prst="rect">
+            <a:avLst/>
+          </a:prstGeom>
+          <a:noFill/>
+        </p:spPr>
+        <p:txBody>
+          <a:bodyPr wrap="square" rtlCol="0">
+            <a:spAutoFit/>
+          </a:bodyPr>
+          <a:lstStyle/>
+          <a:p>
+            <a:pPr algn="ctr"/>
+            <a:r>
+              <a:rPr lang="en-US" sz="1400" dirty="0" smtClean="0">
+                <a:solidFill>
+                  <a:schemeClr val="bg1"/>
+                </a:solidFill>
+              </a:rPr>
+              <a:t>Consumer Group</a:t>
+            </a:r>
+            <a:endParaRPr lang="en-US" sz="1400" dirty="0">
+              <a:solidFill>
+                <a:schemeClr val="bg1"/>
+              </a:solidFill>
+            </a:endParaRPr>
+          </a:p>
+        </p:txBody>
+      </p:sp>
+    </p:spTree>
+    <p:extLst>
+      <p:ext uri="{BB962C8B-B14F-4D97-AF65-F5344CB8AC3E}">
+        <p14:creationId xmlns:p14="http://schemas.microsoft.com/office/powerpoint/2010/main" val="2085703650"/>
       </p:ext>
     </p:extLst>
   </p:cSld>

--- a/BusinessLogic/Docs/EdaWorkshop_Sprint2.pptx
+++ b/BusinessLogic/Docs/EdaWorkshop_Sprint2.pptx
@@ -259,7 +259,7 @@
           <a:p>
             <a:fld id="{0B5D536D-AE8C-4EAC-8CEB-B18A64A144B4}" type="datetimeFigureOut">
               <a:rPr lang="en-US" smtClean="0"/>
-              <a:t>10/5/2021</a:t>
+              <a:t>10/6/2021</a:t>
             </a:fld>
             <a:endParaRPr lang="en-US"/>
           </a:p>
@@ -429,7 +429,7 @@
           <a:p>
             <a:fld id="{0B5D536D-AE8C-4EAC-8CEB-B18A64A144B4}" type="datetimeFigureOut">
               <a:rPr lang="en-US" smtClean="0"/>
-              <a:t>10/5/2021</a:t>
+              <a:t>10/6/2021</a:t>
             </a:fld>
             <a:endParaRPr lang="en-US"/>
           </a:p>
@@ -609,7 +609,7 @@
           <a:p>
             <a:fld id="{0B5D536D-AE8C-4EAC-8CEB-B18A64A144B4}" type="datetimeFigureOut">
               <a:rPr lang="en-US" smtClean="0"/>
-              <a:t>10/5/2021</a:t>
+              <a:t>10/6/2021</a:t>
             </a:fld>
             <a:endParaRPr lang="en-US"/>
           </a:p>
@@ -779,7 +779,7 @@
           <a:p>
             <a:fld id="{0B5D536D-AE8C-4EAC-8CEB-B18A64A144B4}" type="datetimeFigureOut">
               <a:rPr lang="en-US" smtClean="0"/>
-              <a:t>10/5/2021</a:t>
+              <a:t>10/6/2021</a:t>
             </a:fld>
             <a:endParaRPr lang="en-US"/>
           </a:p>
@@ -1025,7 +1025,7 @@
           <a:p>
             <a:fld id="{0B5D536D-AE8C-4EAC-8CEB-B18A64A144B4}" type="datetimeFigureOut">
               <a:rPr lang="en-US" smtClean="0"/>
-              <a:t>10/5/2021</a:t>
+              <a:t>10/6/2021</a:t>
             </a:fld>
             <a:endParaRPr lang="en-US"/>
           </a:p>
@@ -1257,7 +1257,7 @@
           <a:p>
             <a:fld id="{0B5D536D-AE8C-4EAC-8CEB-B18A64A144B4}" type="datetimeFigureOut">
               <a:rPr lang="en-US" smtClean="0"/>
-              <a:t>10/5/2021</a:t>
+              <a:t>10/6/2021</a:t>
             </a:fld>
             <a:endParaRPr lang="en-US"/>
           </a:p>
@@ -1624,7 +1624,7 @@
           <a:p>
             <a:fld id="{0B5D536D-AE8C-4EAC-8CEB-B18A64A144B4}" type="datetimeFigureOut">
               <a:rPr lang="en-US" smtClean="0"/>
-              <a:t>10/5/2021</a:t>
+              <a:t>10/6/2021</a:t>
             </a:fld>
             <a:endParaRPr lang="en-US"/>
           </a:p>
@@ -1742,7 +1742,7 @@
           <a:p>
             <a:fld id="{0B5D536D-AE8C-4EAC-8CEB-B18A64A144B4}" type="datetimeFigureOut">
               <a:rPr lang="en-US" smtClean="0"/>
-              <a:t>10/5/2021</a:t>
+              <a:t>10/6/2021</a:t>
             </a:fld>
             <a:endParaRPr lang="en-US"/>
           </a:p>
@@ -1837,7 +1837,7 @@
           <a:p>
             <a:fld id="{0B5D536D-AE8C-4EAC-8CEB-B18A64A144B4}" type="datetimeFigureOut">
               <a:rPr lang="en-US" smtClean="0"/>
-              <a:t>10/5/2021</a:t>
+              <a:t>10/6/2021</a:t>
             </a:fld>
             <a:endParaRPr lang="en-US"/>
           </a:p>
@@ -2114,7 +2114,7 @@
           <a:p>
             <a:fld id="{0B5D536D-AE8C-4EAC-8CEB-B18A64A144B4}" type="datetimeFigureOut">
               <a:rPr lang="en-US" smtClean="0"/>
-              <a:t>10/5/2021</a:t>
+              <a:t>10/6/2021</a:t>
             </a:fld>
             <a:endParaRPr lang="en-US"/>
           </a:p>
@@ -2367,7 +2367,7 @@
           <a:p>
             <a:fld id="{0B5D536D-AE8C-4EAC-8CEB-B18A64A144B4}" type="datetimeFigureOut">
               <a:rPr lang="en-US" smtClean="0"/>
-              <a:t>10/5/2021</a:t>
+              <a:t>10/6/2021</a:t>
             </a:fld>
             <a:endParaRPr lang="en-US"/>
           </a:p>
@@ -2580,7 +2580,7 @@
           <a:p>
             <a:fld id="{0B5D536D-AE8C-4EAC-8CEB-B18A64A144B4}" type="datetimeFigureOut">
               <a:rPr lang="en-US" smtClean="0"/>
-              <a:t>10/5/2021</a:t>
+              <a:t>10/6/2021</a:t>
             </a:fld>
             <a:endParaRPr lang="en-US"/>
           </a:p>
@@ -4614,7 +4614,7 @@
         </p:spPr>
         <p:txBody>
           <a:bodyPr>
-            <a:normAutofit lnSpcReduction="10000"/>
+            <a:normAutofit/>
           </a:bodyPr>
           <a:lstStyle/>
           <a:p>
@@ -4628,22 +4628,10 @@
           </a:p>
           <a:p>
             <a:r>
-              <a:rPr lang="en-US" dirty="0" smtClean="0"/>
-              <a:t>Use the same Publish Profile we created in Sprint 1</a:t>
-            </a:r>
-          </a:p>
-          <a:p>
-            <a:pPr lvl="1"/>
-            <a:r>
-              <a:rPr lang="en-US" dirty="0" smtClean="0"/>
-              <a:t>New Function App</a:t>
-            </a:r>
-          </a:p>
-          <a:p>
-            <a:r>
-              <a:rPr lang="en-US" dirty="0" smtClean="0"/>
+              <a:rPr lang="en-US" smtClean="0"/>
               <a:t>Publish</a:t>
             </a:r>
+            <a:endParaRPr lang="en-US" dirty="0" smtClean="0"/>
           </a:p>
           <a:p>
             <a:r>
@@ -4782,11 +4770,7 @@
           <a:p>
             <a:r>
               <a:rPr lang="en-US" dirty="0" smtClean="0"/>
-              <a:t>Taking </a:t>
-            </a:r>
-            <a:r>
-              <a:rPr lang="en-US" dirty="0" smtClean="0"/>
-              <a:t>advantage </a:t>
+              <a:t>Taking advantage </a:t>
             </a:r>
             <a:r>
               <a:rPr lang="en-US" dirty="0"/>
